--- a/dokumen/ppt_csd40.pptx
+++ b/dokumen/ppt_csd40.pptx
@@ -11,7 +11,9 @@
     <p:sldId id="258" r:id="rId5"/>
     <p:sldId id="260" r:id="rId6"/>
     <p:sldId id="261" r:id="rId7"/>
-    <p:sldId id="262" r:id="rId8"/>
+    <p:sldId id="264" r:id="rId8"/>
+    <p:sldId id="265" r:id="rId9"/>
+    <p:sldId id="262" r:id="rId10"/>
   </p:sldIdLst>
   <p:sldSz cx="12192000" cy="6858000"/>
   <p:notesSz cx="6858000" cy="9144000"/>
@@ -267,7 +269,7 @@
           <a:p>
             <a:fld id="{FE276FF3-D8AB-43B2-AE1A-D3BDBB7D4745}" type="datetimeFigureOut">
               <a:rPr lang="en-ID" smtClean="0"/>
-              <a:t>22/12/2021</a:t>
+              <a:t>23/12/2021</a:t>
             </a:fld>
             <a:endParaRPr lang="en-ID"/>
           </a:p>
@@ -467,7 +469,7 @@
           <a:p>
             <a:fld id="{FE276FF3-D8AB-43B2-AE1A-D3BDBB7D4745}" type="datetimeFigureOut">
               <a:rPr lang="en-ID" smtClean="0"/>
-              <a:t>22/12/2021</a:t>
+              <a:t>23/12/2021</a:t>
             </a:fld>
             <a:endParaRPr lang="en-ID"/>
           </a:p>
@@ -677,7 +679,7 @@
           <a:p>
             <a:fld id="{FE276FF3-D8AB-43B2-AE1A-D3BDBB7D4745}" type="datetimeFigureOut">
               <a:rPr lang="en-ID" smtClean="0"/>
-              <a:t>22/12/2021</a:t>
+              <a:t>23/12/2021</a:t>
             </a:fld>
             <a:endParaRPr lang="en-ID"/>
           </a:p>
@@ -877,7 +879,7 @@
           <a:p>
             <a:fld id="{FE276FF3-D8AB-43B2-AE1A-D3BDBB7D4745}" type="datetimeFigureOut">
               <a:rPr lang="en-ID" smtClean="0"/>
-              <a:t>22/12/2021</a:t>
+              <a:t>23/12/2021</a:t>
             </a:fld>
             <a:endParaRPr lang="en-ID"/>
           </a:p>
@@ -1153,7 +1155,7 @@
           <a:p>
             <a:fld id="{FE276FF3-D8AB-43B2-AE1A-D3BDBB7D4745}" type="datetimeFigureOut">
               <a:rPr lang="en-ID" smtClean="0"/>
-              <a:t>22/12/2021</a:t>
+              <a:t>23/12/2021</a:t>
             </a:fld>
             <a:endParaRPr lang="en-ID"/>
           </a:p>
@@ -1421,7 +1423,7 @@
           <a:p>
             <a:fld id="{FE276FF3-D8AB-43B2-AE1A-D3BDBB7D4745}" type="datetimeFigureOut">
               <a:rPr lang="en-ID" smtClean="0"/>
-              <a:t>22/12/2021</a:t>
+              <a:t>23/12/2021</a:t>
             </a:fld>
             <a:endParaRPr lang="en-ID"/>
           </a:p>
@@ -1836,7 +1838,7 @@
           <a:p>
             <a:fld id="{FE276FF3-D8AB-43B2-AE1A-D3BDBB7D4745}" type="datetimeFigureOut">
               <a:rPr lang="en-ID" smtClean="0"/>
-              <a:t>22/12/2021</a:t>
+              <a:t>23/12/2021</a:t>
             </a:fld>
             <a:endParaRPr lang="en-ID"/>
           </a:p>
@@ -1978,7 +1980,7 @@
           <a:p>
             <a:fld id="{FE276FF3-D8AB-43B2-AE1A-D3BDBB7D4745}" type="datetimeFigureOut">
               <a:rPr lang="en-ID" smtClean="0"/>
-              <a:t>22/12/2021</a:t>
+              <a:t>23/12/2021</a:t>
             </a:fld>
             <a:endParaRPr lang="en-ID"/>
           </a:p>
@@ -2091,7 +2093,7 @@
           <a:p>
             <a:fld id="{FE276FF3-D8AB-43B2-AE1A-D3BDBB7D4745}" type="datetimeFigureOut">
               <a:rPr lang="en-ID" smtClean="0"/>
-              <a:t>22/12/2021</a:t>
+              <a:t>23/12/2021</a:t>
             </a:fld>
             <a:endParaRPr lang="en-ID"/>
           </a:p>
@@ -2404,7 +2406,7 @@
           <a:p>
             <a:fld id="{FE276FF3-D8AB-43B2-AE1A-D3BDBB7D4745}" type="datetimeFigureOut">
               <a:rPr lang="en-ID" smtClean="0"/>
-              <a:t>22/12/2021</a:t>
+              <a:t>23/12/2021</a:t>
             </a:fld>
             <a:endParaRPr lang="en-ID"/>
           </a:p>
@@ -2693,7 +2695,7 @@
           <a:p>
             <a:fld id="{FE276FF3-D8AB-43B2-AE1A-D3BDBB7D4745}" type="datetimeFigureOut">
               <a:rPr lang="en-ID" smtClean="0"/>
-              <a:t>22/12/2021</a:t>
+              <a:t>23/12/2021</a:t>
             </a:fld>
             <a:endParaRPr lang="en-ID"/>
           </a:p>
@@ -2936,7 +2938,7 @@
           <a:p>
             <a:fld id="{FE276FF3-D8AB-43B2-AE1A-D3BDBB7D4745}" type="datetimeFigureOut">
               <a:rPr lang="en-ID" smtClean="0"/>
-              <a:t>22/12/2021</a:t>
+              <a:t>23/12/2021</a:t>
             </a:fld>
             <a:endParaRPr lang="en-ID"/>
           </a:p>
@@ -6371,6 +6373,1035 @@
 </file>
 
 <file path=ppt/slides/slide7.xml><?xml version="1.0" encoding="utf-8"?>
+<p:sld xmlns:a="http://schemas.openxmlformats.org/drawingml/2006/main" xmlns:r="http://schemas.openxmlformats.org/officeDocument/2006/relationships" xmlns:p="http://schemas.openxmlformats.org/presentationml/2006/main">
+  <p:cSld>
+    <p:spTree>
+      <p:nvGrpSpPr>
+        <p:cNvPr id="1" name=""/>
+        <p:cNvGrpSpPr/>
+        <p:nvPr/>
+      </p:nvGrpSpPr>
+      <p:grpSpPr>
+        <a:xfrm>
+          <a:off x="0" y="0"/>
+          <a:ext cx="0" cy="0"/>
+          <a:chOff x="0" y="0"/>
+          <a:chExt cx="0" cy="0"/>
+        </a:xfrm>
+      </p:grpSpPr>
+      <p:sp>
+        <p:nvSpPr>
+          <p:cNvPr id="4" name="Title 3">
+            <a:extLst>
+              <a:ext uri="{FF2B5EF4-FFF2-40B4-BE49-F238E27FC236}">
+                <a16:creationId xmlns:a16="http://schemas.microsoft.com/office/drawing/2014/main" id="{B86B5304-236F-4316-834A-F8D9E0BD0DFF}"/>
+              </a:ext>
+            </a:extLst>
+          </p:cNvPr>
+          <p:cNvSpPr txBox="1">
+            <a:spLocks/>
+          </p:cNvSpPr>
+          <p:nvPr/>
+        </p:nvSpPr>
+        <p:spPr>
+          <a:xfrm>
+            <a:off x="2426748" y="749139"/>
+            <a:ext cx="7713306" cy="911710"/>
+          </a:xfrm>
+          <a:prstGeom prst="rect">
+            <a:avLst/>
+          </a:prstGeom>
+          <a:ln>
+            <a:noFill/>
+          </a:ln>
+        </p:spPr>
+        <p:txBody>
+          <a:bodyPr>
+            <a:normAutofit fontScale="85000" lnSpcReduction="10000"/>
+          </a:bodyPr>
+          <a:lstStyle>
+            <a:lvl1pPr algn="l" defTabSz="914400" rtl="0" eaLnBrk="1" latinLnBrk="0" hangingPunct="1">
+              <a:lnSpc>
+                <a:spcPct val="90000"/>
+              </a:lnSpc>
+              <a:spcBef>
+                <a:spcPct val="0"/>
+              </a:spcBef>
+              <a:buNone/>
+              <a:defRPr sz="4400" kern="1200">
+                <a:solidFill>
+                  <a:schemeClr val="tx1"/>
+                </a:solidFill>
+                <a:latin typeface="+mj-lt"/>
+                <a:ea typeface="+mj-ea"/>
+                <a:cs typeface="+mj-cs"/>
+              </a:defRPr>
+            </a:lvl1pPr>
+          </a:lstStyle>
+          <a:p>
+            <a:r>
+              <a:rPr lang="en-US" sz="5000" i="1" dirty="0">
+                <a:solidFill>
+                  <a:srgbClr val="5CA0CA"/>
+                </a:solidFill>
+                <a:latin typeface="Arial Rounded MT Bold" panose="020F0704030504030204" pitchFamily="34" charset="0"/>
+              </a:rPr>
+              <a:t>Library</a:t>
+            </a:r>
+            <a:r>
+              <a:rPr lang="en-US" sz="5000" dirty="0">
+                <a:solidFill>
+                  <a:srgbClr val="5CA0CA"/>
+                </a:solidFill>
+                <a:latin typeface="Arial Rounded MT Bold" panose="020F0704030504030204" pitchFamily="34" charset="0"/>
+              </a:rPr>
+              <a:t> yang kami </a:t>
+            </a:r>
+            <a:r>
+              <a:rPr lang="en-US" sz="5000" dirty="0" err="1">
+                <a:solidFill>
+                  <a:srgbClr val="5CA0CA"/>
+                </a:solidFill>
+                <a:latin typeface="Arial Rounded MT Bold" panose="020F0704030504030204" pitchFamily="34" charset="0"/>
+              </a:rPr>
+              <a:t>gunakan</a:t>
+            </a:r>
+            <a:endParaRPr lang="en-ID" sz="5000" i="1" dirty="0">
+              <a:solidFill>
+                <a:srgbClr val="FF0000"/>
+              </a:solidFill>
+              <a:latin typeface="Arial Rounded MT Bold" panose="020F0704030504030204" pitchFamily="34" charset="0"/>
+            </a:endParaRPr>
+          </a:p>
+        </p:txBody>
+      </p:sp>
+      <p:sp>
+        <p:nvSpPr>
+          <p:cNvPr id="8" name="TextBox 7">
+            <a:extLst>
+              <a:ext uri="{FF2B5EF4-FFF2-40B4-BE49-F238E27FC236}">
+                <a16:creationId xmlns:a16="http://schemas.microsoft.com/office/drawing/2014/main" id="{6745FEC0-141D-47CF-AA71-B8BB6D3FCD1D}"/>
+              </a:ext>
+            </a:extLst>
+          </p:cNvPr>
+          <p:cNvSpPr txBox="1"/>
+          <p:nvPr/>
+        </p:nvSpPr>
+        <p:spPr>
+          <a:xfrm>
+            <a:off x="2051574" y="1430385"/>
+            <a:ext cx="8463654" cy="4818435"/>
+          </a:xfrm>
+          <a:prstGeom prst="rect">
+            <a:avLst/>
+          </a:prstGeom>
+          <a:noFill/>
+        </p:spPr>
+        <p:txBody>
+          <a:bodyPr wrap="square" rtlCol="0">
+            <a:spAutoFit/>
+          </a:bodyPr>
+          <a:lstStyle/>
+          <a:p>
+            <a:pPr marL="228600">
+              <a:lnSpc>
+                <a:spcPct val="150000"/>
+              </a:lnSpc>
+              <a:spcAft>
+                <a:spcPts val="800"/>
+              </a:spcAft>
+            </a:pPr>
+            <a:r>
+              <a:rPr lang="id-ID" sz="1800" dirty="0">
+                <a:effectLst/>
+                <a:latin typeface="Times New Roman" panose="02020603050405020304" pitchFamily="18" charset="0"/>
+                <a:ea typeface="Calibri" panose="020F0502020204030204" pitchFamily="34" charset="0"/>
+                <a:cs typeface="Times New Roman" panose="02020603050405020304" pitchFamily="18" charset="0"/>
+              </a:rPr>
+              <a:t>1. </a:t>
+            </a:r>
+            <a:r>
+              <a:rPr lang="id-ID" sz="1800" b="1" dirty="0">
+                <a:effectLst/>
+                <a:latin typeface="Times New Roman" panose="02020603050405020304" pitchFamily="18" charset="0"/>
+                <a:ea typeface="Calibri" panose="020F0502020204030204" pitchFamily="34" charset="0"/>
+                <a:cs typeface="Times New Roman" panose="02020603050405020304" pitchFamily="18" charset="0"/>
+              </a:rPr>
+              <a:t>Circle image </a:t>
+            </a:r>
+            <a:r>
+              <a:rPr lang="id-ID" sz="1800" dirty="0">
+                <a:effectLst/>
+                <a:latin typeface="Times New Roman" panose="02020603050405020304" pitchFamily="18" charset="0"/>
+                <a:ea typeface="Calibri" panose="020F0502020204030204" pitchFamily="34" charset="0"/>
+                <a:cs typeface="Times New Roman" panose="02020603050405020304" pitchFamily="18" charset="0"/>
+              </a:rPr>
+              <a:t>(implementation 'de.hdodenhof:circleimageview:3.1.0')</a:t>
+            </a:r>
+            <a:endParaRPr lang="en-ID" sz="1800" dirty="0">
+              <a:effectLst/>
+              <a:latin typeface="Calibri" panose="020F0502020204030204" pitchFamily="34" charset="0"/>
+              <a:ea typeface="Calibri" panose="020F0502020204030204" pitchFamily="34" charset="0"/>
+              <a:cs typeface="Times New Roman" panose="02020603050405020304" pitchFamily="18" charset="0"/>
+            </a:endParaRPr>
+          </a:p>
+          <a:p>
+            <a:pPr marL="228600">
+              <a:lnSpc>
+                <a:spcPct val="150000"/>
+              </a:lnSpc>
+              <a:spcAft>
+                <a:spcPts val="800"/>
+              </a:spcAft>
+            </a:pPr>
+            <a:r>
+              <a:rPr lang="id-ID" sz="1800" dirty="0">
+                <a:effectLst/>
+                <a:latin typeface="Times New Roman" panose="02020603050405020304" pitchFamily="18" charset="0"/>
+                <a:ea typeface="Calibri" panose="020F0502020204030204" pitchFamily="34" charset="0"/>
+                <a:cs typeface="Times New Roman" panose="02020603050405020304" pitchFamily="18" charset="0"/>
+              </a:rPr>
+              <a:t>2. </a:t>
+            </a:r>
+            <a:r>
+              <a:rPr lang="id-ID" sz="1800" b="1" dirty="0">
+                <a:effectLst/>
+                <a:latin typeface="Times New Roman" panose="02020603050405020304" pitchFamily="18" charset="0"/>
+                <a:ea typeface="Calibri" panose="020F0502020204030204" pitchFamily="34" charset="0"/>
+                <a:cs typeface="Times New Roman" panose="02020603050405020304" pitchFamily="18" charset="0"/>
+              </a:rPr>
+              <a:t>Ripple Effect Layout </a:t>
+            </a:r>
+            <a:r>
+              <a:rPr lang="id-ID" sz="1800" dirty="0">
+                <a:effectLst/>
+                <a:latin typeface="Times New Roman" panose="02020603050405020304" pitchFamily="18" charset="0"/>
+                <a:ea typeface="Calibri" panose="020F0502020204030204" pitchFamily="34" charset="0"/>
+                <a:cs typeface="Times New Roman" panose="02020603050405020304" pitchFamily="18" charset="0"/>
+              </a:rPr>
+              <a:t>(implementation 'com.skyfishjy.ripplebackground:library:1.0.1')</a:t>
+            </a:r>
+            <a:endParaRPr lang="en-ID" sz="1800" dirty="0">
+              <a:effectLst/>
+              <a:latin typeface="Calibri" panose="020F0502020204030204" pitchFamily="34" charset="0"/>
+              <a:ea typeface="Calibri" panose="020F0502020204030204" pitchFamily="34" charset="0"/>
+              <a:cs typeface="Times New Roman" panose="02020603050405020304" pitchFamily="18" charset="0"/>
+            </a:endParaRPr>
+          </a:p>
+          <a:p>
+            <a:pPr marL="228600">
+              <a:lnSpc>
+                <a:spcPct val="150000"/>
+              </a:lnSpc>
+              <a:spcAft>
+                <a:spcPts val="800"/>
+              </a:spcAft>
+            </a:pPr>
+            <a:r>
+              <a:rPr lang="id-ID" sz="1800" dirty="0">
+                <a:effectLst/>
+                <a:latin typeface="Times New Roman" panose="02020603050405020304" pitchFamily="18" charset="0"/>
+                <a:ea typeface="Calibri" panose="020F0502020204030204" pitchFamily="34" charset="0"/>
+                <a:cs typeface="Times New Roman" panose="02020603050405020304" pitchFamily="18" charset="0"/>
+              </a:rPr>
+              <a:t>3. </a:t>
+            </a:r>
+            <a:r>
+              <a:rPr lang="id-ID" sz="1800" b="1" dirty="0">
+                <a:effectLst/>
+                <a:latin typeface="Times New Roman" panose="02020603050405020304" pitchFamily="18" charset="0"/>
+                <a:ea typeface="Calibri" panose="020F0502020204030204" pitchFamily="34" charset="0"/>
+                <a:cs typeface="Times New Roman" panose="02020603050405020304" pitchFamily="18" charset="0"/>
+              </a:rPr>
+              <a:t>Picasso</a:t>
+            </a:r>
+            <a:r>
+              <a:rPr lang="id-ID" sz="1800" dirty="0">
+                <a:effectLst/>
+                <a:latin typeface="Times New Roman" panose="02020603050405020304" pitchFamily="18" charset="0"/>
+                <a:ea typeface="Calibri" panose="020F0502020204030204" pitchFamily="34" charset="0"/>
+                <a:cs typeface="Times New Roman" panose="02020603050405020304" pitchFamily="18" charset="0"/>
+              </a:rPr>
+              <a:t> (implementation 'com.squareup.picasso:picasso:2.71828')</a:t>
+            </a:r>
+            <a:endParaRPr lang="en-ID" sz="1800" dirty="0">
+              <a:effectLst/>
+              <a:latin typeface="Calibri" panose="020F0502020204030204" pitchFamily="34" charset="0"/>
+              <a:ea typeface="Calibri" panose="020F0502020204030204" pitchFamily="34" charset="0"/>
+              <a:cs typeface="Times New Roman" panose="02020603050405020304" pitchFamily="18" charset="0"/>
+            </a:endParaRPr>
+          </a:p>
+          <a:p>
+            <a:pPr marL="228600">
+              <a:lnSpc>
+                <a:spcPct val="150000"/>
+              </a:lnSpc>
+              <a:spcAft>
+                <a:spcPts val="800"/>
+              </a:spcAft>
+            </a:pPr>
+            <a:r>
+              <a:rPr lang="id-ID" sz="1800" dirty="0">
+                <a:effectLst/>
+                <a:latin typeface="Times New Roman" panose="02020603050405020304" pitchFamily="18" charset="0"/>
+                <a:ea typeface="Calibri" panose="020F0502020204030204" pitchFamily="34" charset="0"/>
+                <a:cs typeface="Times New Roman" panose="02020603050405020304" pitchFamily="18" charset="0"/>
+              </a:rPr>
+              <a:t>4. </a:t>
+            </a:r>
+            <a:r>
+              <a:rPr lang="id-ID" sz="1800" b="1" dirty="0">
+                <a:effectLst/>
+                <a:latin typeface="Times New Roman" panose="02020603050405020304" pitchFamily="18" charset="0"/>
+                <a:ea typeface="Calibri" panose="020F0502020204030204" pitchFamily="34" charset="0"/>
+                <a:cs typeface="Times New Roman" panose="02020603050405020304" pitchFamily="18" charset="0"/>
+              </a:rPr>
+              <a:t>gooogle gms </a:t>
+            </a:r>
+            <a:r>
+              <a:rPr lang="id-ID" sz="1800" dirty="0">
+                <a:effectLst/>
+                <a:latin typeface="Times New Roman" panose="02020603050405020304" pitchFamily="18" charset="0"/>
+                <a:ea typeface="Calibri" panose="020F0502020204030204" pitchFamily="34" charset="0"/>
+                <a:cs typeface="Times New Roman" panose="02020603050405020304" pitchFamily="18" charset="0"/>
+              </a:rPr>
+              <a:t>(implementation 'com.google.android.gms:play-services-location:18.0.0')</a:t>
+            </a:r>
+            <a:endParaRPr lang="en-ID" sz="1800" dirty="0">
+              <a:effectLst/>
+              <a:latin typeface="Calibri" panose="020F0502020204030204" pitchFamily="34" charset="0"/>
+              <a:ea typeface="Calibri" panose="020F0502020204030204" pitchFamily="34" charset="0"/>
+              <a:cs typeface="Times New Roman" panose="02020603050405020304" pitchFamily="18" charset="0"/>
+            </a:endParaRPr>
+          </a:p>
+          <a:p>
+            <a:pPr marL="228600">
+              <a:lnSpc>
+                <a:spcPct val="150000"/>
+              </a:lnSpc>
+              <a:spcAft>
+                <a:spcPts val="800"/>
+              </a:spcAft>
+            </a:pPr>
+            <a:r>
+              <a:rPr lang="id-ID" sz="1800" dirty="0">
+                <a:effectLst/>
+                <a:latin typeface="Times New Roman" panose="02020603050405020304" pitchFamily="18" charset="0"/>
+                <a:ea typeface="Calibri" panose="020F0502020204030204" pitchFamily="34" charset="0"/>
+                <a:cs typeface="Times New Roman" panose="02020603050405020304" pitchFamily="18" charset="0"/>
+              </a:rPr>
+              <a:t>5. </a:t>
+            </a:r>
+            <a:r>
+              <a:rPr lang="id-ID" sz="1800" b="1" dirty="0">
+                <a:effectLst/>
+                <a:latin typeface="Times New Roman" panose="02020603050405020304" pitchFamily="18" charset="0"/>
+                <a:ea typeface="Calibri" panose="020F0502020204030204" pitchFamily="34" charset="0"/>
+                <a:cs typeface="Times New Roman" panose="02020603050405020304" pitchFamily="18" charset="0"/>
+              </a:rPr>
+              <a:t>Motion Tost</a:t>
+            </a:r>
+            <a:r>
+              <a:rPr lang="id-ID" sz="1800" dirty="0">
+                <a:effectLst/>
+                <a:latin typeface="Times New Roman" panose="02020603050405020304" pitchFamily="18" charset="0"/>
+                <a:ea typeface="Calibri" panose="020F0502020204030204" pitchFamily="34" charset="0"/>
+                <a:cs typeface="Times New Roman" panose="02020603050405020304" pitchFamily="18" charset="0"/>
+              </a:rPr>
+              <a:t> (implementation 'com.github.Spikeysanju:MotionToast:1.4')</a:t>
+            </a:r>
+            <a:endParaRPr lang="en-ID" sz="1800" dirty="0">
+              <a:effectLst/>
+              <a:latin typeface="Calibri" panose="020F0502020204030204" pitchFamily="34" charset="0"/>
+              <a:ea typeface="Calibri" panose="020F0502020204030204" pitchFamily="34" charset="0"/>
+              <a:cs typeface="Times New Roman" panose="02020603050405020304" pitchFamily="18" charset="0"/>
+            </a:endParaRPr>
+          </a:p>
+          <a:p>
+            <a:pPr marL="228600">
+              <a:lnSpc>
+                <a:spcPct val="150000"/>
+              </a:lnSpc>
+              <a:spcAft>
+                <a:spcPts val="800"/>
+              </a:spcAft>
+            </a:pPr>
+            <a:r>
+              <a:rPr lang="id-ID" sz="1800" dirty="0">
+                <a:effectLst/>
+                <a:latin typeface="Times New Roman" panose="02020603050405020304" pitchFamily="18" charset="0"/>
+                <a:ea typeface="Calibri" panose="020F0502020204030204" pitchFamily="34" charset="0"/>
+                <a:cs typeface="Times New Roman" panose="02020603050405020304" pitchFamily="18" charset="0"/>
+              </a:rPr>
+              <a:t>6. </a:t>
+            </a:r>
+            <a:r>
+              <a:rPr lang="id-ID" sz="1800" b="1" dirty="0">
+                <a:effectLst/>
+                <a:latin typeface="Times New Roman" panose="02020603050405020304" pitchFamily="18" charset="0"/>
+                <a:ea typeface="Calibri" panose="020F0502020204030204" pitchFamily="34" charset="0"/>
+                <a:cs typeface="Times New Roman" panose="02020603050405020304" pitchFamily="18" charset="0"/>
+              </a:rPr>
+              <a:t>Lottie Animation </a:t>
+            </a:r>
+            <a:r>
+              <a:rPr lang="id-ID" sz="1800" dirty="0">
+                <a:effectLst/>
+                <a:latin typeface="Times New Roman" panose="02020603050405020304" pitchFamily="18" charset="0"/>
+                <a:ea typeface="Calibri" panose="020F0502020204030204" pitchFamily="34" charset="0"/>
+                <a:cs typeface="Times New Roman" panose="02020603050405020304" pitchFamily="18" charset="0"/>
+              </a:rPr>
+              <a:t>(def lottieVersion = "3.4.0" implementation "com.airbnb.android:lottie:$lottieVersion")</a:t>
+            </a:r>
+            <a:endParaRPr lang="en-ID" sz="1800" dirty="0">
+              <a:effectLst/>
+              <a:latin typeface="Calibri" panose="020F0502020204030204" pitchFamily="34" charset="0"/>
+              <a:ea typeface="Calibri" panose="020F0502020204030204" pitchFamily="34" charset="0"/>
+              <a:cs typeface="Times New Roman" panose="02020603050405020304" pitchFamily="18" charset="0"/>
+            </a:endParaRPr>
+          </a:p>
+          <a:p>
+            <a:pPr marL="228600">
+              <a:lnSpc>
+                <a:spcPct val="150000"/>
+              </a:lnSpc>
+              <a:spcAft>
+                <a:spcPts val="800"/>
+              </a:spcAft>
+            </a:pPr>
+            <a:r>
+              <a:rPr lang="id-ID" sz="1800" dirty="0">
+                <a:effectLst/>
+                <a:latin typeface="Times New Roman" panose="02020603050405020304" pitchFamily="18" charset="0"/>
+                <a:ea typeface="Calibri" panose="020F0502020204030204" pitchFamily="34" charset="0"/>
+                <a:cs typeface="Times New Roman" panose="02020603050405020304" pitchFamily="18" charset="0"/>
+              </a:rPr>
+              <a:t>7. </a:t>
+            </a:r>
+            <a:r>
+              <a:rPr lang="id-ID" sz="1800" b="1" dirty="0">
+                <a:effectLst/>
+                <a:latin typeface="Times New Roman" panose="02020603050405020304" pitchFamily="18" charset="0"/>
+                <a:ea typeface="Calibri" panose="020F0502020204030204" pitchFamily="34" charset="0"/>
+                <a:cs typeface="Times New Roman" panose="02020603050405020304" pitchFamily="18" charset="0"/>
+              </a:rPr>
+              <a:t>Wave animations</a:t>
+            </a:r>
+            <a:r>
+              <a:rPr lang="id-ID" sz="1800" dirty="0">
+                <a:effectLst/>
+                <a:latin typeface="Times New Roman" panose="02020603050405020304" pitchFamily="18" charset="0"/>
+                <a:ea typeface="Calibri" panose="020F0502020204030204" pitchFamily="34" charset="0"/>
+                <a:cs typeface="Times New Roman" panose="02020603050405020304" pitchFamily="18" charset="0"/>
+              </a:rPr>
+              <a:t> (implementation "com.scwang.wave:MultiWaveHeader:1.0.0")</a:t>
+            </a:r>
+            <a:endParaRPr lang="en-ID" sz="1800" dirty="0">
+              <a:effectLst/>
+              <a:latin typeface="Calibri" panose="020F0502020204030204" pitchFamily="34" charset="0"/>
+              <a:ea typeface="Calibri" panose="020F0502020204030204" pitchFamily="34" charset="0"/>
+              <a:cs typeface="Times New Roman" panose="02020603050405020304" pitchFamily="18" charset="0"/>
+            </a:endParaRPr>
+          </a:p>
+        </p:txBody>
+      </p:sp>
+    </p:spTree>
+    <p:extLst>
+      <p:ext uri="{BB962C8B-B14F-4D97-AF65-F5344CB8AC3E}">
+        <p14:creationId xmlns:p14="http://schemas.microsoft.com/office/powerpoint/2010/main" val="322334192"/>
+      </p:ext>
+    </p:extLst>
+  </p:cSld>
+  <p:clrMapOvr>
+    <a:masterClrMapping/>
+  </p:clrMapOvr>
+  <mc:AlternateContent xmlns:mc="http://schemas.openxmlformats.org/markup-compatibility/2006" xmlns:p159="http://schemas.microsoft.com/office/powerpoint/2015/09/main">
+    <mc:Choice Requires="p159">
+      <p:transition xmlns:p14="http://schemas.microsoft.com/office/powerpoint/2010/main" spd="slow" p14:dur="2000">
+        <p159:morph option="byObject"/>
+      </p:transition>
+    </mc:Choice>
+    <mc:Fallback xmlns="">
+      <p:transition spd="slow">
+        <p:fade/>
+      </p:transition>
+    </mc:Fallback>
+  </mc:AlternateContent>
+</p:sld>
+</file>
+
+<file path=ppt/slides/slide8.xml><?xml version="1.0" encoding="utf-8"?>
+<p:sld xmlns:a="http://schemas.openxmlformats.org/drawingml/2006/main" xmlns:r="http://schemas.openxmlformats.org/officeDocument/2006/relationships" xmlns:p="http://schemas.openxmlformats.org/presentationml/2006/main">
+  <p:cSld>
+    <p:spTree>
+      <p:nvGrpSpPr>
+        <p:cNvPr id="1" name=""/>
+        <p:cNvGrpSpPr/>
+        <p:nvPr/>
+      </p:nvGrpSpPr>
+      <p:grpSpPr>
+        <a:xfrm>
+          <a:off x="0" y="0"/>
+          <a:ext cx="0" cy="0"/>
+          <a:chOff x="0" y="0"/>
+          <a:chExt cx="0" cy="0"/>
+        </a:xfrm>
+      </p:grpSpPr>
+      <p:sp>
+        <p:nvSpPr>
+          <p:cNvPr id="4" name="Title 3">
+            <a:extLst>
+              <a:ext uri="{FF2B5EF4-FFF2-40B4-BE49-F238E27FC236}">
+                <a16:creationId xmlns:a16="http://schemas.microsoft.com/office/drawing/2014/main" id="{B86B5304-236F-4316-834A-F8D9E0BD0DFF}"/>
+              </a:ext>
+            </a:extLst>
+          </p:cNvPr>
+          <p:cNvSpPr txBox="1">
+            <a:spLocks/>
+          </p:cNvSpPr>
+          <p:nvPr/>
+        </p:nvSpPr>
+        <p:spPr>
+          <a:xfrm>
+            <a:off x="2426748" y="749139"/>
+            <a:ext cx="7713306" cy="911710"/>
+          </a:xfrm>
+          <a:prstGeom prst="rect">
+            <a:avLst/>
+          </a:prstGeom>
+          <a:ln>
+            <a:noFill/>
+          </a:ln>
+        </p:spPr>
+        <p:txBody>
+          <a:bodyPr>
+            <a:normAutofit fontScale="85000" lnSpcReduction="10000"/>
+          </a:bodyPr>
+          <a:lstStyle>
+            <a:lvl1pPr algn="l" defTabSz="914400" rtl="0" eaLnBrk="1" latinLnBrk="0" hangingPunct="1">
+              <a:lnSpc>
+                <a:spcPct val="90000"/>
+              </a:lnSpc>
+              <a:spcBef>
+                <a:spcPct val="0"/>
+              </a:spcBef>
+              <a:buNone/>
+              <a:defRPr sz="4400" kern="1200">
+                <a:solidFill>
+                  <a:schemeClr val="tx1"/>
+                </a:solidFill>
+                <a:latin typeface="+mj-lt"/>
+                <a:ea typeface="+mj-ea"/>
+                <a:cs typeface="+mj-cs"/>
+              </a:defRPr>
+            </a:lvl1pPr>
+          </a:lstStyle>
+          <a:p>
+            <a:r>
+              <a:rPr lang="en-US" sz="5000" i="1" dirty="0">
+                <a:solidFill>
+                  <a:srgbClr val="5CA0CA"/>
+                </a:solidFill>
+                <a:latin typeface="Arial Rounded MT Bold" panose="020F0704030504030204" pitchFamily="34" charset="0"/>
+              </a:rPr>
+              <a:t>Dataset</a:t>
+            </a:r>
+            <a:r>
+              <a:rPr lang="en-US" sz="5000" dirty="0">
+                <a:solidFill>
+                  <a:srgbClr val="5CA0CA"/>
+                </a:solidFill>
+                <a:latin typeface="Arial Rounded MT Bold" panose="020F0704030504030204" pitchFamily="34" charset="0"/>
+              </a:rPr>
+              <a:t> yang kami </a:t>
+            </a:r>
+            <a:r>
+              <a:rPr lang="en-US" sz="5000" dirty="0" err="1">
+                <a:solidFill>
+                  <a:srgbClr val="5CA0CA"/>
+                </a:solidFill>
+                <a:latin typeface="Arial Rounded MT Bold" panose="020F0704030504030204" pitchFamily="34" charset="0"/>
+              </a:rPr>
+              <a:t>gunakan</a:t>
+            </a:r>
+            <a:endParaRPr lang="en-ID" sz="5000" i="1" dirty="0">
+              <a:solidFill>
+                <a:srgbClr val="FF0000"/>
+              </a:solidFill>
+              <a:latin typeface="Arial Rounded MT Bold" panose="020F0704030504030204" pitchFamily="34" charset="0"/>
+            </a:endParaRPr>
+          </a:p>
+        </p:txBody>
+      </p:sp>
+      <p:sp>
+        <p:nvSpPr>
+          <p:cNvPr id="8" name="TextBox 7">
+            <a:extLst>
+              <a:ext uri="{FF2B5EF4-FFF2-40B4-BE49-F238E27FC236}">
+                <a16:creationId xmlns:a16="http://schemas.microsoft.com/office/drawing/2014/main" id="{6745FEC0-141D-47CF-AA71-B8BB6D3FCD1D}"/>
+              </a:ext>
+            </a:extLst>
+          </p:cNvPr>
+          <p:cNvSpPr txBox="1"/>
+          <p:nvPr/>
+        </p:nvSpPr>
+        <p:spPr>
+          <a:xfrm>
+            <a:off x="2051574" y="1430385"/>
+            <a:ext cx="8463654" cy="2332049"/>
+          </a:xfrm>
+          <a:prstGeom prst="rect">
+            <a:avLst/>
+          </a:prstGeom>
+          <a:noFill/>
+        </p:spPr>
+        <p:txBody>
+          <a:bodyPr wrap="square" rtlCol="0">
+            <a:spAutoFit/>
+          </a:bodyPr>
+          <a:lstStyle/>
+          <a:p>
+            <a:pPr marL="571500" indent="-342900">
+              <a:lnSpc>
+                <a:spcPct val="150000"/>
+              </a:lnSpc>
+              <a:spcAft>
+                <a:spcPts val="800"/>
+              </a:spcAft>
+              <a:buAutoNum type="arabicPeriod"/>
+            </a:pPr>
+            <a:r>
+              <a:rPr lang="en-US" sz="1800" b="1" dirty="0">
+                <a:solidFill>
+                  <a:srgbClr val="000000"/>
+                </a:solidFill>
+                <a:effectLst/>
+                <a:latin typeface="Times New Roman" panose="02020603050405020304" pitchFamily="18" charset="0"/>
+                <a:ea typeface="Times New Roman" panose="02020603050405020304" pitchFamily="18" charset="0"/>
+                <a:cs typeface="Times New Roman" panose="02020603050405020304" pitchFamily="18" charset="0"/>
+              </a:rPr>
+              <a:t>Logo </a:t>
+            </a:r>
+            <a:r>
+              <a:rPr lang="en-US" sz="1800" b="1" dirty="0" err="1">
+                <a:solidFill>
+                  <a:srgbClr val="000000"/>
+                </a:solidFill>
+                <a:effectLst/>
+                <a:latin typeface="Times New Roman" panose="02020603050405020304" pitchFamily="18" charset="0"/>
+                <a:ea typeface="Times New Roman" panose="02020603050405020304" pitchFamily="18" charset="0"/>
+                <a:cs typeface="Times New Roman" panose="02020603050405020304" pitchFamily="18" charset="0"/>
+              </a:rPr>
+              <a:t>kabupaten</a:t>
+            </a:r>
+            <a:r>
+              <a:rPr lang="en-US" sz="1800" b="1" dirty="0">
+                <a:solidFill>
+                  <a:srgbClr val="000000"/>
+                </a:solidFill>
+                <a:effectLst/>
+                <a:latin typeface="Times New Roman" panose="02020603050405020304" pitchFamily="18" charset="0"/>
+                <a:ea typeface="Times New Roman" panose="02020603050405020304" pitchFamily="18" charset="0"/>
+                <a:cs typeface="Times New Roman" panose="02020603050405020304" pitchFamily="18" charset="0"/>
+              </a:rPr>
+              <a:t> </a:t>
+            </a:r>
+            <a:r>
+              <a:rPr lang="en-US" sz="1800" b="1" dirty="0" err="1">
+                <a:solidFill>
+                  <a:srgbClr val="000000"/>
+                </a:solidFill>
+                <a:effectLst/>
+                <a:latin typeface="Times New Roman" panose="02020603050405020304" pitchFamily="18" charset="0"/>
+                <a:ea typeface="Times New Roman" panose="02020603050405020304" pitchFamily="18" charset="0"/>
+                <a:cs typeface="Times New Roman" panose="02020603050405020304" pitchFamily="18" charset="0"/>
+              </a:rPr>
+              <a:t>Tegal</a:t>
+            </a:r>
+            <a:r>
+              <a:rPr lang="en-US" sz="1800" dirty="0">
+                <a:solidFill>
+                  <a:srgbClr val="000000"/>
+                </a:solidFill>
+                <a:effectLst/>
+                <a:latin typeface="Times New Roman" panose="02020603050405020304" pitchFamily="18" charset="0"/>
+                <a:ea typeface="Times New Roman" panose="02020603050405020304" pitchFamily="18" charset="0"/>
+                <a:cs typeface="Times New Roman" panose="02020603050405020304" pitchFamily="18" charset="0"/>
+              </a:rPr>
+              <a:t> (</a:t>
+            </a:r>
+            <a:r>
+              <a:rPr lang="id-ID" sz="1800" u="sng" dirty="0">
+                <a:solidFill>
+                  <a:srgbClr val="0563C1"/>
+                </a:solidFill>
+                <a:effectLst/>
+                <a:latin typeface="Times New Roman" panose="02020603050405020304" pitchFamily="18" charset="0"/>
+                <a:ea typeface="Calibri" panose="020F0502020204030204" pitchFamily="34" charset="0"/>
+                <a:cs typeface="Times New Roman" panose="02020603050405020304" pitchFamily="18" charset="0"/>
+                <a:hlinkClick r:id="rId2"/>
+              </a:rPr>
+              <a:t>Logo Kabupaten Tegal (INDONESIA) Original Terbaru - rekreartive</a:t>
+            </a:r>
+            <a:r>
+              <a:rPr lang="en-US" sz="1800" dirty="0">
+                <a:solidFill>
+                  <a:srgbClr val="000000"/>
+                </a:solidFill>
+                <a:effectLst/>
+                <a:latin typeface="Times New Roman" panose="02020603050405020304" pitchFamily="18" charset="0"/>
+                <a:ea typeface="Times New Roman" panose="02020603050405020304" pitchFamily="18" charset="0"/>
+                <a:cs typeface="Times New Roman" panose="02020603050405020304" pitchFamily="18" charset="0"/>
+              </a:rPr>
+              <a:t>) (kami </a:t>
+            </a:r>
+            <a:r>
+              <a:rPr lang="en-US" sz="1800" dirty="0" err="1">
+                <a:solidFill>
+                  <a:srgbClr val="000000"/>
+                </a:solidFill>
+                <a:effectLst/>
+                <a:latin typeface="Times New Roman" panose="02020603050405020304" pitchFamily="18" charset="0"/>
+                <a:ea typeface="Times New Roman" panose="02020603050405020304" pitchFamily="18" charset="0"/>
+                <a:cs typeface="Times New Roman" panose="02020603050405020304" pitchFamily="18" charset="0"/>
+              </a:rPr>
+              <a:t>telah</a:t>
+            </a:r>
+            <a:r>
+              <a:rPr lang="en-US" sz="1800" dirty="0">
+                <a:solidFill>
+                  <a:srgbClr val="000000"/>
+                </a:solidFill>
+                <a:effectLst/>
+                <a:latin typeface="Times New Roman" panose="02020603050405020304" pitchFamily="18" charset="0"/>
+                <a:ea typeface="Times New Roman" panose="02020603050405020304" pitchFamily="18" charset="0"/>
+                <a:cs typeface="Times New Roman" panose="02020603050405020304" pitchFamily="18" charset="0"/>
+              </a:rPr>
+              <a:t> </a:t>
+            </a:r>
+            <a:r>
+              <a:rPr lang="en-US" sz="1800" dirty="0" err="1">
+                <a:solidFill>
+                  <a:srgbClr val="000000"/>
+                </a:solidFill>
+                <a:effectLst/>
+                <a:latin typeface="Times New Roman" panose="02020603050405020304" pitchFamily="18" charset="0"/>
+                <a:ea typeface="Times New Roman" panose="02020603050405020304" pitchFamily="18" charset="0"/>
+                <a:cs typeface="Times New Roman" panose="02020603050405020304" pitchFamily="18" charset="0"/>
+              </a:rPr>
+              <a:t>mendaptkan</a:t>
+            </a:r>
+            <a:r>
+              <a:rPr lang="en-US" sz="1800" dirty="0">
+                <a:solidFill>
+                  <a:srgbClr val="000000"/>
+                </a:solidFill>
+                <a:effectLst/>
+                <a:latin typeface="Times New Roman" panose="02020603050405020304" pitchFamily="18" charset="0"/>
+                <a:ea typeface="Times New Roman" panose="02020603050405020304" pitchFamily="18" charset="0"/>
+                <a:cs typeface="Times New Roman" panose="02020603050405020304" pitchFamily="18" charset="0"/>
+              </a:rPr>
+              <a:t> </a:t>
+            </a:r>
+            <a:r>
+              <a:rPr lang="en-US" sz="1800" dirty="0" err="1">
+                <a:solidFill>
+                  <a:srgbClr val="000000"/>
+                </a:solidFill>
+                <a:effectLst/>
+                <a:latin typeface="Times New Roman" panose="02020603050405020304" pitchFamily="18" charset="0"/>
+                <a:ea typeface="Times New Roman" panose="02020603050405020304" pitchFamily="18" charset="0"/>
+                <a:cs typeface="Times New Roman" panose="02020603050405020304" pitchFamily="18" charset="0"/>
+              </a:rPr>
+              <a:t>izin</a:t>
+            </a:r>
+            <a:r>
+              <a:rPr lang="en-US" sz="1800" dirty="0">
+                <a:solidFill>
+                  <a:srgbClr val="000000"/>
+                </a:solidFill>
+                <a:effectLst/>
+                <a:latin typeface="Times New Roman" panose="02020603050405020304" pitchFamily="18" charset="0"/>
+                <a:ea typeface="Times New Roman" panose="02020603050405020304" pitchFamily="18" charset="0"/>
+                <a:cs typeface="Times New Roman" panose="02020603050405020304" pitchFamily="18" charset="0"/>
+              </a:rPr>
+              <a:t> </a:t>
+            </a:r>
+            <a:r>
+              <a:rPr lang="en-US" sz="1800" dirty="0" err="1">
+                <a:solidFill>
+                  <a:srgbClr val="000000"/>
+                </a:solidFill>
+                <a:effectLst/>
+                <a:latin typeface="Times New Roman" panose="02020603050405020304" pitchFamily="18" charset="0"/>
+                <a:ea typeface="Times New Roman" panose="02020603050405020304" pitchFamily="18" charset="0"/>
+                <a:cs typeface="Times New Roman" panose="02020603050405020304" pitchFamily="18" charset="0"/>
+              </a:rPr>
+              <a:t>dari</a:t>
+            </a:r>
+            <a:r>
+              <a:rPr lang="en-US" sz="1800" dirty="0">
+                <a:solidFill>
+                  <a:srgbClr val="000000"/>
+                </a:solidFill>
+                <a:effectLst/>
+                <a:latin typeface="Times New Roman" panose="02020603050405020304" pitchFamily="18" charset="0"/>
+                <a:ea typeface="Times New Roman" panose="02020603050405020304" pitchFamily="18" charset="0"/>
+                <a:cs typeface="Times New Roman" panose="02020603050405020304" pitchFamily="18" charset="0"/>
+              </a:rPr>
+              <a:t> </a:t>
+            </a:r>
+            <a:r>
+              <a:rPr lang="en-US" sz="1800" dirty="0" err="1">
+                <a:solidFill>
+                  <a:srgbClr val="000000"/>
+                </a:solidFill>
+                <a:effectLst/>
+                <a:latin typeface="Times New Roman" panose="02020603050405020304" pitchFamily="18" charset="0"/>
+                <a:ea typeface="Times New Roman" panose="02020603050405020304" pitchFamily="18" charset="0"/>
+                <a:cs typeface="Times New Roman" panose="02020603050405020304" pitchFamily="18" charset="0"/>
+              </a:rPr>
+              <a:t>sekretariat</a:t>
+            </a:r>
+            <a:r>
+              <a:rPr lang="en-US" sz="1800" dirty="0">
+                <a:solidFill>
+                  <a:srgbClr val="000000"/>
+                </a:solidFill>
+                <a:effectLst/>
+                <a:latin typeface="Times New Roman" panose="02020603050405020304" pitchFamily="18" charset="0"/>
+                <a:ea typeface="Times New Roman" panose="02020603050405020304" pitchFamily="18" charset="0"/>
+                <a:cs typeface="Times New Roman" panose="02020603050405020304" pitchFamily="18" charset="0"/>
+              </a:rPr>
+              <a:t> </a:t>
+            </a:r>
+            <a:r>
+              <a:rPr lang="en-US" sz="1800" dirty="0" err="1">
+                <a:solidFill>
+                  <a:srgbClr val="000000"/>
+                </a:solidFill>
+                <a:effectLst/>
+                <a:latin typeface="Times New Roman" panose="02020603050405020304" pitchFamily="18" charset="0"/>
+                <a:ea typeface="Times New Roman" panose="02020603050405020304" pitchFamily="18" charset="0"/>
+                <a:cs typeface="Times New Roman" panose="02020603050405020304" pitchFamily="18" charset="0"/>
+              </a:rPr>
+              <a:t>kantor</a:t>
+            </a:r>
+            <a:r>
+              <a:rPr lang="en-US" sz="1800" dirty="0">
+                <a:solidFill>
+                  <a:srgbClr val="000000"/>
+                </a:solidFill>
+                <a:effectLst/>
+                <a:latin typeface="Times New Roman" panose="02020603050405020304" pitchFamily="18" charset="0"/>
+                <a:ea typeface="Times New Roman" panose="02020603050405020304" pitchFamily="18" charset="0"/>
+                <a:cs typeface="Times New Roman" panose="02020603050405020304" pitchFamily="18" charset="0"/>
+              </a:rPr>
+              <a:t> </a:t>
+            </a:r>
+            <a:r>
+              <a:rPr lang="en-US" sz="1800" dirty="0" err="1">
+                <a:solidFill>
+                  <a:srgbClr val="000000"/>
+                </a:solidFill>
+                <a:effectLst/>
+                <a:latin typeface="Times New Roman" panose="02020603050405020304" pitchFamily="18" charset="0"/>
+                <a:ea typeface="Times New Roman" panose="02020603050405020304" pitchFamily="18" charset="0"/>
+                <a:cs typeface="Times New Roman" panose="02020603050405020304" pitchFamily="18" charset="0"/>
+              </a:rPr>
+              <a:t>untuk</a:t>
+            </a:r>
+            <a:r>
+              <a:rPr lang="en-US" sz="1800" dirty="0">
+                <a:solidFill>
+                  <a:srgbClr val="000000"/>
+                </a:solidFill>
+                <a:effectLst/>
+                <a:latin typeface="Times New Roman" panose="02020603050405020304" pitchFamily="18" charset="0"/>
+                <a:ea typeface="Times New Roman" panose="02020603050405020304" pitchFamily="18" charset="0"/>
+                <a:cs typeface="Times New Roman" panose="02020603050405020304" pitchFamily="18" charset="0"/>
+              </a:rPr>
+              <a:t> </a:t>
+            </a:r>
+            <a:r>
+              <a:rPr lang="en-US" sz="1800" dirty="0" err="1">
+                <a:solidFill>
+                  <a:srgbClr val="000000"/>
+                </a:solidFill>
+                <a:effectLst/>
+                <a:latin typeface="Times New Roman" panose="02020603050405020304" pitchFamily="18" charset="0"/>
+                <a:ea typeface="Times New Roman" panose="02020603050405020304" pitchFamily="18" charset="0"/>
+                <a:cs typeface="Times New Roman" panose="02020603050405020304" pitchFamily="18" charset="0"/>
+              </a:rPr>
+              <a:t>mencantumkanya</a:t>
+            </a:r>
+            <a:r>
+              <a:rPr lang="en-US" sz="1800" dirty="0">
+                <a:solidFill>
+                  <a:srgbClr val="000000"/>
+                </a:solidFill>
+                <a:effectLst/>
+                <a:latin typeface="Times New Roman" panose="02020603050405020304" pitchFamily="18" charset="0"/>
+                <a:ea typeface="Times New Roman" panose="02020603050405020304" pitchFamily="18" charset="0"/>
+                <a:cs typeface="Times New Roman" panose="02020603050405020304" pitchFamily="18" charset="0"/>
+              </a:rPr>
+              <a:t> </a:t>
+            </a:r>
+            <a:r>
+              <a:rPr lang="en-US" sz="1800" dirty="0" err="1">
+                <a:solidFill>
+                  <a:srgbClr val="000000"/>
+                </a:solidFill>
+                <a:effectLst/>
+                <a:latin typeface="Times New Roman" panose="02020603050405020304" pitchFamily="18" charset="0"/>
+                <a:ea typeface="Times New Roman" panose="02020603050405020304" pitchFamily="18" charset="0"/>
+                <a:cs typeface="Times New Roman" panose="02020603050405020304" pitchFamily="18" charset="0"/>
+              </a:rPr>
+              <a:t>didalam</a:t>
+            </a:r>
+            <a:r>
+              <a:rPr lang="en-US" sz="1800" dirty="0">
+                <a:solidFill>
+                  <a:srgbClr val="000000"/>
+                </a:solidFill>
+                <a:effectLst/>
+                <a:latin typeface="Times New Roman" panose="02020603050405020304" pitchFamily="18" charset="0"/>
+                <a:ea typeface="Times New Roman" panose="02020603050405020304" pitchFamily="18" charset="0"/>
+                <a:cs typeface="Times New Roman" panose="02020603050405020304" pitchFamily="18" charset="0"/>
+              </a:rPr>
+              <a:t> </a:t>
+            </a:r>
+            <a:r>
+              <a:rPr lang="en-US" sz="1800" dirty="0" err="1">
+                <a:solidFill>
+                  <a:srgbClr val="000000"/>
+                </a:solidFill>
+                <a:effectLst/>
+                <a:latin typeface="Times New Roman" panose="02020603050405020304" pitchFamily="18" charset="0"/>
+                <a:ea typeface="Times New Roman" panose="02020603050405020304" pitchFamily="18" charset="0"/>
+                <a:cs typeface="Times New Roman" panose="02020603050405020304" pitchFamily="18" charset="0"/>
+              </a:rPr>
+              <a:t>aplikasi</a:t>
+            </a:r>
+            <a:r>
+              <a:rPr lang="en-US" sz="1800" dirty="0">
+                <a:solidFill>
+                  <a:srgbClr val="000000"/>
+                </a:solidFill>
+                <a:effectLst/>
+                <a:latin typeface="Times New Roman" panose="02020603050405020304" pitchFamily="18" charset="0"/>
+                <a:ea typeface="Times New Roman" panose="02020603050405020304" pitchFamily="18" charset="0"/>
+                <a:cs typeface="Times New Roman" panose="02020603050405020304" pitchFamily="18" charset="0"/>
+              </a:rPr>
+              <a:t> kami)</a:t>
+            </a:r>
+          </a:p>
+          <a:p>
+            <a:pPr marL="571500" indent="-342900">
+              <a:lnSpc>
+                <a:spcPct val="150000"/>
+              </a:lnSpc>
+              <a:spcAft>
+                <a:spcPts val="800"/>
+              </a:spcAft>
+              <a:buAutoNum type="arabicPeriod"/>
+            </a:pPr>
+            <a:r>
+              <a:rPr lang="en-US" b="1" dirty="0">
+                <a:solidFill>
+                  <a:srgbClr val="000000"/>
+                </a:solidFill>
+                <a:latin typeface="Times New Roman" panose="02020603050405020304" pitchFamily="18" charset="0"/>
+                <a:ea typeface="Calibri" panose="020F0502020204030204" pitchFamily="34" charset="0"/>
+                <a:cs typeface="Times New Roman" panose="02020603050405020304" pitchFamily="18" charset="0"/>
+              </a:rPr>
+              <a:t>Icon email refresh</a:t>
+            </a:r>
+            <a:r>
+              <a:rPr lang="en-US" dirty="0">
+                <a:solidFill>
+                  <a:srgbClr val="000000"/>
+                </a:solidFill>
+                <a:latin typeface="Times New Roman" panose="02020603050405020304" pitchFamily="18" charset="0"/>
+                <a:ea typeface="Calibri" panose="020F0502020204030204" pitchFamily="34" charset="0"/>
+                <a:cs typeface="Times New Roman" panose="02020603050405020304" pitchFamily="18" charset="0"/>
+              </a:rPr>
+              <a:t> (</a:t>
+            </a:r>
+            <a:r>
+              <a:rPr lang="en-US" dirty="0">
+                <a:solidFill>
+                  <a:srgbClr val="000000"/>
+                </a:solidFill>
+                <a:latin typeface="Times New Roman" panose="02020603050405020304" pitchFamily="18" charset="0"/>
+                <a:ea typeface="Calibri" panose="020F0502020204030204" pitchFamily="34" charset="0"/>
+                <a:cs typeface="Times New Roman" panose="02020603050405020304" pitchFamily="18" charset="0"/>
+                <a:hlinkClick r:id="rId3"/>
+              </a:rPr>
+              <a:t>https://icons8.com/icon/124409/refresh-mail</a:t>
+            </a:r>
+            <a:r>
+              <a:rPr lang="en-US" dirty="0">
+                <a:solidFill>
+                  <a:srgbClr val="000000"/>
+                </a:solidFill>
+                <a:latin typeface="Times New Roman" panose="02020603050405020304" pitchFamily="18" charset="0"/>
+                <a:ea typeface="Calibri" panose="020F0502020204030204" pitchFamily="34" charset="0"/>
+                <a:cs typeface="Times New Roman" panose="02020603050405020304" pitchFamily="18" charset="0"/>
+              </a:rPr>
+              <a:t>)</a:t>
+            </a:r>
+            <a:endParaRPr lang="en-ID" sz="1800" dirty="0">
+              <a:effectLst/>
+              <a:latin typeface="Calibri" panose="020F0502020204030204" pitchFamily="34" charset="0"/>
+              <a:ea typeface="Calibri" panose="020F0502020204030204" pitchFamily="34" charset="0"/>
+              <a:cs typeface="Times New Roman" panose="02020603050405020304" pitchFamily="18" charset="0"/>
+            </a:endParaRPr>
+          </a:p>
+          <a:p>
+            <a:pPr marL="228600">
+              <a:lnSpc>
+                <a:spcPct val="150000"/>
+              </a:lnSpc>
+              <a:spcAft>
+                <a:spcPts val="800"/>
+              </a:spcAft>
+            </a:pPr>
+            <a:endParaRPr lang="en-ID" sz="1800" dirty="0">
+              <a:effectLst/>
+              <a:latin typeface="Calibri" panose="020F0502020204030204" pitchFamily="34" charset="0"/>
+              <a:ea typeface="Calibri" panose="020F0502020204030204" pitchFamily="34" charset="0"/>
+              <a:cs typeface="Times New Roman" panose="02020603050405020304" pitchFamily="18" charset="0"/>
+            </a:endParaRPr>
+          </a:p>
+        </p:txBody>
+      </p:sp>
+    </p:spTree>
+    <p:extLst>
+      <p:ext uri="{BB962C8B-B14F-4D97-AF65-F5344CB8AC3E}">
+        <p14:creationId xmlns:p14="http://schemas.microsoft.com/office/powerpoint/2010/main" val="2020297008"/>
+      </p:ext>
+    </p:extLst>
+  </p:cSld>
+  <p:clrMapOvr>
+    <a:masterClrMapping/>
+  </p:clrMapOvr>
+  <mc:AlternateContent xmlns:mc="http://schemas.openxmlformats.org/markup-compatibility/2006" xmlns:p159="http://schemas.microsoft.com/office/powerpoint/2015/09/main">
+    <mc:Choice Requires="p159">
+      <p:transition xmlns:p14="http://schemas.microsoft.com/office/powerpoint/2010/main" spd="slow" p14:dur="2000">
+        <p159:morph option="byObject"/>
+      </p:transition>
+    </mc:Choice>
+    <mc:Fallback xmlns="">
+      <p:transition spd="slow">
+        <p:fade/>
+      </p:transition>
+    </mc:Fallback>
+  </mc:AlternateContent>
+</p:sld>
+</file>
+
+<file path=ppt/slides/slide9.xml><?xml version="1.0" encoding="utf-8"?>
 <p:sld xmlns:a="http://schemas.openxmlformats.org/drawingml/2006/main" xmlns:r="http://schemas.openxmlformats.org/officeDocument/2006/relationships" xmlns:p="http://schemas.openxmlformats.org/presentationml/2006/main">
   <p:cSld>
     <p:spTree>

--- a/dokumen/ppt_csd40.pptx
+++ b/dokumen/ppt_csd40.pptx
@@ -5,15 +5,22 @@
     <p:sldMasterId id="2147483648" r:id="rId1"/>
   </p:sldMasterIdLst>
   <p:sldIdLst>
-    <p:sldId id="257" r:id="rId2"/>
-    <p:sldId id="259" r:id="rId3"/>
-    <p:sldId id="263" r:id="rId4"/>
-    <p:sldId id="258" r:id="rId5"/>
-    <p:sldId id="260" r:id="rId6"/>
-    <p:sldId id="261" r:id="rId7"/>
-    <p:sldId id="264" r:id="rId8"/>
-    <p:sldId id="265" r:id="rId9"/>
-    <p:sldId id="262" r:id="rId10"/>
+    <p:sldId id="266" r:id="rId2"/>
+    <p:sldId id="267" r:id="rId3"/>
+    <p:sldId id="268" r:id="rId4"/>
+    <p:sldId id="270" r:id="rId5"/>
+    <p:sldId id="269" r:id="rId6"/>
+    <p:sldId id="271" r:id="rId7"/>
+    <p:sldId id="257" r:id="rId8"/>
+    <p:sldId id="272" r:id="rId9"/>
+    <p:sldId id="259" r:id="rId10"/>
+    <p:sldId id="263" r:id="rId11"/>
+    <p:sldId id="258" r:id="rId12"/>
+    <p:sldId id="260" r:id="rId13"/>
+    <p:sldId id="261" r:id="rId14"/>
+    <p:sldId id="264" r:id="rId15"/>
+    <p:sldId id="265" r:id="rId16"/>
+    <p:sldId id="262" r:id="rId17"/>
   </p:sldIdLst>
   <p:sldSz cx="12192000" cy="6858000"/>
   <p:notesSz cx="6858000" cy="9144000"/>
@@ -269,7 +276,7 @@
           <a:p>
             <a:fld id="{FE276FF3-D8AB-43B2-AE1A-D3BDBB7D4745}" type="datetimeFigureOut">
               <a:rPr lang="en-ID" smtClean="0"/>
-              <a:t>23/12/2021</a:t>
+              <a:t>24/01/2022</a:t>
             </a:fld>
             <a:endParaRPr lang="en-ID"/>
           </a:p>
@@ -469,7 +476,7 @@
           <a:p>
             <a:fld id="{FE276FF3-D8AB-43B2-AE1A-D3BDBB7D4745}" type="datetimeFigureOut">
               <a:rPr lang="en-ID" smtClean="0"/>
-              <a:t>23/12/2021</a:t>
+              <a:t>24/01/2022</a:t>
             </a:fld>
             <a:endParaRPr lang="en-ID"/>
           </a:p>
@@ -679,7 +686,7 @@
           <a:p>
             <a:fld id="{FE276FF3-D8AB-43B2-AE1A-D3BDBB7D4745}" type="datetimeFigureOut">
               <a:rPr lang="en-ID" smtClean="0"/>
-              <a:t>23/12/2021</a:t>
+              <a:t>24/01/2022</a:t>
             </a:fld>
             <a:endParaRPr lang="en-ID"/>
           </a:p>
@@ -879,7 +886,7 @@
           <a:p>
             <a:fld id="{FE276FF3-D8AB-43B2-AE1A-D3BDBB7D4745}" type="datetimeFigureOut">
               <a:rPr lang="en-ID" smtClean="0"/>
-              <a:t>23/12/2021</a:t>
+              <a:t>24/01/2022</a:t>
             </a:fld>
             <a:endParaRPr lang="en-ID"/>
           </a:p>
@@ -1155,7 +1162,7 @@
           <a:p>
             <a:fld id="{FE276FF3-D8AB-43B2-AE1A-D3BDBB7D4745}" type="datetimeFigureOut">
               <a:rPr lang="en-ID" smtClean="0"/>
-              <a:t>23/12/2021</a:t>
+              <a:t>24/01/2022</a:t>
             </a:fld>
             <a:endParaRPr lang="en-ID"/>
           </a:p>
@@ -1423,7 +1430,7 @@
           <a:p>
             <a:fld id="{FE276FF3-D8AB-43B2-AE1A-D3BDBB7D4745}" type="datetimeFigureOut">
               <a:rPr lang="en-ID" smtClean="0"/>
-              <a:t>23/12/2021</a:t>
+              <a:t>24/01/2022</a:t>
             </a:fld>
             <a:endParaRPr lang="en-ID"/>
           </a:p>
@@ -1838,7 +1845,7 @@
           <a:p>
             <a:fld id="{FE276FF3-D8AB-43B2-AE1A-D3BDBB7D4745}" type="datetimeFigureOut">
               <a:rPr lang="en-ID" smtClean="0"/>
-              <a:t>23/12/2021</a:t>
+              <a:t>24/01/2022</a:t>
             </a:fld>
             <a:endParaRPr lang="en-ID"/>
           </a:p>
@@ -1980,7 +1987,7 @@
           <a:p>
             <a:fld id="{FE276FF3-D8AB-43B2-AE1A-D3BDBB7D4745}" type="datetimeFigureOut">
               <a:rPr lang="en-ID" smtClean="0"/>
-              <a:t>23/12/2021</a:t>
+              <a:t>24/01/2022</a:t>
             </a:fld>
             <a:endParaRPr lang="en-ID"/>
           </a:p>
@@ -2093,7 +2100,7 @@
           <a:p>
             <a:fld id="{FE276FF3-D8AB-43B2-AE1A-D3BDBB7D4745}" type="datetimeFigureOut">
               <a:rPr lang="en-ID" smtClean="0"/>
-              <a:t>23/12/2021</a:t>
+              <a:t>24/01/2022</a:t>
             </a:fld>
             <a:endParaRPr lang="en-ID"/>
           </a:p>
@@ -2406,7 +2413,7 @@
           <a:p>
             <a:fld id="{FE276FF3-D8AB-43B2-AE1A-D3BDBB7D4745}" type="datetimeFigureOut">
               <a:rPr lang="en-ID" smtClean="0"/>
-              <a:t>23/12/2021</a:t>
+              <a:t>24/01/2022</a:t>
             </a:fld>
             <a:endParaRPr lang="en-ID"/>
           </a:p>
@@ -2695,7 +2702,7 @@
           <a:p>
             <a:fld id="{FE276FF3-D8AB-43B2-AE1A-D3BDBB7D4745}" type="datetimeFigureOut">
               <a:rPr lang="en-ID" smtClean="0"/>
-              <a:t>23/12/2021</a:t>
+              <a:t>24/01/2022</a:t>
             </a:fld>
             <a:endParaRPr lang="en-ID"/>
           </a:p>
@@ -2938,7 +2945,7 @@
           <a:p>
             <a:fld id="{FE276FF3-D8AB-43B2-AE1A-D3BDBB7D4745}" type="datetimeFigureOut">
               <a:rPr lang="en-ID" smtClean="0"/>
-              <a:t>23/12/2021</a:t>
+              <a:t>24/01/2022</a:t>
             </a:fld>
             <a:endParaRPr lang="en-ID"/>
           </a:p>
@@ -3360,94 +3367,63 @@
           <p:cNvPr id="4" name="Title 3">
             <a:extLst>
               <a:ext uri="{FF2B5EF4-FFF2-40B4-BE49-F238E27FC236}">
-                <a16:creationId xmlns:a16="http://schemas.microsoft.com/office/drawing/2014/main" id="{982B3CCF-7E23-4624-AE53-DAAD422DA000}"/>
-              </a:ext>
-            </a:extLst>
-          </p:cNvPr>
-          <p:cNvSpPr>
-            <a:spLocks noGrp="1"/>
+                <a16:creationId xmlns:a16="http://schemas.microsoft.com/office/drawing/2014/main" id="{B86B5304-236F-4316-834A-F8D9E0BD0DFF}"/>
+              </a:ext>
+            </a:extLst>
+          </p:cNvPr>
+          <p:cNvSpPr txBox="1">
+            <a:spLocks/>
           </p:cNvSpPr>
-          <p:nvPr>
-            <p:ph type="ctrTitle"/>
-          </p:nvPr>
+          <p:nvPr/>
         </p:nvSpPr>
         <p:spPr>
           <a:xfrm>
-            <a:off x="2426748" y="749139"/>
-            <a:ext cx="7713306" cy="911710"/>
-          </a:xfrm>
+            <a:off x="2792963" y="2973145"/>
+            <a:ext cx="6606073" cy="911710"/>
+          </a:xfrm>
+          <a:prstGeom prst="rect">
+            <a:avLst/>
+          </a:prstGeom>
+          <a:ln>
+            <a:noFill/>
+          </a:ln>
         </p:spPr>
         <p:txBody>
           <a:bodyPr>
-            <a:normAutofit fontScale="90000"/>
+            <a:normAutofit/>
           </a:bodyPr>
-          <a:lstStyle/>
-          <a:p>
-            <a:r>
-              <a:rPr lang="en-US" dirty="0">
+          <a:lstStyle>
+            <a:lvl1pPr algn="l" defTabSz="914400" rtl="0" eaLnBrk="1" latinLnBrk="0" hangingPunct="1">
+              <a:lnSpc>
+                <a:spcPct val="90000"/>
+              </a:lnSpc>
+              <a:spcBef>
+                <a:spcPct val="0"/>
+              </a:spcBef>
+              <a:buNone/>
+              <a:defRPr sz="4400" kern="1200">
+                <a:solidFill>
+                  <a:schemeClr val="tx1"/>
+                </a:solidFill>
+                <a:latin typeface="+mj-lt"/>
+                <a:ea typeface="+mj-ea"/>
+                <a:cs typeface="+mj-cs"/>
+              </a:defRPr>
+            </a:lvl1pPr>
+          </a:lstStyle>
+          <a:p>
+            <a:r>
+              <a:rPr lang="en-US" sz="5000" dirty="0">
                 <a:solidFill>
                   <a:srgbClr val="5CA0CA"/>
                 </a:solidFill>
                 <a:latin typeface="Arial Rounded MT Bold" panose="020F0704030504030204" pitchFamily="34" charset="0"/>
               </a:rPr>
-              <a:t>PEDULI PRESENSI</a:t>
-            </a:r>
-            <a:br>
-              <a:rPr lang="en-US" dirty="0">
-                <a:solidFill>
-                  <a:srgbClr val="5CA0CA"/>
-                </a:solidFill>
-                <a:latin typeface="Arial Rounded MT Bold" panose="020F0704030504030204" pitchFamily="34" charset="0"/>
-              </a:rPr>
-            </a:br>
-            <a:r>
-              <a:rPr lang="en-US" sz="2000" dirty="0" err="1">
-                <a:solidFill>
-                  <a:srgbClr val="5CA0CA"/>
-                </a:solidFill>
-                <a:latin typeface="Arial Rounded MT Bold" panose="020F0704030504030204" pitchFamily="34" charset="0"/>
-              </a:rPr>
-              <a:t>Presensi</a:t>
-            </a:r>
-            <a:r>
-              <a:rPr lang="en-US" sz="2000" dirty="0">
-                <a:solidFill>
-                  <a:srgbClr val="5CA0CA"/>
-                </a:solidFill>
-                <a:latin typeface="Arial Rounded MT Bold" panose="020F0704030504030204" pitchFamily="34" charset="0"/>
-              </a:rPr>
-              <a:t> </a:t>
-            </a:r>
-            <a:r>
-              <a:rPr lang="en-US" sz="2000" dirty="0" err="1">
-                <a:solidFill>
-                  <a:srgbClr val="5CA0CA"/>
-                </a:solidFill>
-                <a:latin typeface="Arial Rounded MT Bold" panose="020F0704030504030204" pitchFamily="34" charset="0"/>
-              </a:rPr>
-              <a:t>kamu</a:t>
-            </a:r>
-            <a:r>
-              <a:rPr lang="en-US" sz="2000" dirty="0">
-                <a:solidFill>
-                  <a:srgbClr val="5CA0CA"/>
-                </a:solidFill>
-                <a:latin typeface="Arial Rounded MT Bold" panose="020F0704030504030204" pitchFamily="34" charset="0"/>
-              </a:rPr>
-              <a:t> </a:t>
-            </a:r>
-            <a:r>
-              <a:rPr lang="en-US" sz="2000" dirty="0" err="1">
-                <a:solidFill>
-                  <a:srgbClr val="5CA0CA"/>
-                </a:solidFill>
-                <a:latin typeface="Arial Rounded MT Bold" panose="020F0704030504030204" pitchFamily="34" charset="0"/>
-              </a:rPr>
-              <a:t>terlindungi</a:t>
-            </a:r>
-            <a:endParaRPr lang="en-ID" dirty="0">
+              <a:t>SIDANG MSIB MBKM </a:t>
+            </a:r>
+            <a:endParaRPr lang="en-ID" sz="5000" dirty="0">
               <a:solidFill>
-                <a:srgbClr val="5CA0CA"/>
+                <a:srgbClr val="FF0000"/>
               </a:solidFill>
               <a:latin typeface="Arial Rounded MT Bold" panose="020F0704030504030204" pitchFamily="34" charset="0"/>
             </a:endParaRPr>
@@ -3456,10 +3432,10 @@
       </p:sp>
       <p:pic>
         <p:nvPicPr>
-          <p:cNvPr id="9" name="Picture 8">
-            <a:extLst>
-              <a:ext uri="{FF2B5EF4-FFF2-40B4-BE49-F238E27FC236}">
-                <a16:creationId xmlns:a16="http://schemas.microsoft.com/office/drawing/2014/main" id="{B342A983-44E3-4133-9DFE-6F88EB774588}"/>
+          <p:cNvPr id="3" name="Picture 2">
+            <a:extLst>
+              <a:ext uri="{FF2B5EF4-FFF2-40B4-BE49-F238E27FC236}">
+                <a16:creationId xmlns:a16="http://schemas.microsoft.com/office/drawing/2014/main" id="{86AEE542-B8F8-4488-B683-B6C0D56F50C8}"/>
               </a:ext>
             </a:extLst>
           </p:cNvPr>
@@ -3482,8 +3458,8 @@
         </p:blipFill>
         <p:spPr>
           <a:xfrm>
-            <a:off x="3032449" y="3906837"/>
-            <a:ext cx="1791475" cy="3657600"/>
+            <a:off x="6095998" y="2061435"/>
+            <a:ext cx="1710921" cy="911710"/>
           </a:xfrm>
           <a:prstGeom prst="rect">
             <a:avLst/>
@@ -3492,10 +3468,10 @@
       </p:pic>
       <p:pic>
         <p:nvPicPr>
-          <p:cNvPr id="11" name="Picture 10">
-            <a:extLst>
-              <a:ext uri="{FF2B5EF4-FFF2-40B4-BE49-F238E27FC236}">
-                <a16:creationId xmlns:a16="http://schemas.microsoft.com/office/drawing/2014/main" id="{8EE896AB-5831-42C3-BBCA-4080347B20BF}"/>
+          <p:cNvPr id="6" name="Picture 5">
+            <a:extLst>
+              <a:ext uri="{FF2B5EF4-FFF2-40B4-BE49-F238E27FC236}">
+                <a16:creationId xmlns:a16="http://schemas.microsoft.com/office/drawing/2014/main" id="{4D7AE8FB-09C1-478A-90F5-6799D028810C}"/>
               </a:ext>
             </a:extLst>
           </p:cNvPr>
@@ -3510,6 +3486,9 @@
               <a:ext uri="{28A0092B-C50C-407E-A947-70E740481C1C}">
                 <a14:useLocalDpi xmlns:a14="http://schemas.microsoft.com/office/drawing/2010/main" val="0"/>
               </a:ext>
+              <a:ext uri="{837473B0-CC2E-450A-ABE3-18F120FF3D39}">
+                <a1611:picAttrSrcUrl xmlns:a1611="http://schemas.microsoft.com/office/drawing/2016/11/main" r:id="rId4"/>
+              </a:ext>
             </a:extLst>
           </a:blip>
           <a:stretch>
@@ -3518,126 +3497,86 @@
         </p:blipFill>
         <p:spPr>
           <a:xfrm>
-            <a:off x="5403171" y="3115588"/>
-            <a:ext cx="1760460" cy="3657600"/>
+            <a:off x="4811085" y="2061435"/>
+            <a:ext cx="1284913" cy="911710"/>
           </a:xfrm>
           <a:prstGeom prst="rect">
             <a:avLst/>
           </a:prstGeom>
         </p:spPr>
       </p:pic>
-      <p:pic>
-        <p:nvPicPr>
-          <p:cNvPr id="13" name="Picture 12">
-            <a:extLst>
-              <a:ext uri="{FF2B5EF4-FFF2-40B4-BE49-F238E27FC236}">
-                <a16:creationId xmlns:a16="http://schemas.microsoft.com/office/drawing/2014/main" id="{2771837B-B199-4C78-BDED-562B893A319C}"/>
-              </a:ext>
-            </a:extLst>
-          </p:cNvPr>
-          <p:cNvPicPr>
-            <a:picLocks noChangeAspect="1"/>
-          </p:cNvPicPr>
+      <p:sp>
+        <p:nvSpPr>
+          <p:cNvPr id="9" name="Title 3">
+            <a:extLst>
+              <a:ext uri="{FF2B5EF4-FFF2-40B4-BE49-F238E27FC236}">
+                <a16:creationId xmlns:a16="http://schemas.microsoft.com/office/drawing/2014/main" id="{97DA72EF-024D-4532-8847-A98CBFF02CAB}"/>
+              </a:ext>
+            </a:extLst>
+          </p:cNvPr>
+          <p:cNvSpPr txBox="1">
+            <a:spLocks/>
+          </p:cNvSpPr>
           <p:nvPr/>
-        </p:nvPicPr>
-        <p:blipFill>
-          <a:blip r:embed="rId4">
-            <a:extLst>
-              <a:ext uri="{28A0092B-C50C-407E-A947-70E740481C1C}">
-                <a14:useLocalDpi xmlns:a14="http://schemas.microsoft.com/office/drawing/2010/main" val="0"/>
-              </a:ext>
-            </a:extLst>
-          </a:blip>
-          <a:stretch>
-            <a:fillRect/>
-          </a:stretch>
-        </p:blipFill>
+        </p:nvSpPr>
         <p:spPr>
           <a:xfrm>
-            <a:off x="7591124" y="3906837"/>
-            <a:ext cx="1791475" cy="3657600"/>
+            <a:off x="3828659" y="3681596"/>
+            <a:ext cx="4534679" cy="549162"/>
           </a:xfrm>
           <a:prstGeom prst="rect">
             <a:avLst/>
           </a:prstGeom>
-        </p:spPr>
-      </p:pic>
-      <p:pic>
-        <p:nvPicPr>
-          <p:cNvPr id="15" name="Picture 14">
-            <a:extLst>
-              <a:ext uri="{FF2B5EF4-FFF2-40B4-BE49-F238E27FC236}">
-                <a16:creationId xmlns:a16="http://schemas.microsoft.com/office/drawing/2014/main" id="{06963D39-D187-4A64-B1AF-DDCB7DE4B763}"/>
-              </a:ext>
-            </a:extLst>
-          </p:cNvPr>
-          <p:cNvPicPr>
-            <a:picLocks noChangeAspect="1"/>
-          </p:cNvPicPr>
-          <p:nvPr/>
-        </p:nvPicPr>
-        <p:blipFill>
-          <a:blip r:embed="rId5">
-            <a:extLst>
-              <a:ext uri="{28A0092B-C50C-407E-A947-70E740481C1C}">
-                <a14:useLocalDpi xmlns:a14="http://schemas.microsoft.com/office/drawing/2010/main" val="0"/>
-              </a:ext>
-            </a:extLst>
-          </a:blip>
-          <a:stretch>
-            <a:fillRect/>
-          </a:stretch>
-        </p:blipFill>
-        <p:spPr>
-          <a:xfrm>
-            <a:off x="9738797" y="3115588"/>
-            <a:ext cx="1822541" cy="3657600"/>
-          </a:xfrm>
-          <a:prstGeom prst="rect">
-            <a:avLst/>
-          </a:prstGeom>
-        </p:spPr>
-      </p:pic>
-      <p:pic>
-        <p:nvPicPr>
-          <p:cNvPr id="19" name="Picture 18">
-            <a:extLst>
-              <a:ext uri="{FF2B5EF4-FFF2-40B4-BE49-F238E27FC236}">
-                <a16:creationId xmlns:a16="http://schemas.microsoft.com/office/drawing/2014/main" id="{9BBB8DE2-28BA-4906-9729-19D71A55B2FF}"/>
-              </a:ext>
-            </a:extLst>
-          </p:cNvPr>
-          <p:cNvPicPr>
-            <a:picLocks noChangeAspect="1"/>
-          </p:cNvPicPr>
-          <p:nvPr/>
-        </p:nvPicPr>
-        <p:blipFill>
-          <a:blip r:embed="rId6">
-            <a:extLst>
-              <a:ext uri="{28A0092B-C50C-407E-A947-70E740481C1C}">
-                <a14:useLocalDpi xmlns:a14="http://schemas.microsoft.com/office/drawing/2010/main" val="0"/>
-              </a:ext>
-            </a:extLst>
-          </a:blip>
-          <a:stretch>
-            <a:fillRect/>
-          </a:stretch>
-        </p:blipFill>
-        <p:spPr>
-          <a:xfrm>
-            <a:off x="864173" y="3115588"/>
-            <a:ext cx="1761386" cy="3657600"/>
-          </a:xfrm>
-          <a:prstGeom prst="rect">
-            <a:avLst/>
-          </a:prstGeom>
-        </p:spPr>
-      </p:pic>
+          <a:ln>
+            <a:noFill/>
+          </a:ln>
+        </p:spPr>
+        <p:txBody>
+          <a:bodyPr>
+            <a:normAutofit/>
+          </a:bodyPr>
+          <a:lstStyle>
+            <a:lvl1pPr algn="l" defTabSz="914400" rtl="0" eaLnBrk="1" latinLnBrk="0" hangingPunct="1">
+              <a:lnSpc>
+                <a:spcPct val="90000"/>
+              </a:lnSpc>
+              <a:spcBef>
+                <a:spcPct val="0"/>
+              </a:spcBef>
+              <a:buNone/>
+              <a:defRPr sz="4400" kern="1200">
+                <a:solidFill>
+                  <a:schemeClr val="tx1"/>
+                </a:solidFill>
+                <a:latin typeface="+mj-lt"/>
+                <a:ea typeface="+mj-ea"/>
+                <a:cs typeface="+mj-cs"/>
+              </a:defRPr>
+            </a:lvl1pPr>
+          </a:lstStyle>
+          <a:p>
+            <a:r>
+              <a:rPr lang="en-US" sz="2000" dirty="0">
+                <a:solidFill>
+                  <a:srgbClr val="5CA0CA"/>
+                </a:solidFill>
+                <a:latin typeface="Arial Rounded MT Bold" panose="020F0704030504030204" pitchFamily="34" charset="0"/>
+              </a:rPr>
+              <a:t>Guna Dermawan – A11.2018.11538</a:t>
+            </a:r>
+            <a:endParaRPr lang="en-ID" sz="2000" dirty="0">
+              <a:solidFill>
+                <a:srgbClr val="FF0000"/>
+              </a:solidFill>
+              <a:latin typeface="Arial Rounded MT Bold" panose="020F0704030504030204" pitchFamily="34" charset="0"/>
+            </a:endParaRPr>
+          </a:p>
+        </p:txBody>
+      </p:sp>
     </p:spTree>
     <p:extLst>
       <p:ext uri="{BB962C8B-B14F-4D97-AF65-F5344CB8AC3E}">
-        <p14:creationId xmlns:p14="http://schemas.microsoft.com/office/powerpoint/2010/main" val="139354611"/>
+        <p14:creationId xmlns:p14="http://schemas.microsoft.com/office/powerpoint/2010/main" val="3606102619"/>
       </p:ext>
     </p:extLst>
   </p:cSld>
@@ -3659,506 +3598,7 @@
 </p:sld>
 </file>
 
-<file path=ppt/slides/slide2.xml><?xml version="1.0" encoding="utf-8"?>
-<p:sld xmlns:a="http://schemas.openxmlformats.org/drawingml/2006/main" xmlns:r="http://schemas.openxmlformats.org/officeDocument/2006/relationships" xmlns:p="http://schemas.openxmlformats.org/presentationml/2006/main">
-  <p:cSld>
-    <p:bg>
-      <p:bgPr>
-        <a:solidFill>
-          <a:srgbClr val="5CA0CA"/>
-        </a:solidFill>
-        <a:effectLst/>
-      </p:bgPr>
-    </p:bg>
-    <p:spTree>
-      <p:nvGrpSpPr>
-        <p:cNvPr id="1" name=""/>
-        <p:cNvGrpSpPr/>
-        <p:nvPr/>
-      </p:nvGrpSpPr>
-      <p:grpSpPr>
-        <a:xfrm>
-          <a:off x="0" y="0"/>
-          <a:ext cx="0" cy="0"/>
-          <a:chOff x="0" y="0"/>
-          <a:chExt cx="0" cy="0"/>
-        </a:xfrm>
-      </p:grpSpPr>
-      <p:sp>
-        <p:nvSpPr>
-          <p:cNvPr id="4" name="Title 3">
-            <a:extLst>
-              <a:ext uri="{FF2B5EF4-FFF2-40B4-BE49-F238E27FC236}">
-                <a16:creationId xmlns:a16="http://schemas.microsoft.com/office/drawing/2014/main" id="{982B3CCF-7E23-4624-AE53-DAAD422DA000}"/>
-              </a:ext>
-            </a:extLst>
-          </p:cNvPr>
-          <p:cNvSpPr>
-            <a:spLocks noGrp="1"/>
-          </p:cNvSpPr>
-          <p:nvPr>
-            <p:ph type="ctrTitle"/>
-          </p:nvPr>
-        </p:nvSpPr>
-        <p:spPr>
-          <a:xfrm>
-            <a:off x="2426748" y="749139"/>
-            <a:ext cx="7713306" cy="911710"/>
-          </a:xfrm>
-        </p:spPr>
-        <p:txBody>
-          <a:bodyPr>
-            <a:normAutofit fontScale="90000"/>
-          </a:bodyPr>
-          <a:lstStyle/>
-          <a:p>
-            <a:r>
-              <a:rPr lang="en-US" dirty="0">
-                <a:solidFill>
-                  <a:schemeClr val="bg1"/>
-                </a:solidFill>
-                <a:latin typeface="Arial Rounded MT Bold" panose="020F0704030504030204" pitchFamily="34" charset="0"/>
-              </a:rPr>
-              <a:t>FILOSOFI WARNA</a:t>
-            </a:r>
-            <a:endParaRPr lang="en-ID" dirty="0">
-              <a:solidFill>
-                <a:schemeClr val="bg1"/>
-              </a:solidFill>
-              <a:latin typeface="Arial Rounded MT Bold" panose="020F0704030504030204" pitchFamily="34" charset="0"/>
-            </a:endParaRPr>
-          </a:p>
-        </p:txBody>
-      </p:sp>
-      <p:cxnSp>
-        <p:nvCxnSpPr>
-          <p:cNvPr id="3" name="Straight Arrow Connector 2">
-            <a:extLst>
-              <a:ext uri="{FF2B5EF4-FFF2-40B4-BE49-F238E27FC236}">
-                <a16:creationId xmlns:a16="http://schemas.microsoft.com/office/drawing/2014/main" id="{D52AE956-EA7D-4624-BDF1-9FFB2AE37534}"/>
-              </a:ext>
-            </a:extLst>
-          </p:cNvPr>
-          <p:cNvCxnSpPr>
-            <a:cxnSpLocks/>
-            <a:endCxn id="10" idx="2"/>
-          </p:cNvCxnSpPr>
-          <p:nvPr/>
-        </p:nvCxnSpPr>
-        <p:spPr>
-          <a:xfrm flipH="1" flipV="1">
-            <a:off x="3729684" y="2689161"/>
-            <a:ext cx="1635144" cy="1372780"/>
-          </a:xfrm>
-          <a:prstGeom prst="straightConnector1">
-            <a:avLst/>
-          </a:prstGeom>
-          <a:ln>
-            <a:solidFill>
-              <a:schemeClr val="bg1"/>
-            </a:solidFill>
-            <a:tailEnd type="triangle"/>
-          </a:ln>
-        </p:spPr>
-        <p:style>
-          <a:lnRef idx="3">
-            <a:schemeClr val="accent1"/>
-          </a:lnRef>
-          <a:fillRef idx="0">
-            <a:schemeClr val="accent1"/>
-          </a:fillRef>
-          <a:effectRef idx="2">
-            <a:schemeClr val="accent1"/>
-          </a:effectRef>
-          <a:fontRef idx="minor">
-            <a:schemeClr val="tx1"/>
-          </a:fontRef>
-        </p:style>
-      </p:cxnSp>
-      <p:sp>
-        <p:nvSpPr>
-          <p:cNvPr id="10" name="TextBox 9">
-            <a:extLst>
-              <a:ext uri="{FF2B5EF4-FFF2-40B4-BE49-F238E27FC236}">
-                <a16:creationId xmlns:a16="http://schemas.microsoft.com/office/drawing/2014/main" id="{4DC83F5E-BD41-4CD4-940E-9359F7C8E75B}"/>
-              </a:ext>
-            </a:extLst>
-          </p:cNvPr>
-          <p:cNvSpPr txBox="1"/>
-          <p:nvPr/>
-        </p:nvSpPr>
-        <p:spPr>
-          <a:xfrm>
-            <a:off x="2339422" y="1858164"/>
-            <a:ext cx="2780523" cy="830997"/>
-          </a:xfrm>
-          <a:prstGeom prst="rect">
-            <a:avLst/>
-          </a:prstGeom>
-          <a:noFill/>
-        </p:spPr>
-        <p:txBody>
-          <a:bodyPr wrap="square" rtlCol="0">
-            <a:spAutoFit/>
-          </a:bodyPr>
-          <a:lstStyle/>
-          <a:p>
-            <a:pPr algn="ctr"/>
-            <a:r>
-              <a:rPr lang="en-US" sz="2400" dirty="0">
-                <a:solidFill>
-                  <a:schemeClr val="bg1"/>
-                </a:solidFill>
-                <a:latin typeface="Arial Rounded MT Bold" panose="020F0704030504030204" pitchFamily="34" charset="0"/>
-              </a:rPr>
-              <a:t>DAPAT DIANDALKAN</a:t>
-            </a:r>
-            <a:endParaRPr lang="en-ID" sz="2400" dirty="0">
-              <a:solidFill>
-                <a:schemeClr val="bg1"/>
-              </a:solidFill>
-              <a:latin typeface="Arial Rounded MT Bold" panose="020F0704030504030204" pitchFamily="34" charset="0"/>
-            </a:endParaRPr>
-          </a:p>
-        </p:txBody>
-      </p:sp>
-      <p:cxnSp>
-        <p:nvCxnSpPr>
-          <p:cNvPr id="6" name="Straight Arrow Connector 5">
-            <a:extLst>
-              <a:ext uri="{FF2B5EF4-FFF2-40B4-BE49-F238E27FC236}">
-                <a16:creationId xmlns:a16="http://schemas.microsoft.com/office/drawing/2014/main" id="{0A8E5C54-0BE1-48E7-8529-25BA3BD3066C}"/>
-              </a:ext>
-            </a:extLst>
-          </p:cNvPr>
-          <p:cNvCxnSpPr>
-            <a:cxnSpLocks/>
-            <a:endCxn id="14" idx="0"/>
-          </p:cNvCxnSpPr>
-          <p:nvPr/>
-        </p:nvCxnSpPr>
-        <p:spPr>
-          <a:xfrm flipH="1">
-            <a:off x="3909528" y="4061941"/>
-            <a:ext cx="1455300" cy="1129841"/>
-          </a:xfrm>
-          <a:prstGeom prst="straightConnector1">
-            <a:avLst/>
-          </a:prstGeom>
-          <a:ln>
-            <a:solidFill>
-              <a:schemeClr val="bg1"/>
-            </a:solidFill>
-            <a:tailEnd type="triangle"/>
-          </a:ln>
-        </p:spPr>
-        <p:style>
-          <a:lnRef idx="3">
-            <a:schemeClr val="accent1"/>
-          </a:lnRef>
-          <a:fillRef idx="0">
-            <a:schemeClr val="accent1"/>
-          </a:fillRef>
-          <a:effectRef idx="2">
-            <a:schemeClr val="accent1"/>
-          </a:effectRef>
-          <a:fontRef idx="minor">
-            <a:schemeClr val="tx1"/>
-          </a:fontRef>
-        </p:style>
-      </p:cxnSp>
-      <p:sp>
-        <p:nvSpPr>
-          <p:cNvPr id="14" name="TextBox 13">
-            <a:extLst>
-              <a:ext uri="{FF2B5EF4-FFF2-40B4-BE49-F238E27FC236}">
-                <a16:creationId xmlns:a16="http://schemas.microsoft.com/office/drawing/2014/main" id="{D0E6D0FD-3A4F-4A38-8304-CDF9307A98C9}"/>
-              </a:ext>
-            </a:extLst>
-          </p:cNvPr>
-          <p:cNvSpPr txBox="1"/>
-          <p:nvPr/>
-        </p:nvSpPr>
-        <p:spPr>
-          <a:xfrm>
-            <a:off x="2519266" y="5191782"/>
-            <a:ext cx="2780523" cy="830997"/>
-          </a:xfrm>
-          <a:prstGeom prst="rect">
-            <a:avLst/>
-          </a:prstGeom>
-          <a:noFill/>
-        </p:spPr>
-        <p:txBody>
-          <a:bodyPr wrap="square" rtlCol="0">
-            <a:spAutoFit/>
-          </a:bodyPr>
-          <a:lstStyle/>
-          <a:p>
-            <a:pPr algn="ctr"/>
-            <a:r>
-              <a:rPr lang="en-US" sz="2400" dirty="0">
-                <a:solidFill>
-                  <a:schemeClr val="bg1"/>
-                </a:solidFill>
-                <a:latin typeface="Arial Rounded MT Bold" panose="020F0704030504030204" pitchFamily="34" charset="0"/>
-              </a:rPr>
-              <a:t>BERTANGGUNG JAWAB</a:t>
-            </a:r>
-            <a:endParaRPr lang="en-ID" sz="2400" dirty="0">
-              <a:solidFill>
-                <a:schemeClr val="bg1"/>
-              </a:solidFill>
-              <a:latin typeface="Arial Rounded MT Bold" panose="020F0704030504030204" pitchFamily="34" charset="0"/>
-            </a:endParaRPr>
-          </a:p>
-        </p:txBody>
-      </p:sp>
-      <p:cxnSp>
-        <p:nvCxnSpPr>
-          <p:cNvPr id="12" name="Straight Arrow Connector 11">
-            <a:extLst>
-              <a:ext uri="{FF2B5EF4-FFF2-40B4-BE49-F238E27FC236}">
-                <a16:creationId xmlns:a16="http://schemas.microsoft.com/office/drawing/2014/main" id="{5F058929-D4FD-4F22-B163-9F5DBE32F62F}"/>
-              </a:ext>
-            </a:extLst>
-          </p:cNvPr>
-          <p:cNvCxnSpPr>
-            <a:cxnSpLocks/>
-            <a:endCxn id="16" idx="2"/>
-          </p:cNvCxnSpPr>
-          <p:nvPr/>
-        </p:nvCxnSpPr>
-        <p:spPr>
-          <a:xfrm flipV="1">
-            <a:off x="7072055" y="2504496"/>
-            <a:ext cx="1462346" cy="1557445"/>
-          </a:xfrm>
-          <a:prstGeom prst="straightConnector1">
-            <a:avLst/>
-          </a:prstGeom>
-          <a:ln>
-            <a:solidFill>
-              <a:schemeClr val="bg1"/>
-            </a:solidFill>
-            <a:tailEnd type="triangle"/>
-          </a:ln>
-        </p:spPr>
-        <p:style>
-          <a:lnRef idx="3">
-            <a:schemeClr val="accent1"/>
-          </a:lnRef>
-          <a:fillRef idx="0">
-            <a:schemeClr val="accent1"/>
-          </a:fillRef>
-          <a:effectRef idx="2">
-            <a:schemeClr val="accent1"/>
-          </a:effectRef>
-          <a:fontRef idx="minor">
-            <a:schemeClr val="tx1"/>
-          </a:fontRef>
-        </p:style>
-      </p:cxnSp>
-      <p:sp>
-        <p:nvSpPr>
-          <p:cNvPr id="16" name="TextBox 15">
-            <a:extLst>
-              <a:ext uri="{FF2B5EF4-FFF2-40B4-BE49-F238E27FC236}">
-                <a16:creationId xmlns:a16="http://schemas.microsoft.com/office/drawing/2014/main" id="{740E0CA3-177F-4AF7-B928-820600DEAD22}"/>
-              </a:ext>
-            </a:extLst>
-          </p:cNvPr>
-          <p:cNvSpPr txBox="1"/>
-          <p:nvPr/>
-        </p:nvSpPr>
-        <p:spPr>
-          <a:xfrm>
-            <a:off x="7144139" y="2042831"/>
-            <a:ext cx="2780523" cy="461665"/>
-          </a:xfrm>
-          <a:prstGeom prst="rect">
-            <a:avLst/>
-          </a:prstGeom>
-          <a:noFill/>
-        </p:spPr>
-        <p:txBody>
-          <a:bodyPr wrap="square" rtlCol="0">
-            <a:spAutoFit/>
-          </a:bodyPr>
-          <a:lstStyle/>
-          <a:p>
-            <a:pPr algn="ctr"/>
-            <a:r>
-              <a:rPr lang="en-US" sz="2400" dirty="0">
-                <a:solidFill>
-                  <a:schemeClr val="bg1"/>
-                </a:solidFill>
-                <a:latin typeface="Arial Rounded MT Bold" panose="020F0704030504030204" pitchFamily="34" charset="0"/>
-              </a:rPr>
-              <a:t>RASA AMAN</a:t>
-            </a:r>
-            <a:endParaRPr lang="en-ID" sz="2400" dirty="0">
-              <a:solidFill>
-                <a:schemeClr val="bg1"/>
-              </a:solidFill>
-              <a:latin typeface="Arial Rounded MT Bold" panose="020F0704030504030204" pitchFamily="34" charset="0"/>
-            </a:endParaRPr>
-          </a:p>
-        </p:txBody>
-      </p:sp>
-      <p:cxnSp>
-        <p:nvCxnSpPr>
-          <p:cNvPr id="20" name="Straight Arrow Connector 19">
-            <a:extLst>
-              <a:ext uri="{FF2B5EF4-FFF2-40B4-BE49-F238E27FC236}">
-                <a16:creationId xmlns:a16="http://schemas.microsoft.com/office/drawing/2014/main" id="{695F2741-80EA-4590-AEA1-1D689F7DA92C}"/>
-              </a:ext>
-            </a:extLst>
-          </p:cNvPr>
-          <p:cNvCxnSpPr>
-            <a:cxnSpLocks/>
-          </p:cNvCxnSpPr>
-          <p:nvPr/>
-        </p:nvCxnSpPr>
-        <p:spPr>
-          <a:xfrm>
-            <a:off x="7072055" y="4061941"/>
-            <a:ext cx="1462345" cy="1129841"/>
-          </a:xfrm>
-          <a:prstGeom prst="straightConnector1">
-            <a:avLst/>
-          </a:prstGeom>
-          <a:ln>
-            <a:solidFill>
-              <a:schemeClr val="bg1"/>
-            </a:solidFill>
-            <a:tailEnd type="triangle"/>
-          </a:ln>
-        </p:spPr>
-        <p:style>
-          <a:lnRef idx="3">
-            <a:schemeClr val="accent1"/>
-          </a:lnRef>
-          <a:fillRef idx="0">
-            <a:schemeClr val="accent1"/>
-          </a:fillRef>
-          <a:effectRef idx="2">
-            <a:schemeClr val="accent1"/>
-          </a:effectRef>
-          <a:fontRef idx="minor">
-            <a:schemeClr val="tx1"/>
-          </a:fontRef>
-        </p:style>
-      </p:cxnSp>
-      <p:sp>
-        <p:nvSpPr>
-          <p:cNvPr id="21" name="TextBox 20">
-            <a:extLst>
-              <a:ext uri="{FF2B5EF4-FFF2-40B4-BE49-F238E27FC236}">
-                <a16:creationId xmlns:a16="http://schemas.microsoft.com/office/drawing/2014/main" id="{73CCF573-F9EE-4EC6-8CC7-2AE2AFA97390}"/>
-              </a:ext>
-            </a:extLst>
-          </p:cNvPr>
-          <p:cNvSpPr txBox="1"/>
-          <p:nvPr/>
-        </p:nvSpPr>
-        <p:spPr>
-          <a:xfrm>
-            <a:off x="7177803" y="5159829"/>
-            <a:ext cx="2780523" cy="461665"/>
-          </a:xfrm>
-          <a:prstGeom prst="rect">
-            <a:avLst/>
-          </a:prstGeom>
-          <a:noFill/>
-        </p:spPr>
-        <p:txBody>
-          <a:bodyPr wrap="square" rtlCol="0">
-            <a:spAutoFit/>
-          </a:bodyPr>
-          <a:lstStyle/>
-          <a:p>
-            <a:pPr algn="ctr"/>
-            <a:r>
-              <a:rPr lang="en-US" sz="2400" dirty="0">
-                <a:solidFill>
-                  <a:schemeClr val="bg1"/>
-                </a:solidFill>
-                <a:latin typeface="Arial Rounded MT Bold" panose="020F0704030504030204" pitchFamily="34" charset="0"/>
-              </a:rPr>
-              <a:t>PERCAYA DIRI</a:t>
-            </a:r>
-            <a:endParaRPr lang="en-ID" sz="2400" dirty="0">
-              <a:solidFill>
-                <a:schemeClr val="bg1"/>
-              </a:solidFill>
-              <a:latin typeface="Arial Rounded MT Bold" panose="020F0704030504030204" pitchFamily="34" charset="0"/>
-            </a:endParaRPr>
-          </a:p>
-        </p:txBody>
-      </p:sp>
-      <p:pic>
-        <p:nvPicPr>
-          <p:cNvPr id="30" name="Picture 29">
-            <a:extLst>
-              <a:ext uri="{FF2B5EF4-FFF2-40B4-BE49-F238E27FC236}">
-                <a16:creationId xmlns:a16="http://schemas.microsoft.com/office/drawing/2014/main" id="{12F31351-AEE5-42CD-94CE-6B8A1B0F9052}"/>
-              </a:ext>
-            </a:extLst>
-          </p:cNvPr>
-          <p:cNvPicPr>
-            <a:picLocks noChangeAspect="1"/>
-          </p:cNvPicPr>
-          <p:nvPr/>
-        </p:nvPicPr>
-        <p:blipFill>
-          <a:blip r:embed="rId2">
-            <a:extLst>
-              <a:ext uri="{28A0092B-C50C-407E-A947-70E740481C1C}">
-                <a14:useLocalDpi xmlns:a14="http://schemas.microsoft.com/office/drawing/2010/main" val="0"/>
-              </a:ext>
-            </a:extLst>
-          </a:blip>
-          <a:stretch>
-            <a:fillRect/>
-          </a:stretch>
-        </p:blipFill>
-        <p:spPr>
-          <a:xfrm>
-            <a:off x="5310668" y="2273662"/>
-            <a:ext cx="1761386" cy="3657600"/>
-          </a:xfrm>
-          <a:prstGeom prst="rect">
-            <a:avLst/>
-          </a:prstGeom>
-        </p:spPr>
-      </p:pic>
-    </p:spTree>
-    <p:extLst>
-      <p:ext uri="{BB962C8B-B14F-4D97-AF65-F5344CB8AC3E}">
-        <p14:creationId xmlns:p14="http://schemas.microsoft.com/office/powerpoint/2010/main" val="3892081303"/>
-      </p:ext>
-    </p:extLst>
-  </p:cSld>
-  <p:clrMapOvr>
-    <a:masterClrMapping/>
-  </p:clrMapOvr>
-  <mc:AlternateContent xmlns:mc="http://schemas.openxmlformats.org/markup-compatibility/2006" xmlns:p159="http://schemas.microsoft.com/office/powerpoint/2015/09/main">
-    <mc:Choice Requires="p159">
-      <p:transition xmlns:p14="http://schemas.microsoft.com/office/powerpoint/2010/main" spd="slow" p14:dur="2000">
-        <p159:morph option="byObject"/>
-      </p:transition>
-    </mc:Choice>
-    <mc:Fallback xmlns="">
-      <p:transition spd="slow">
-        <p:fade/>
-      </p:transition>
-    </mc:Fallback>
-  </mc:AlternateContent>
-</p:sld>
-</file>
-
-<file path=ppt/slides/slide3.xml><?xml version="1.0" encoding="utf-8"?>
+<file path=ppt/slides/slide10.xml><?xml version="1.0" encoding="utf-8"?>
 <p:sld xmlns:a="http://schemas.openxmlformats.org/drawingml/2006/main" xmlns:r="http://schemas.openxmlformats.org/officeDocument/2006/relationships" xmlns:p="http://schemas.openxmlformats.org/presentationml/2006/main">
   <p:cSld>
     <p:spTree>
@@ -4519,7 +3959,7 @@
                 </a:solidFill>
                 <a:latin typeface="Arial Rounded MT Bold" panose="020F0704030504030204" pitchFamily="34" charset="0"/>
               </a:rPr>
-              <a:t>Menyenangkan</a:t>
+              <a:t>Kesenangan</a:t>
             </a:r>
             <a:endParaRPr lang="en-ID" sz="4000" dirty="0">
               <a:solidFill>
@@ -4658,7 +4098,7 @@
 </p:sld>
 </file>
 
-<file path=ppt/slides/slide4.xml><?xml version="1.0" encoding="utf-8"?>
+<file path=ppt/slides/slide11.xml><?xml version="1.0" encoding="utf-8"?>
 <p:sld xmlns:a="http://schemas.openxmlformats.org/drawingml/2006/main" xmlns:r="http://schemas.openxmlformats.org/officeDocument/2006/relationships" xmlns:p="http://schemas.openxmlformats.org/presentationml/2006/main">
   <p:cSld>
     <p:spTree>
@@ -5295,7 +4735,7 @@
 </p:sld>
 </file>
 
-<file path=ppt/slides/slide5.xml><?xml version="1.0" encoding="utf-8"?>
+<file path=ppt/slides/slide12.xml><?xml version="1.0" encoding="utf-8"?>
 <p:sld xmlns:a="http://schemas.openxmlformats.org/drawingml/2006/main" xmlns:r="http://schemas.openxmlformats.org/officeDocument/2006/relationships" xmlns:p="http://schemas.openxmlformats.org/presentationml/2006/main">
   <p:cSld>
     <p:spTree>
@@ -5872,7 +5312,7 @@
 </p:sld>
 </file>
 
-<file path=ppt/slides/slide6.xml><?xml version="1.0" encoding="utf-8"?>
+<file path=ppt/slides/slide13.xml><?xml version="1.0" encoding="utf-8"?>
 <p:sld xmlns:a="http://schemas.openxmlformats.org/drawingml/2006/main" xmlns:r="http://schemas.openxmlformats.org/officeDocument/2006/relationships" xmlns:p="http://schemas.openxmlformats.org/presentationml/2006/main">
   <p:cSld>
     <p:spTree>
@@ -6351,6 +5791,3138 @@
     <p:extLst>
       <p:ext uri="{BB962C8B-B14F-4D97-AF65-F5344CB8AC3E}">
         <p14:creationId xmlns:p14="http://schemas.microsoft.com/office/powerpoint/2010/main" val="1975798191"/>
+      </p:ext>
+    </p:extLst>
+  </p:cSld>
+  <p:clrMapOvr>
+    <a:masterClrMapping/>
+  </p:clrMapOvr>
+  <mc:AlternateContent xmlns:mc="http://schemas.openxmlformats.org/markup-compatibility/2006" xmlns:p159="http://schemas.microsoft.com/office/powerpoint/2015/09/main">
+    <mc:Choice Requires="p159">
+      <p:transition xmlns:p14="http://schemas.microsoft.com/office/powerpoint/2010/main" spd="slow" p14:dur="2000">
+        <p159:morph option="byObject"/>
+      </p:transition>
+    </mc:Choice>
+    <mc:Fallback xmlns="">
+      <p:transition spd="slow">
+        <p:fade/>
+      </p:transition>
+    </mc:Fallback>
+  </mc:AlternateContent>
+</p:sld>
+</file>
+
+<file path=ppt/slides/slide14.xml><?xml version="1.0" encoding="utf-8"?>
+<p:sld xmlns:a="http://schemas.openxmlformats.org/drawingml/2006/main" xmlns:r="http://schemas.openxmlformats.org/officeDocument/2006/relationships" xmlns:p="http://schemas.openxmlformats.org/presentationml/2006/main">
+  <p:cSld>
+    <p:spTree>
+      <p:nvGrpSpPr>
+        <p:cNvPr id="1" name=""/>
+        <p:cNvGrpSpPr/>
+        <p:nvPr/>
+      </p:nvGrpSpPr>
+      <p:grpSpPr>
+        <a:xfrm>
+          <a:off x="0" y="0"/>
+          <a:ext cx="0" cy="0"/>
+          <a:chOff x="0" y="0"/>
+          <a:chExt cx="0" cy="0"/>
+        </a:xfrm>
+      </p:grpSpPr>
+      <p:sp>
+        <p:nvSpPr>
+          <p:cNvPr id="4" name="Title 3">
+            <a:extLst>
+              <a:ext uri="{FF2B5EF4-FFF2-40B4-BE49-F238E27FC236}">
+                <a16:creationId xmlns:a16="http://schemas.microsoft.com/office/drawing/2014/main" id="{B86B5304-236F-4316-834A-F8D9E0BD0DFF}"/>
+              </a:ext>
+            </a:extLst>
+          </p:cNvPr>
+          <p:cNvSpPr txBox="1">
+            <a:spLocks/>
+          </p:cNvSpPr>
+          <p:nvPr/>
+        </p:nvSpPr>
+        <p:spPr>
+          <a:xfrm>
+            <a:off x="2426748" y="749139"/>
+            <a:ext cx="7713306" cy="911710"/>
+          </a:xfrm>
+          <a:prstGeom prst="rect">
+            <a:avLst/>
+          </a:prstGeom>
+          <a:ln>
+            <a:noFill/>
+          </a:ln>
+        </p:spPr>
+        <p:txBody>
+          <a:bodyPr>
+            <a:normAutofit fontScale="85000" lnSpcReduction="10000"/>
+          </a:bodyPr>
+          <a:lstStyle>
+            <a:lvl1pPr algn="l" defTabSz="914400" rtl="0" eaLnBrk="1" latinLnBrk="0" hangingPunct="1">
+              <a:lnSpc>
+                <a:spcPct val="90000"/>
+              </a:lnSpc>
+              <a:spcBef>
+                <a:spcPct val="0"/>
+              </a:spcBef>
+              <a:buNone/>
+              <a:defRPr sz="4400" kern="1200">
+                <a:solidFill>
+                  <a:schemeClr val="tx1"/>
+                </a:solidFill>
+                <a:latin typeface="+mj-lt"/>
+                <a:ea typeface="+mj-ea"/>
+                <a:cs typeface="+mj-cs"/>
+              </a:defRPr>
+            </a:lvl1pPr>
+          </a:lstStyle>
+          <a:p>
+            <a:r>
+              <a:rPr lang="en-US" sz="5000" i="1" dirty="0">
+                <a:solidFill>
+                  <a:srgbClr val="5CA0CA"/>
+                </a:solidFill>
+                <a:latin typeface="Arial Rounded MT Bold" panose="020F0704030504030204" pitchFamily="34" charset="0"/>
+              </a:rPr>
+              <a:t>Library</a:t>
+            </a:r>
+            <a:r>
+              <a:rPr lang="en-US" sz="5000" dirty="0">
+                <a:solidFill>
+                  <a:srgbClr val="5CA0CA"/>
+                </a:solidFill>
+                <a:latin typeface="Arial Rounded MT Bold" panose="020F0704030504030204" pitchFamily="34" charset="0"/>
+              </a:rPr>
+              <a:t> yang kami </a:t>
+            </a:r>
+            <a:r>
+              <a:rPr lang="en-US" sz="5000" dirty="0" err="1">
+                <a:solidFill>
+                  <a:srgbClr val="5CA0CA"/>
+                </a:solidFill>
+                <a:latin typeface="Arial Rounded MT Bold" panose="020F0704030504030204" pitchFamily="34" charset="0"/>
+              </a:rPr>
+              <a:t>gunakan</a:t>
+            </a:r>
+            <a:endParaRPr lang="en-ID" sz="5000" i="1" dirty="0">
+              <a:solidFill>
+                <a:srgbClr val="FF0000"/>
+              </a:solidFill>
+              <a:latin typeface="Arial Rounded MT Bold" panose="020F0704030504030204" pitchFamily="34" charset="0"/>
+            </a:endParaRPr>
+          </a:p>
+        </p:txBody>
+      </p:sp>
+      <p:sp>
+        <p:nvSpPr>
+          <p:cNvPr id="8" name="TextBox 7">
+            <a:extLst>
+              <a:ext uri="{FF2B5EF4-FFF2-40B4-BE49-F238E27FC236}">
+                <a16:creationId xmlns:a16="http://schemas.microsoft.com/office/drawing/2014/main" id="{6745FEC0-141D-47CF-AA71-B8BB6D3FCD1D}"/>
+              </a:ext>
+            </a:extLst>
+          </p:cNvPr>
+          <p:cNvSpPr txBox="1"/>
+          <p:nvPr/>
+        </p:nvSpPr>
+        <p:spPr>
+          <a:xfrm>
+            <a:off x="2051574" y="1430385"/>
+            <a:ext cx="8463654" cy="4818435"/>
+          </a:xfrm>
+          <a:prstGeom prst="rect">
+            <a:avLst/>
+          </a:prstGeom>
+          <a:noFill/>
+        </p:spPr>
+        <p:txBody>
+          <a:bodyPr wrap="square" rtlCol="0">
+            <a:spAutoFit/>
+          </a:bodyPr>
+          <a:lstStyle/>
+          <a:p>
+            <a:pPr marL="228600">
+              <a:lnSpc>
+                <a:spcPct val="150000"/>
+              </a:lnSpc>
+              <a:spcAft>
+                <a:spcPts val="800"/>
+              </a:spcAft>
+            </a:pPr>
+            <a:r>
+              <a:rPr lang="id-ID" sz="1800" dirty="0">
+                <a:effectLst/>
+                <a:latin typeface="Times New Roman" panose="02020603050405020304" pitchFamily="18" charset="0"/>
+                <a:ea typeface="Calibri" panose="020F0502020204030204" pitchFamily="34" charset="0"/>
+                <a:cs typeface="Times New Roman" panose="02020603050405020304" pitchFamily="18" charset="0"/>
+              </a:rPr>
+              <a:t>1. </a:t>
+            </a:r>
+            <a:r>
+              <a:rPr lang="id-ID" sz="1800" b="1" dirty="0">
+                <a:effectLst/>
+                <a:latin typeface="Times New Roman" panose="02020603050405020304" pitchFamily="18" charset="0"/>
+                <a:ea typeface="Calibri" panose="020F0502020204030204" pitchFamily="34" charset="0"/>
+                <a:cs typeface="Times New Roman" panose="02020603050405020304" pitchFamily="18" charset="0"/>
+              </a:rPr>
+              <a:t>Circle image </a:t>
+            </a:r>
+            <a:r>
+              <a:rPr lang="id-ID" sz="1800" dirty="0">
+                <a:effectLst/>
+                <a:latin typeface="Times New Roman" panose="02020603050405020304" pitchFamily="18" charset="0"/>
+                <a:ea typeface="Calibri" panose="020F0502020204030204" pitchFamily="34" charset="0"/>
+                <a:cs typeface="Times New Roman" panose="02020603050405020304" pitchFamily="18" charset="0"/>
+              </a:rPr>
+              <a:t>(implementation 'de.hdodenhof:circleimageview:3.1.0')</a:t>
+            </a:r>
+            <a:endParaRPr lang="en-ID" sz="1800" dirty="0">
+              <a:effectLst/>
+              <a:latin typeface="Calibri" panose="020F0502020204030204" pitchFamily="34" charset="0"/>
+              <a:ea typeface="Calibri" panose="020F0502020204030204" pitchFamily="34" charset="0"/>
+              <a:cs typeface="Times New Roman" panose="02020603050405020304" pitchFamily="18" charset="0"/>
+            </a:endParaRPr>
+          </a:p>
+          <a:p>
+            <a:pPr marL="228600">
+              <a:lnSpc>
+                <a:spcPct val="150000"/>
+              </a:lnSpc>
+              <a:spcAft>
+                <a:spcPts val="800"/>
+              </a:spcAft>
+            </a:pPr>
+            <a:r>
+              <a:rPr lang="id-ID" sz="1800" dirty="0">
+                <a:effectLst/>
+                <a:latin typeface="Times New Roman" panose="02020603050405020304" pitchFamily="18" charset="0"/>
+                <a:ea typeface="Calibri" panose="020F0502020204030204" pitchFamily="34" charset="0"/>
+                <a:cs typeface="Times New Roman" panose="02020603050405020304" pitchFamily="18" charset="0"/>
+              </a:rPr>
+              <a:t>2. </a:t>
+            </a:r>
+            <a:r>
+              <a:rPr lang="id-ID" sz="1800" b="1" dirty="0">
+                <a:effectLst/>
+                <a:latin typeface="Times New Roman" panose="02020603050405020304" pitchFamily="18" charset="0"/>
+                <a:ea typeface="Calibri" panose="020F0502020204030204" pitchFamily="34" charset="0"/>
+                <a:cs typeface="Times New Roman" panose="02020603050405020304" pitchFamily="18" charset="0"/>
+              </a:rPr>
+              <a:t>Ripple Effect Layout </a:t>
+            </a:r>
+            <a:r>
+              <a:rPr lang="id-ID" sz="1800" dirty="0">
+                <a:effectLst/>
+                <a:latin typeface="Times New Roman" panose="02020603050405020304" pitchFamily="18" charset="0"/>
+                <a:ea typeface="Calibri" panose="020F0502020204030204" pitchFamily="34" charset="0"/>
+                <a:cs typeface="Times New Roman" panose="02020603050405020304" pitchFamily="18" charset="0"/>
+              </a:rPr>
+              <a:t>(implementation 'com.skyfishjy.ripplebackground:library:1.0.1')</a:t>
+            </a:r>
+            <a:endParaRPr lang="en-ID" sz="1800" dirty="0">
+              <a:effectLst/>
+              <a:latin typeface="Calibri" panose="020F0502020204030204" pitchFamily="34" charset="0"/>
+              <a:ea typeface="Calibri" panose="020F0502020204030204" pitchFamily="34" charset="0"/>
+              <a:cs typeface="Times New Roman" panose="02020603050405020304" pitchFamily="18" charset="0"/>
+            </a:endParaRPr>
+          </a:p>
+          <a:p>
+            <a:pPr marL="228600">
+              <a:lnSpc>
+                <a:spcPct val="150000"/>
+              </a:lnSpc>
+              <a:spcAft>
+                <a:spcPts val="800"/>
+              </a:spcAft>
+            </a:pPr>
+            <a:r>
+              <a:rPr lang="id-ID" sz="1800" dirty="0">
+                <a:effectLst/>
+                <a:latin typeface="Times New Roman" panose="02020603050405020304" pitchFamily="18" charset="0"/>
+                <a:ea typeface="Calibri" panose="020F0502020204030204" pitchFamily="34" charset="0"/>
+                <a:cs typeface="Times New Roman" panose="02020603050405020304" pitchFamily="18" charset="0"/>
+              </a:rPr>
+              <a:t>3. </a:t>
+            </a:r>
+            <a:r>
+              <a:rPr lang="id-ID" sz="1800" b="1" dirty="0">
+                <a:effectLst/>
+                <a:latin typeface="Times New Roman" panose="02020603050405020304" pitchFamily="18" charset="0"/>
+                <a:ea typeface="Calibri" panose="020F0502020204030204" pitchFamily="34" charset="0"/>
+                <a:cs typeface="Times New Roman" panose="02020603050405020304" pitchFamily="18" charset="0"/>
+              </a:rPr>
+              <a:t>Picasso</a:t>
+            </a:r>
+            <a:r>
+              <a:rPr lang="id-ID" sz="1800" dirty="0">
+                <a:effectLst/>
+                <a:latin typeface="Times New Roman" panose="02020603050405020304" pitchFamily="18" charset="0"/>
+                <a:ea typeface="Calibri" panose="020F0502020204030204" pitchFamily="34" charset="0"/>
+                <a:cs typeface="Times New Roman" panose="02020603050405020304" pitchFamily="18" charset="0"/>
+              </a:rPr>
+              <a:t> (implementation 'com.squareup.picasso:picasso:2.71828')</a:t>
+            </a:r>
+            <a:endParaRPr lang="en-ID" sz="1800" dirty="0">
+              <a:effectLst/>
+              <a:latin typeface="Calibri" panose="020F0502020204030204" pitchFamily="34" charset="0"/>
+              <a:ea typeface="Calibri" panose="020F0502020204030204" pitchFamily="34" charset="0"/>
+              <a:cs typeface="Times New Roman" panose="02020603050405020304" pitchFamily="18" charset="0"/>
+            </a:endParaRPr>
+          </a:p>
+          <a:p>
+            <a:pPr marL="228600">
+              <a:lnSpc>
+                <a:spcPct val="150000"/>
+              </a:lnSpc>
+              <a:spcAft>
+                <a:spcPts val="800"/>
+              </a:spcAft>
+            </a:pPr>
+            <a:r>
+              <a:rPr lang="id-ID" sz="1800" dirty="0">
+                <a:effectLst/>
+                <a:latin typeface="Times New Roman" panose="02020603050405020304" pitchFamily="18" charset="0"/>
+                <a:ea typeface="Calibri" panose="020F0502020204030204" pitchFamily="34" charset="0"/>
+                <a:cs typeface="Times New Roman" panose="02020603050405020304" pitchFamily="18" charset="0"/>
+              </a:rPr>
+              <a:t>4. </a:t>
+            </a:r>
+            <a:r>
+              <a:rPr lang="id-ID" sz="1800" b="1" dirty="0">
+                <a:effectLst/>
+                <a:latin typeface="Times New Roman" panose="02020603050405020304" pitchFamily="18" charset="0"/>
+                <a:ea typeface="Calibri" panose="020F0502020204030204" pitchFamily="34" charset="0"/>
+                <a:cs typeface="Times New Roman" panose="02020603050405020304" pitchFamily="18" charset="0"/>
+              </a:rPr>
+              <a:t>gooogle gms </a:t>
+            </a:r>
+            <a:r>
+              <a:rPr lang="id-ID" sz="1800" dirty="0">
+                <a:effectLst/>
+                <a:latin typeface="Times New Roman" panose="02020603050405020304" pitchFamily="18" charset="0"/>
+                <a:ea typeface="Calibri" panose="020F0502020204030204" pitchFamily="34" charset="0"/>
+                <a:cs typeface="Times New Roman" panose="02020603050405020304" pitchFamily="18" charset="0"/>
+              </a:rPr>
+              <a:t>(implementation 'com.google.android.gms:play-services-location:18.0.0')</a:t>
+            </a:r>
+            <a:endParaRPr lang="en-ID" sz="1800" dirty="0">
+              <a:effectLst/>
+              <a:latin typeface="Calibri" panose="020F0502020204030204" pitchFamily="34" charset="0"/>
+              <a:ea typeface="Calibri" panose="020F0502020204030204" pitchFamily="34" charset="0"/>
+              <a:cs typeface="Times New Roman" panose="02020603050405020304" pitchFamily="18" charset="0"/>
+            </a:endParaRPr>
+          </a:p>
+          <a:p>
+            <a:pPr marL="228600">
+              <a:lnSpc>
+                <a:spcPct val="150000"/>
+              </a:lnSpc>
+              <a:spcAft>
+                <a:spcPts val="800"/>
+              </a:spcAft>
+            </a:pPr>
+            <a:r>
+              <a:rPr lang="id-ID" sz="1800" dirty="0">
+                <a:effectLst/>
+                <a:latin typeface="Times New Roman" panose="02020603050405020304" pitchFamily="18" charset="0"/>
+                <a:ea typeface="Calibri" panose="020F0502020204030204" pitchFamily="34" charset="0"/>
+                <a:cs typeface="Times New Roman" panose="02020603050405020304" pitchFamily="18" charset="0"/>
+              </a:rPr>
+              <a:t>5. </a:t>
+            </a:r>
+            <a:r>
+              <a:rPr lang="id-ID" sz="1800" b="1" dirty="0">
+                <a:effectLst/>
+                <a:latin typeface="Times New Roman" panose="02020603050405020304" pitchFamily="18" charset="0"/>
+                <a:ea typeface="Calibri" panose="020F0502020204030204" pitchFamily="34" charset="0"/>
+                <a:cs typeface="Times New Roman" panose="02020603050405020304" pitchFamily="18" charset="0"/>
+              </a:rPr>
+              <a:t>Motion Tost</a:t>
+            </a:r>
+            <a:r>
+              <a:rPr lang="id-ID" sz="1800" dirty="0">
+                <a:effectLst/>
+                <a:latin typeface="Times New Roman" panose="02020603050405020304" pitchFamily="18" charset="0"/>
+                <a:ea typeface="Calibri" panose="020F0502020204030204" pitchFamily="34" charset="0"/>
+                <a:cs typeface="Times New Roman" panose="02020603050405020304" pitchFamily="18" charset="0"/>
+              </a:rPr>
+              <a:t> (implementation 'com.github.Spikeysanju:MotionToast:1.4')</a:t>
+            </a:r>
+            <a:endParaRPr lang="en-ID" sz="1800" dirty="0">
+              <a:effectLst/>
+              <a:latin typeface="Calibri" panose="020F0502020204030204" pitchFamily="34" charset="0"/>
+              <a:ea typeface="Calibri" panose="020F0502020204030204" pitchFamily="34" charset="0"/>
+              <a:cs typeface="Times New Roman" panose="02020603050405020304" pitchFamily="18" charset="0"/>
+            </a:endParaRPr>
+          </a:p>
+          <a:p>
+            <a:pPr marL="228600">
+              <a:lnSpc>
+                <a:spcPct val="150000"/>
+              </a:lnSpc>
+              <a:spcAft>
+                <a:spcPts val="800"/>
+              </a:spcAft>
+            </a:pPr>
+            <a:r>
+              <a:rPr lang="id-ID" sz="1800" dirty="0">
+                <a:effectLst/>
+                <a:latin typeface="Times New Roman" panose="02020603050405020304" pitchFamily="18" charset="0"/>
+                <a:ea typeface="Calibri" panose="020F0502020204030204" pitchFamily="34" charset="0"/>
+                <a:cs typeface="Times New Roman" panose="02020603050405020304" pitchFamily="18" charset="0"/>
+              </a:rPr>
+              <a:t>6. </a:t>
+            </a:r>
+            <a:r>
+              <a:rPr lang="id-ID" sz="1800" b="1" dirty="0">
+                <a:effectLst/>
+                <a:latin typeface="Times New Roman" panose="02020603050405020304" pitchFamily="18" charset="0"/>
+                <a:ea typeface="Calibri" panose="020F0502020204030204" pitchFamily="34" charset="0"/>
+                <a:cs typeface="Times New Roman" panose="02020603050405020304" pitchFamily="18" charset="0"/>
+              </a:rPr>
+              <a:t>Lottie Animation </a:t>
+            </a:r>
+            <a:r>
+              <a:rPr lang="id-ID" sz="1800" dirty="0">
+                <a:effectLst/>
+                <a:latin typeface="Times New Roman" panose="02020603050405020304" pitchFamily="18" charset="0"/>
+                <a:ea typeface="Calibri" panose="020F0502020204030204" pitchFamily="34" charset="0"/>
+                <a:cs typeface="Times New Roman" panose="02020603050405020304" pitchFamily="18" charset="0"/>
+              </a:rPr>
+              <a:t>(def lottieVersion = "3.4.0" implementation "com.airbnb.android:lottie:$lottieVersion")</a:t>
+            </a:r>
+            <a:endParaRPr lang="en-ID" sz="1800" dirty="0">
+              <a:effectLst/>
+              <a:latin typeface="Calibri" panose="020F0502020204030204" pitchFamily="34" charset="0"/>
+              <a:ea typeface="Calibri" panose="020F0502020204030204" pitchFamily="34" charset="0"/>
+              <a:cs typeface="Times New Roman" panose="02020603050405020304" pitchFamily="18" charset="0"/>
+            </a:endParaRPr>
+          </a:p>
+          <a:p>
+            <a:pPr marL="228600">
+              <a:lnSpc>
+                <a:spcPct val="150000"/>
+              </a:lnSpc>
+              <a:spcAft>
+                <a:spcPts val="800"/>
+              </a:spcAft>
+            </a:pPr>
+            <a:r>
+              <a:rPr lang="id-ID" sz="1800" dirty="0">
+                <a:effectLst/>
+                <a:latin typeface="Times New Roman" panose="02020603050405020304" pitchFamily="18" charset="0"/>
+                <a:ea typeface="Calibri" panose="020F0502020204030204" pitchFamily="34" charset="0"/>
+                <a:cs typeface="Times New Roman" panose="02020603050405020304" pitchFamily="18" charset="0"/>
+              </a:rPr>
+              <a:t>7. </a:t>
+            </a:r>
+            <a:r>
+              <a:rPr lang="id-ID" sz="1800" b="1" dirty="0">
+                <a:effectLst/>
+                <a:latin typeface="Times New Roman" panose="02020603050405020304" pitchFamily="18" charset="0"/>
+                <a:ea typeface="Calibri" panose="020F0502020204030204" pitchFamily="34" charset="0"/>
+                <a:cs typeface="Times New Roman" panose="02020603050405020304" pitchFamily="18" charset="0"/>
+              </a:rPr>
+              <a:t>Wave animations</a:t>
+            </a:r>
+            <a:r>
+              <a:rPr lang="id-ID" sz="1800" dirty="0">
+                <a:effectLst/>
+                <a:latin typeface="Times New Roman" panose="02020603050405020304" pitchFamily="18" charset="0"/>
+                <a:ea typeface="Calibri" panose="020F0502020204030204" pitchFamily="34" charset="0"/>
+                <a:cs typeface="Times New Roman" panose="02020603050405020304" pitchFamily="18" charset="0"/>
+              </a:rPr>
+              <a:t> (implementation "com.scwang.wave:MultiWaveHeader:1.0.0")</a:t>
+            </a:r>
+            <a:endParaRPr lang="en-ID" sz="1800" dirty="0">
+              <a:effectLst/>
+              <a:latin typeface="Calibri" panose="020F0502020204030204" pitchFamily="34" charset="0"/>
+              <a:ea typeface="Calibri" panose="020F0502020204030204" pitchFamily="34" charset="0"/>
+              <a:cs typeface="Times New Roman" panose="02020603050405020304" pitchFamily="18" charset="0"/>
+            </a:endParaRPr>
+          </a:p>
+        </p:txBody>
+      </p:sp>
+    </p:spTree>
+    <p:extLst>
+      <p:ext uri="{BB962C8B-B14F-4D97-AF65-F5344CB8AC3E}">
+        <p14:creationId xmlns:p14="http://schemas.microsoft.com/office/powerpoint/2010/main" val="322334192"/>
+      </p:ext>
+    </p:extLst>
+  </p:cSld>
+  <p:clrMapOvr>
+    <a:masterClrMapping/>
+  </p:clrMapOvr>
+  <mc:AlternateContent xmlns:mc="http://schemas.openxmlformats.org/markup-compatibility/2006" xmlns:p159="http://schemas.microsoft.com/office/powerpoint/2015/09/main">
+    <mc:Choice Requires="p159">
+      <p:transition xmlns:p14="http://schemas.microsoft.com/office/powerpoint/2010/main" spd="slow" p14:dur="2000">
+        <p159:morph option="byObject"/>
+      </p:transition>
+    </mc:Choice>
+    <mc:Fallback xmlns="">
+      <p:transition spd="slow">
+        <p:fade/>
+      </p:transition>
+    </mc:Fallback>
+  </mc:AlternateContent>
+</p:sld>
+</file>
+
+<file path=ppt/slides/slide15.xml><?xml version="1.0" encoding="utf-8"?>
+<p:sld xmlns:a="http://schemas.openxmlformats.org/drawingml/2006/main" xmlns:r="http://schemas.openxmlformats.org/officeDocument/2006/relationships" xmlns:p="http://schemas.openxmlformats.org/presentationml/2006/main">
+  <p:cSld>
+    <p:spTree>
+      <p:nvGrpSpPr>
+        <p:cNvPr id="1" name=""/>
+        <p:cNvGrpSpPr/>
+        <p:nvPr/>
+      </p:nvGrpSpPr>
+      <p:grpSpPr>
+        <a:xfrm>
+          <a:off x="0" y="0"/>
+          <a:ext cx="0" cy="0"/>
+          <a:chOff x="0" y="0"/>
+          <a:chExt cx="0" cy="0"/>
+        </a:xfrm>
+      </p:grpSpPr>
+      <p:sp>
+        <p:nvSpPr>
+          <p:cNvPr id="4" name="Title 3">
+            <a:extLst>
+              <a:ext uri="{FF2B5EF4-FFF2-40B4-BE49-F238E27FC236}">
+                <a16:creationId xmlns:a16="http://schemas.microsoft.com/office/drawing/2014/main" id="{B86B5304-236F-4316-834A-F8D9E0BD0DFF}"/>
+              </a:ext>
+            </a:extLst>
+          </p:cNvPr>
+          <p:cNvSpPr txBox="1">
+            <a:spLocks/>
+          </p:cNvSpPr>
+          <p:nvPr/>
+        </p:nvSpPr>
+        <p:spPr>
+          <a:xfrm>
+            <a:off x="2426748" y="749139"/>
+            <a:ext cx="7713306" cy="911710"/>
+          </a:xfrm>
+          <a:prstGeom prst="rect">
+            <a:avLst/>
+          </a:prstGeom>
+          <a:ln>
+            <a:noFill/>
+          </a:ln>
+        </p:spPr>
+        <p:txBody>
+          <a:bodyPr>
+            <a:normAutofit fontScale="85000" lnSpcReduction="10000"/>
+          </a:bodyPr>
+          <a:lstStyle>
+            <a:lvl1pPr algn="l" defTabSz="914400" rtl="0" eaLnBrk="1" latinLnBrk="0" hangingPunct="1">
+              <a:lnSpc>
+                <a:spcPct val="90000"/>
+              </a:lnSpc>
+              <a:spcBef>
+                <a:spcPct val="0"/>
+              </a:spcBef>
+              <a:buNone/>
+              <a:defRPr sz="4400" kern="1200">
+                <a:solidFill>
+                  <a:schemeClr val="tx1"/>
+                </a:solidFill>
+                <a:latin typeface="+mj-lt"/>
+                <a:ea typeface="+mj-ea"/>
+                <a:cs typeface="+mj-cs"/>
+              </a:defRPr>
+            </a:lvl1pPr>
+          </a:lstStyle>
+          <a:p>
+            <a:r>
+              <a:rPr lang="en-US" sz="5000" i="1" dirty="0">
+                <a:solidFill>
+                  <a:srgbClr val="5CA0CA"/>
+                </a:solidFill>
+                <a:latin typeface="Arial Rounded MT Bold" panose="020F0704030504030204" pitchFamily="34" charset="0"/>
+              </a:rPr>
+              <a:t>Dataset</a:t>
+            </a:r>
+            <a:r>
+              <a:rPr lang="en-US" sz="5000" dirty="0">
+                <a:solidFill>
+                  <a:srgbClr val="5CA0CA"/>
+                </a:solidFill>
+                <a:latin typeface="Arial Rounded MT Bold" panose="020F0704030504030204" pitchFamily="34" charset="0"/>
+              </a:rPr>
+              <a:t> yang kami </a:t>
+            </a:r>
+            <a:r>
+              <a:rPr lang="en-US" sz="5000" dirty="0" err="1">
+                <a:solidFill>
+                  <a:srgbClr val="5CA0CA"/>
+                </a:solidFill>
+                <a:latin typeface="Arial Rounded MT Bold" panose="020F0704030504030204" pitchFamily="34" charset="0"/>
+              </a:rPr>
+              <a:t>gunakan</a:t>
+            </a:r>
+            <a:endParaRPr lang="en-ID" sz="5000" i="1" dirty="0">
+              <a:solidFill>
+                <a:srgbClr val="FF0000"/>
+              </a:solidFill>
+              <a:latin typeface="Arial Rounded MT Bold" panose="020F0704030504030204" pitchFamily="34" charset="0"/>
+            </a:endParaRPr>
+          </a:p>
+        </p:txBody>
+      </p:sp>
+      <p:sp>
+        <p:nvSpPr>
+          <p:cNvPr id="8" name="TextBox 7">
+            <a:extLst>
+              <a:ext uri="{FF2B5EF4-FFF2-40B4-BE49-F238E27FC236}">
+                <a16:creationId xmlns:a16="http://schemas.microsoft.com/office/drawing/2014/main" id="{6745FEC0-141D-47CF-AA71-B8BB6D3FCD1D}"/>
+              </a:ext>
+            </a:extLst>
+          </p:cNvPr>
+          <p:cNvSpPr txBox="1"/>
+          <p:nvPr/>
+        </p:nvSpPr>
+        <p:spPr>
+          <a:xfrm>
+            <a:off x="2051574" y="1430385"/>
+            <a:ext cx="8463654" cy="2332049"/>
+          </a:xfrm>
+          <a:prstGeom prst="rect">
+            <a:avLst/>
+          </a:prstGeom>
+          <a:noFill/>
+        </p:spPr>
+        <p:txBody>
+          <a:bodyPr wrap="square" rtlCol="0">
+            <a:spAutoFit/>
+          </a:bodyPr>
+          <a:lstStyle/>
+          <a:p>
+            <a:pPr marL="571500" indent="-342900">
+              <a:lnSpc>
+                <a:spcPct val="150000"/>
+              </a:lnSpc>
+              <a:spcAft>
+                <a:spcPts val="800"/>
+              </a:spcAft>
+              <a:buAutoNum type="arabicPeriod"/>
+            </a:pPr>
+            <a:r>
+              <a:rPr lang="en-US" sz="1800" b="1" dirty="0">
+                <a:solidFill>
+                  <a:srgbClr val="000000"/>
+                </a:solidFill>
+                <a:effectLst/>
+                <a:latin typeface="Times New Roman" panose="02020603050405020304" pitchFamily="18" charset="0"/>
+                <a:ea typeface="Times New Roman" panose="02020603050405020304" pitchFamily="18" charset="0"/>
+                <a:cs typeface="Times New Roman" panose="02020603050405020304" pitchFamily="18" charset="0"/>
+              </a:rPr>
+              <a:t>Logo </a:t>
+            </a:r>
+            <a:r>
+              <a:rPr lang="en-US" sz="1800" b="1" dirty="0" err="1">
+                <a:solidFill>
+                  <a:srgbClr val="000000"/>
+                </a:solidFill>
+                <a:effectLst/>
+                <a:latin typeface="Times New Roman" panose="02020603050405020304" pitchFamily="18" charset="0"/>
+                <a:ea typeface="Times New Roman" panose="02020603050405020304" pitchFamily="18" charset="0"/>
+                <a:cs typeface="Times New Roman" panose="02020603050405020304" pitchFamily="18" charset="0"/>
+              </a:rPr>
+              <a:t>kabupaten</a:t>
+            </a:r>
+            <a:r>
+              <a:rPr lang="en-US" sz="1800" b="1" dirty="0">
+                <a:solidFill>
+                  <a:srgbClr val="000000"/>
+                </a:solidFill>
+                <a:effectLst/>
+                <a:latin typeface="Times New Roman" panose="02020603050405020304" pitchFamily="18" charset="0"/>
+                <a:ea typeface="Times New Roman" panose="02020603050405020304" pitchFamily="18" charset="0"/>
+                <a:cs typeface="Times New Roman" panose="02020603050405020304" pitchFamily="18" charset="0"/>
+              </a:rPr>
+              <a:t> </a:t>
+            </a:r>
+            <a:r>
+              <a:rPr lang="en-US" sz="1800" b="1" dirty="0" err="1">
+                <a:solidFill>
+                  <a:srgbClr val="000000"/>
+                </a:solidFill>
+                <a:effectLst/>
+                <a:latin typeface="Times New Roman" panose="02020603050405020304" pitchFamily="18" charset="0"/>
+                <a:ea typeface="Times New Roman" panose="02020603050405020304" pitchFamily="18" charset="0"/>
+                <a:cs typeface="Times New Roman" panose="02020603050405020304" pitchFamily="18" charset="0"/>
+              </a:rPr>
+              <a:t>Tegal</a:t>
+            </a:r>
+            <a:r>
+              <a:rPr lang="en-US" sz="1800" dirty="0">
+                <a:solidFill>
+                  <a:srgbClr val="000000"/>
+                </a:solidFill>
+                <a:effectLst/>
+                <a:latin typeface="Times New Roman" panose="02020603050405020304" pitchFamily="18" charset="0"/>
+                <a:ea typeface="Times New Roman" panose="02020603050405020304" pitchFamily="18" charset="0"/>
+                <a:cs typeface="Times New Roman" panose="02020603050405020304" pitchFamily="18" charset="0"/>
+              </a:rPr>
+              <a:t> (</a:t>
+            </a:r>
+            <a:r>
+              <a:rPr lang="id-ID" sz="1800" u="sng" dirty="0">
+                <a:solidFill>
+                  <a:srgbClr val="0563C1"/>
+                </a:solidFill>
+                <a:effectLst/>
+                <a:latin typeface="Times New Roman" panose="02020603050405020304" pitchFamily="18" charset="0"/>
+                <a:ea typeface="Calibri" panose="020F0502020204030204" pitchFamily="34" charset="0"/>
+                <a:cs typeface="Times New Roman" panose="02020603050405020304" pitchFamily="18" charset="0"/>
+                <a:hlinkClick r:id="rId2"/>
+              </a:rPr>
+              <a:t>Logo Kabupaten Tegal (INDONESIA) Original Terbaru - rekreartive</a:t>
+            </a:r>
+            <a:r>
+              <a:rPr lang="en-US" sz="1800" dirty="0">
+                <a:solidFill>
+                  <a:srgbClr val="000000"/>
+                </a:solidFill>
+                <a:effectLst/>
+                <a:latin typeface="Times New Roman" panose="02020603050405020304" pitchFamily="18" charset="0"/>
+                <a:ea typeface="Times New Roman" panose="02020603050405020304" pitchFamily="18" charset="0"/>
+                <a:cs typeface="Times New Roman" panose="02020603050405020304" pitchFamily="18" charset="0"/>
+              </a:rPr>
+              <a:t>) (kami </a:t>
+            </a:r>
+            <a:r>
+              <a:rPr lang="en-US" sz="1800" dirty="0" err="1">
+                <a:solidFill>
+                  <a:srgbClr val="000000"/>
+                </a:solidFill>
+                <a:effectLst/>
+                <a:latin typeface="Times New Roman" panose="02020603050405020304" pitchFamily="18" charset="0"/>
+                <a:ea typeface="Times New Roman" panose="02020603050405020304" pitchFamily="18" charset="0"/>
+                <a:cs typeface="Times New Roman" panose="02020603050405020304" pitchFamily="18" charset="0"/>
+              </a:rPr>
+              <a:t>telah</a:t>
+            </a:r>
+            <a:r>
+              <a:rPr lang="en-US" sz="1800" dirty="0">
+                <a:solidFill>
+                  <a:srgbClr val="000000"/>
+                </a:solidFill>
+                <a:effectLst/>
+                <a:latin typeface="Times New Roman" panose="02020603050405020304" pitchFamily="18" charset="0"/>
+                <a:ea typeface="Times New Roman" panose="02020603050405020304" pitchFamily="18" charset="0"/>
+                <a:cs typeface="Times New Roman" panose="02020603050405020304" pitchFamily="18" charset="0"/>
+              </a:rPr>
+              <a:t> </a:t>
+            </a:r>
+            <a:r>
+              <a:rPr lang="en-US" sz="1800" dirty="0" err="1">
+                <a:solidFill>
+                  <a:srgbClr val="000000"/>
+                </a:solidFill>
+                <a:effectLst/>
+                <a:latin typeface="Times New Roman" panose="02020603050405020304" pitchFamily="18" charset="0"/>
+                <a:ea typeface="Times New Roman" panose="02020603050405020304" pitchFamily="18" charset="0"/>
+                <a:cs typeface="Times New Roman" panose="02020603050405020304" pitchFamily="18" charset="0"/>
+              </a:rPr>
+              <a:t>mendaptkan</a:t>
+            </a:r>
+            <a:r>
+              <a:rPr lang="en-US" sz="1800" dirty="0">
+                <a:solidFill>
+                  <a:srgbClr val="000000"/>
+                </a:solidFill>
+                <a:effectLst/>
+                <a:latin typeface="Times New Roman" panose="02020603050405020304" pitchFamily="18" charset="0"/>
+                <a:ea typeface="Times New Roman" panose="02020603050405020304" pitchFamily="18" charset="0"/>
+                <a:cs typeface="Times New Roman" panose="02020603050405020304" pitchFamily="18" charset="0"/>
+              </a:rPr>
+              <a:t> </a:t>
+            </a:r>
+            <a:r>
+              <a:rPr lang="en-US" sz="1800" dirty="0" err="1">
+                <a:solidFill>
+                  <a:srgbClr val="000000"/>
+                </a:solidFill>
+                <a:effectLst/>
+                <a:latin typeface="Times New Roman" panose="02020603050405020304" pitchFamily="18" charset="0"/>
+                <a:ea typeface="Times New Roman" panose="02020603050405020304" pitchFamily="18" charset="0"/>
+                <a:cs typeface="Times New Roman" panose="02020603050405020304" pitchFamily="18" charset="0"/>
+              </a:rPr>
+              <a:t>izin</a:t>
+            </a:r>
+            <a:r>
+              <a:rPr lang="en-US" sz="1800" dirty="0">
+                <a:solidFill>
+                  <a:srgbClr val="000000"/>
+                </a:solidFill>
+                <a:effectLst/>
+                <a:latin typeface="Times New Roman" panose="02020603050405020304" pitchFamily="18" charset="0"/>
+                <a:ea typeface="Times New Roman" panose="02020603050405020304" pitchFamily="18" charset="0"/>
+                <a:cs typeface="Times New Roman" panose="02020603050405020304" pitchFamily="18" charset="0"/>
+              </a:rPr>
+              <a:t> </a:t>
+            </a:r>
+            <a:r>
+              <a:rPr lang="en-US" sz="1800" dirty="0" err="1">
+                <a:solidFill>
+                  <a:srgbClr val="000000"/>
+                </a:solidFill>
+                <a:effectLst/>
+                <a:latin typeface="Times New Roman" panose="02020603050405020304" pitchFamily="18" charset="0"/>
+                <a:ea typeface="Times New Roman" panose="02020603050405020304" pitchFamily="18" charset="0"/>
+                <a:cs typeface="Times New Roman" panose="02020603050405020304" pitchFamily="18" charset="0"/>
+              </a:rPr>
+              <a:t>dari</a:t>
+            </a:r>
+            <a:r>
+              <a:rPr lang="en-US" sz="1800" dirty="0">
+                <a:solidFill>
+                  <a:srgbClr val="000000"/>
+                </a:solidFill>
+                <a:effectLst/>
+                <a:latin typeface="Times New Roman" panose="02020603050405020304" pitchFamily="18" charset="0"/>
+                <a:ea typeface="Times New Roman" panose="02020603050405020304" pitchFamily="18" charset="0"/>
+                <a:cs typeface="Times New Roman" panose="02020603050405020304" pitchFamily="18" charset="0"/>
+              </a:rPr>
+              <a:t> </a:t>
+            </a:r>
+            <a:r>
+              <a:rPr lang="en-US" sz="1800" dirty="0" err="1">
+                <a:solidFill>
+                  <a:srgbClr val="000000"/>
+                </a:solidFill>
+                <a:effectLst/>
+                <a:latin typeface="Times New Roman" panose="02020603050405020304" pitchFamily="18" charset="0"/>
+                <a:ea typeface="Times New Roman" panose="02020603050405020304" pitchFamily="18" charset="0"/>
+                <a:cs typeface="Times New Roman" panose="02020603050405020304" pitchFamily="18" charset="0"/>
+              </a:rPr>
+              <a:t>sekretariat</a:t>
+            </a:r>
+            <a:r>
+              <a:rPr lang="en-US" sz="1800" dirty="0">
+                <a:solidFill>
+                  <a:srgbClr val="000000"/>
+                </a:solidFill>
+                <a:effectLst/>
+                <a:latin typeface="Times New Roman" panose="02020603050405020304" pitchFamily="18" charset="0"/>
+                <a:ea typeface="Times New Roman" panose="02020603050405020304" pitchFamily="18" charset="0"/>
+                <a:cs typeface="Times New Roman" panose="02020603050405020304" pitchFamily="18" charset="0"/>
+              </a:rPr>
+              <a:t> </a:t>
+            </a:r>
+            <a:r>
+              <a:rPr lang="en-US" sz="1800" dirty="0" err="1">
+                <a:solidFill>
+                  <a:srgbClr val="000000"/>
+                </a:solidFill>
+                <a:effectLst/>
+                <a:latin typeface="Times New Roman" panose="02020603050405020304" pitchFamily="18" charset="0"/>
+                <a:ea typeface="Times New Roman" panose="02020603050405020304" pitchFamily="18" charset="0"/>
+                <a:cs typeface="Times New Roman" panose="02020603050405020304" pitchFamily="18" charset="0"/>
+              </a:rPr>
+              <a:t>kantor</a:t>
+            </a:r>
+            <a:r>
+              <a:rPr lang="en-US" sz="1800" dirty="0">
+                <a:solidFill>
+                  <a:srgbClr val="000000"/>
+                </a:solidFill>
+                <a:effectLst/>
+                <a:latin typeface="Times New Roman" panose="02020603050405020304" pitchFamily="18" charset="0"/>
+                <a:ea typeface="Times New Roman" panose="02020603050405020304" pitchFamily="18" charset="0"/>
+                <a:cs typeface="Times New Roman" panose="02020603050405020304" pitchFamily="18" charset="0"/>
+              </a:rPr>
+              <a:t> </a:t>
+            </a:r>
+            <a:r>
+              <a:rPr lang="en-US" sz="1800" dirty="0" err="1">
+                <a:solidFill>
+                  <a:srgbClr val="000000"/>
+                </a:solidFill>
+                <a:effectLst/>
+                <a:latin typeface="Times New Roman" panose="02020603050405020304" pitchFamily="18" charset="0"/>
+                <a:ea typeface="Times New Roman" panose="02020603050405020304" pitchFamily="18" charset="0"/>
+                <a:cs typeface="Times New Roman" panose="02020603050405020304" pitchFamily="18" charset="0"/>
+              </a:rPr>
+              <a:t>untuk</a:t>
+            </a:r>
+            <a:r>
+              <a:rPr lang="en-US" sz="1800" dirty="0">
+                <a:solidFill>
+                  <a:srgbClr val="000000"/>
+                </a:solidFill>
+                <a:effectLst/>
+                <a:latin typeface="Times New Roman" panose="02020603050405020304" pitchFamily="18" charset="0"/>
+                <a:ea typeface="Times New Roman" panose="02020603050405020304" pitchFamily="18" charset="0"/>
+                <a:cs typeface="Times New Roman" panose="02020603050405020304" pitchFamily="18" charset="0"/>
+              </a:rPr>
+              <a:t> </a:t>
+            </a:r>
+            <a:r>
+              <a:rPr lang="en-US" sz="1800" dirty="0" err="1">
+                <a:solidFill>
+                  <a:srgbClr val="000000"/>
+                </a:solidFill>
+                <a:effectLst/>
+                <a:latin typeface="Times New Roman" panose="02020603050405020304" pitchFamily="18" charset="0"/>
+                <a:ea typeface="Times New Roman" panose="02020603050405020304" pitchFamily="18" charset="0"/>
+                <a:cs typeface="Times New Roman" panose="02020603050405020304" pitchFamily="18" charset="0"/>
+              </a:rPr>
+              <a:t>mencantumkanya</a:t>
+            </a:r>
+            <a:r>
+              <a:rPr lang="en-US" sz="1800" dirty="0">
+                <a:solidFill>
+                  <a:srgbClr val="000000"/>
+                </a:solidFill>
+                <a:effectLst/>
+                <a:latin typeface="Times New Roman" panose="02020603050405020304" pitchFamily="18" charset="0"/>
+                <a:ea typeface="Times New Roman" panose="02020603050405020304" pitchFamily="18" charset="0"/>
+                <a:cs typeface="Times New Roman" panose="02020603050405020304" pitchFamily="18" charset="0"/>
+              </a:rPr>
+              <a:t> </a:t>
+            </a:r>
+            <a:r>
+              <a:rPr lang="en-US" sz="1800" dirty="0" err="1">
+                <a:solidFill>
+                  <a:srgbClr val="000000"/>
+                </a:solidFill>
+                <a:effectLst/>
+                <a:latin typeface="Times New Roman" panose="02020603050405020304" pitchFamily="18" charset="0"/>
+                <a:ea typeface="Times New Roman" panose="02020603050405020304" pitchFamily="18" charset="0"/>
+                <a:cs typeface="Times New Roman" panose="02020603050405020304" pitchFamily="18" charset="0"/>
+              </a:rPr>
+              <a:t>didalam</a:t>
+            </a:r>
+            <a:r>
+              <a:rPr lang="en-US" sz="1800" dirty="0">
+                <a:solidFill>
+                  <a:srgbClr val="000000"/>
+                </a:solidFill>
+                <a:effectLst/>
+                <a:latin typeface="Times New Roman" panose="02020603050405020304" pitchFamily="18" charset="0"/>
+                <a:ea typeface="Times New Roman" panose="02020603050405020304" pitchFamily="18" charset="0"/>
+                <a:cs typeface="Times New Roman" panose="02020603050405020304" pitchFamily="18" charset="0"/>
+              </a:rPr>
+              <a:t> </a:t>
+            </a:r>
+            <a:r>
+              <a:rPr lang="en-US" sz="1800" dirty="0" err="1">
+                <a:solidFill>
+                  <a:srgbClr val="000000"/>
+                </a:solidFill>
+                <a:effectLst/>
+                <a:latin typeface="Times New Roman" panose="02020603050405020304" pitchFamily="18" charset="0"/>
+                <a:ea typeface="Times New Roman" panose="02020603050405020304" pitchFamily="18" charset="0"/>
+                <a:cs typeface="Times New Roman" panose="02020603050405020304" pitchFamily="18" charset="0"/>
+              </a:rPr>
+              <a:t>aplikasi</a:t>
+            </a:r>
+            <a:r>
+              <a:rPr lang="en-US" sz="1800" dirty="0">
+                <a:solidFill>
+                  <a:srgbClr val="000000"/>
+                </a:solidFill>
+                <a:effectLst/>
+                <a:latin typeface="Times New Roman" panose="02020603050405020304" pitchFamily="18" charset="0"/>
+                <a:ea typeface="Times New Roman" panose="02020603050405020304" pitchFamily="18" charset="0"/>
+                <a:cs typeface="Times New Roman" panose="02020603050405020304" pitchFamily="18" charset="0"/>
+              </a:rPr>
+              <a:t> kami)</a:t>
+            </a:r>
+          </a:p>
+          <a:p>
+            <a:pPr marL="571500" indent="-342900">
+              <a:lnSpc>
+                <a:spcPct val="150000"/>
+              </a:lnSpc>
+              <a:spcAft>
+                <a:spcPts val="800"/>
+              </a:spcAft>
+              <a:buAutoNum type="arabicPeriod"/>
+            </a:pPr>
+            <a:r>
+              <a:rPr lang="en-US" b="1" dirty="0">
+                <a:solidFill>
+                  <a:srgbClr val="000000"/>
+                </a:solidFill>
+                <a:latin typeface="Times New Roman" panose="02020603050405020304" pitchFamily="18" charset="0"/>
+                <a:ea typeface="Calibri" panose="020F0502020204030204" pitchFamily="34" charset="0"/>
+                <a:cs typeface="Times New Roman" panose="02020603050405020304" pitchFamily="18" charset="0"/>
+              </a:rPr>
+              <a:t>Icon email refresh</a:t>
+            </a:r>
+            <a:r>
+              <a:rPr lang="en-US" dirty="0">
+                <a:solidFill>
+                  <a:srgbClr val="000000"/>
+                </a:solidFill>
+                <a:latin typeface="Times New Roman" panose="02020603050405020304" pitchFamily="18" charset="0"/>
+                <a:ea typeface="Calibri" panose="020F0502020204030204" pitchFamily="34" charset="0"/>
+                <a:cs typeface="Times New Roman" panose="02020603050405020304" pitchFamily="18" charset="0"/>
+              </a:rPr>
+              <a:t> (</a:t>
+            </a:r>
+            <a:r>
+              <a:rPr lang="en-US" dirty="0">
+                <a:solidFill>
+                  <a:srgbClr val="000000"/>
+                </a:solidFill>
+                <a:latin typeface="Times New Roman" panose="02020603050405020304" pitchFamily="18" charset="0"/>
+                <a:ea typeface="Calibri" panose="020F0502020204030204" pitchFamily="34" charset="0"/>
+                <a:cs typeface="Times New Roman" panose="02020603050405020304" pitchFamily="18" charset="0"/>
+                <a:hlinkClick r:id="rId3"/>
+              </a:rPr>
+              <a:t>https://icons8.com/icon/124409/refresh-mail</a:t>
+            </a:r>
+            <a:r>
+              <a:rPr lang="en-US" dirty="0">
+                <a:solidFill>
+                  <a:srgbClr val="000000"/>
+                </a:solidFill>
+                <a:latin typeface="Times New Roman" panose="02020603050405020304" pitchFamily="18" charset="0"/>
+                <a:ea typeface="Calibri" panose="020F0502020204030204" pitchFamily="34" charset="0"/>
+                <a:cs typeface="Times New Roman" panose="02020603050405020304" pitchFamily="18" charset="0"/>
+              </a:rPr>
+              <a:t>)</a:t>
+            </a:r>
+            <a:endParaRPr lang="en-ID" sz="1800" dirty="0">
+              <a:effectLst/>
+              <a:latin typeface="Calibri" panose="020F0502020204030204" pitchFamily="34" charset="0"/>
+              <a:ea typeface="Calibri" panose="020F0502020204030204" pitchFamily="34" charset="0"/>
+              <a:cs typeface="Times New Roman" panose="02020603050405020304" pitchFamily="18" charset="0"/>
+            </a:endParaRPr>
+          </a:p>
+          <a:p>
+            <a:pPr marL="228600">
+              <a:lnSpc>
+                <a:spcPct val="150000"/>
+              </a:lnSpc>
+              <a:spcAft>
+                <a:spcPts val="800"/>
+              </a:spcAft>
+            </a:pPr>
+            <a:endParaRPr lang="en-ID" sz="1800" dirty="0">
+              <a:effectLst/>
+              <a:latin typeface="Calibri" panose="020F0502020204030204" pitchFamily="34" charset="0"/>
+              <a:ea typeface="Calibri" panose="020F0502020204030204" pitchFamily="34" charset="0"/>
+              <a:cs typeface="Times New Roman" panose="02020603050405020304" pitchFamily="18" charset="0"/>
+            </a:endParaRPr>
+          </a:p>
+        </p:txBody>
+      </p:sp>
+    </p:spTree>
+    <p:extLst>
+      <p:ext uri="{BB962C8B-B14F-4D97-AF65-F5344CB8AC3E}">
+        <p14:creationId xmlns:p14="http://schemas.microsoft.com/office/powerpoint/2010/main" val="2020297008"/>
+      </p:ext>
+    </p:extLst>
+  </p:cSld>
+  <p:clrMapOvr>
+    <a:masterClrMapping/>
+  </p:clrMapOvr>
+  <mc:AlternateContent xmlns:mc="http://schemas.openxmlformats.org/markup-compatibility/2006" xmlns:p159="http://schemas.microsoft.com/office/powerpoint/2015/09/main">
+    <mc:Choice Requires="p159">
+      <p:transition xmlns:p14="http://schemas.microsoft.com/office/powerpoint/2010/main" spd="slow" p14:dur="2000">
+        <p159:morph option="byObject"/>
+      </p:transition>
+    </mc:Choice>
+    <mc:Fallback xmlns="">
+      <p:transition spd="slow">
+        <p:fade/>
+      </p:transition>
+    </mc:Fallback>
+  </mc:AlternateContent>
+</p:sld>
+</file>
+
+<file path=ppt/slides/slide16.xml><?xml version="1.0" encoding="utf-8"?>
+<p:sld xmlns:a="http://schemas.openxmlformats.org/drawingml/2006/main" xmlns:r="http://schemas.openxmlformats.org/officeDocument/2006/relationships" xmlns:p="http://schemas.openxmlformats.org/presentationml/2006/main">
+  <p:cSld>
+    <p:spTree>
+      <p:nvGrpSpPr>
+        <p:cNvPr id="1" name=""/>
+        <p:cNvGrpSpPr/>
+        <p:nvPr/>
+      </p:nvGrpSpPr>
+      <p:grpSpPr>
+        <a:xfrm>
+          <a:off x="0" y="0"/>
+          <a:ext cx="0" cy="0"/>
+          <a:chOff x="0" y="0"/>
+          <a:chExt cx="0" cy="0"/>
+        </a:xfrm>
+      </p:grpSpPr>
+      <p:sp>
+        <p:nvSpPr>
+          <p:cNvPr id="4" name="Title 3">
+            <a:extLst>
+              <a:ext uri="{FF2B5EF4-FFF2-40B4-BE49-F238E27FC236}">
+                <a16:creationId xmlns:a16="http://schemas.microsoft.com/office/drawing/2014/main" id="{982B3CCF-7E23-4624-AE53-DAAD422DA000}"/>
+              </a:ext>
+            </a:extLst>
+          </p:cNvPr>
+          <p:cNvSpPr>
+            <a:spLocks noGrp="1"/>
+          </p:cNvSpPr>
+          <p:nvPr>
+            <p:ph type="ctrTitle"/>
+          </p:nvPr>
+        </p:nvSpPr>
+        <p:spPr>
+          <a:xfrm>
+            <a:off x="2426748" y="749139"/>
+            <a:ext cx="7713306" cy="911710"/>
+          </a:xfrm>
+        </p:spPr>
+        <p:txBody>
+          <a:bodyPr>
+            <a:normAutofit fontScale="90000"/>
+          </a:bodyPr>
+          <a:lstStyle/>
+          <a:p>
+            <a:r>
+              <a:rPr lang="en-US" dirty="0">
+                <a:solidFill>
+                  <a:srgbClr val="5CA0CA"/>
+                </a:solidFill>
+                <a:latin typeface="Arial Rounded MT Bold" panose="020F0704030504030204" pitchFamily="34" charset="0"/>
+              </a:rPr>
+              <a:t>Demo </a:t>
+            </a:r>
+            <a:r>
+              <a:rPr lang="en-US" dirty="0" err="1">
+                <a:solidFill>
+                  <a:srgbClr val="5CA0CA"/>
+                </a:solidFill>
+                <a:latin typeface="Arial Rounded MT Bold" panose="020F0704030504030204" pitchFamily="34" charset="0"/>
+              </a:rPr>
+              <a:t>aplikasi</a:t>
+            </a:r>
+            <a:endParaRPr lang="en-ID" dirty="0">
+              <a:solidFill>
+                <a:srgbClr val="5CA0CA"/>
+              </a:solidFill>
+              <a:latin typeface="Arial Rounded MT Bold" panose="020F0704030504030204" pitchFamily="34" charset="0"/>
+            </a:endParaRPr>
+          </a:p>
+        </p:txBody>
+      </p:sp>
+      <p:pic>
+        <p:nvPicPr>
+          <p:cNvPr id="9" name="Picture 8">
+            <a:extLst>
+              <a:ext uri="{FF2B5EF4-FFF2-40B4-BE49-F238E27FC236}">
+                <a16:creationId xmlns:a16="http://schemas.microsoft.com/office/drawing/2014/main" id="{B342A983-44E3-4133-9DFE-6F88EB774588}"/>
+              </a:ext>
+            </a:extLst>
+          </p:cNvPr>
+          <p:cNvPicPr>
+            <a:picLocks noChangeAspect="1"/>
+          </p:cNvPicPr>
+          <p:nvPr/>
+        </p:nvPicPr>
+        <p:blipFill>
+          <a:blip r:embed="rId2">
+            <a:extLst>
+              <a:ext uri="{28A0092B-C50C-407E-A947-70E740481C1C}">
+                <a14:useLocalDpi xmlns:a14="http://schemas.microsoft.com/office/drawing/2010/main" val="0"/>
+              </a:ext>
+            </a:extLst>
+          </a:blip>
+          <a:stretch>
+            <a:fillRect/>
+          </a:stretch>
+        </p:blipFill>
+        <p:spPr>
+          <a:xfrm>
+            <a:off x="3032449" y="3906837"/>
+            <a:ext cx="1791475" cy="3657600"/>
+          </a:xfrm>
+          <a:prstGeom prst="rect">
+            <a:avLst/>
+          </a:prstGeom>
+        </p:spPr>
+      </p:pic>
+      <p:pic>
+        <p:nvPicPr>
+          <p:cNvPr id="11" name="Picture 10">
+            <a:extLst>
+              <a:ext uri="{FF2B5EF4-FFF2-40B4-BE49-F238E27FC236}">
+                <a16:creationId xmlns:a16="http://schemas.microsoft.com/office/drawing/2014/main" id="{8EE896AB-5831-42C3-BBCA-4080347B20BF}"/>
+              </a:ext>
+            </a:extLst>
+          </p:cNvPr>
+          <p:cNvPicPr>
+            <a:picLocks noChangeAspect="1"/>
+          </p:cNvPicPr>
+          <p:nvPr/>
+        </p:nvPicPr>
+        <p:blipFill>
+          <a:blip r:embed="rId3">
+            <a:extLst>
+              <a:ext uri="{28A0092B-C50C-407E-A947-70E740481C1C}">
+                <a14:useLocalDpi xmlns:a14="http://schemas.microsoft.com/office/drawing/2010/main" val="0"/>
+              </a:ext>
+            </a:extLst>
+          </a:blip>
+          <a:stretch>
+            <a:fillRect/>
+          </a:stretch>
+        </p:blipFill>
+        <p:spPr>
+          <a:xfrm>
+            <a:off x="5403171" y="3115588"/>
+            <a:ext cx="1760460" cy="3657600"/>
+          </a:xfrm>
+          <a:prstGeom prst="rect">
+            <a:avLst/>
+          </a:prstGeom>
+        </p:spPr>
+      </p:pic>
+      <p:pic>
+        <p:nvPicPr>
+          <p:cNvPr id="13" name="Picture 12">
+            <a:extLst>
+              <a:ext uri="{FF2B5EF4-FFF2-40B4-BE49-F238E27FC236}">
+                <a16:creationId xmlns:a16="http://schemas.microsoft.com/office/drawing/2014/main" id="{2771837B-B199-4C78-BDED-562B893A319C}"/>
+              </a:ext>
+            </a:extLst>
+          </p:cNvPr>
+          <p:cNvPicPr>
+            <a:picLocks noChangeAspect="1"/>
+          </p:cNvPicPr>
+          <p:nvPr/>
+        </p:nvPicPr>
+        <p:blipFill>
+          <a:blip r:embed="rId4">
+            <a:extLst>
+              <a:ext uri="{28A0092B-C50C-407E-A947-70E740481C1C}">
+                <a14:useLocalDpi xmlns:a14="http://schemas.microsoft.com/office/drawing/2010/main" val="0"/>
+              </a:ext>
+            </a:extLst>
+          </a:blip>
+          <a:stretch>
+            <a:fillRect/>
+          </a:stretch>
+        </p:blipFill>
+        <p:spPr>
+          <a:xfrm>
+            <a:off x="7591124" y="3906837"/>
+            <a:ext cx="1791475" cy="3657600"/>
+          </a:xfrm>
+          <a:prstGeom prst="rect">
+            <a:avLst/>
+          </a:prstGeom>
+        </p:spPr>
+      </p:pic>
+      <p:pic>
+        <p:nvPicPr>
+          <p:cNvPr id="15" name="Picture 14">
+            <a:extLst>
+              <a:ext uri="{FF2B5EF4-FFF2-40B4-BE49-F238E27FC236}">
+                <a16:creationId xmlns:a16="http://schemas.microsoft.com/office/drawing/2014/main" id="{06963D39-D187-4A64-B1AF-DDCB7DE4B763}"/>
+              </a:ext>
+            </a:extLst>
+          </p:cNvPr>
+          <p:cNvPicPr>
+            <a:picLocks noChangeAspect="1"/>
+          </p:cNvPicPr>
+          <p:nvPr/>
+        </p:nvPicPr>
+        <p:blipFill>
+          <a:blip r:embed="rId5">
+            <a:extLst>
+              <a:ext uri="{28A0092B-C50C-407E-A947-70E740481C1C}">
+                <a14:useLocalDpi xmlns:a14="http://schemas.microsoft.com/office/drawing/2010/main" val="0"/>
+              </a:ext>
+            </a:extLst>
+          </a:blip>
+          <a:stretch>
+            <a:fillRect/>
+          </a:stretch>
+        </p:blipFill>
+        <p:spPr>
+          <a:xfrm>
+            <a:off x="9738797" y="3115588"/>
+            <a:ext cx="1822541" cy="3657600"/>
+          </a:xfrm>
+          <a:prstGeom prst="rect">
+            <a:avLst/>
+          </a:prstGeom>
+        </p:spPr>
+      </p:pic>
+      <p:pic>
+        <p:nvPicPr>
+          <p:cNvPr id="17" name="Picture 16">
+            <a:extLst>
+              <a:ext uri="{FF2B5EF4-FFF2-40B4-BE49-F238E27FC236}">
+                <a16:creationId xmlns:a16="http://schemas.microsoft.com/office/drawing/2014/main" id="{91B683AC-0775-4136-A6F7-560CC1181B3C}"/>
+              </a:ext>
+            </a:extLst>
+          </p:cNvPr>
+          <p:cNvPicPr>
+            <a:picLocks noChangeAspect="1"/>
+          </p:cNvPicPr>
+          <p:nvPr/>
+        </p:nvPicPr>
+        <p:blipFill>
+          <a:blip r:embed="rId6">
+            <a:extLst>
+              <a:ext uri="{28A0092B-C50C-407E-A947-70E740481C1C}">
+                <a14:useLocalDpi xmlns:a14="http://schemas.microsoft.com/office/drawing/2010/main" val="0"/>
+              </a:ext>
+            </a:extLst>
+          </a:blip>
+          <a:stretch>
+            <a:fillRect/>
+          </a:stretch>
+        </p:blipFill>
+        <p:spPr>
+          <a:xfrm>
+            <a:off x="864177" y="3115588"/>
+            <a:ext cx="1761378" cy="3657600"/>
+          </a:xfrm>
+          <a:prstGeom prst="rect">
+            <a:avLst/>
+          </a:prstGeom>
+        </p:spPr>
+      </p:pic>
+    </p:spTree>
+    <p:extLst>
+      <p:ext uri="{BB962C8B-B14F-4D97-AF65-F5344CB8AC3E}">
+        <p14:creationId xmlns:p14="http://schemas.microsoft.com/office/powerpoint/2010/main" val="1100252857"/>
+      </p:ext>
+    </p:extLst>
+  </p:cSld>
+  <p:clrMapOvr>
+    <a:masterClrMapping/>
+  </p:clrMapOvr>
+  <mc:AlternateContent xmlns:mc="http://schemas.openxmlformats.org/markup-compatibility/2006" xmlns:p159="http://schemas.microsoft.com/office/powerpoint/2015/09/main">
+    <mc:Choice Requires="p159">
+      <p:transition xmlns:p14="http://schemas.microsoft.com/office/powerpoint/2010/main" spd="slow" p14:dur="2000">
+        <p159:morph option="byObject"/>
+      </p:transition>
+    </mc:Choice>
+    <mc:Fallback xmlns="">
+      <p:transition spd="slow">
+        <p:fade/>
+      </p:transition>
+    </mc:Fallback>
+  </mc:AlternateContent>
+</p:sld>
+</file>
+
+<file path=ppt/slides/slide2.xml><?xml version="1.0" encoding="utf-8"?>
+<p:sld xmlns:a="http://schemas.openxmlformats.org/drawingml/2006/main" xmlns:r="http://schemas.openxmlformats.org/officeDocument/2006/relationships" xmlns:p="http://schemas.openxmlformats.org/presentationml/2006/main">
+  <p:cSld>
+    <p:spTree>
+      <p:nvGrpSpPr>
+        <p:cNvPr id="1" name=""/>
+        <p:cNvGrpSpPr/>
+        <p:nvPr/>
+      </p:nvGrpSpPr>
+      <p:grpSpPr>
+        <a:xfrm>
+          <a:off x="0" y="0"/>
+          <a:ext cx="0" cy="0"/>
+          <a:chOff x="0" y="0"/>
+          <a:chExt cx="0" cy="0"/>
+        </a:xfrm>
+      </p:grpSpPr>
+      <p:pic>
+        <p:nvPicPr>
+          <p:cNvPr id="3" name="Picture 2">
+            <a:extLst>
+              <a:ext uri="{FF2B5EF4-FFF2-40B4-BE49-F238E27FC236}">
+                <a16:creationId xmlns:a16="http://schemas.microsoft.com/office/drawing/2014/main" id="{86AEE542-B8F8-4488-B683-B6C0D56F50C8}"/>
+              </a:ext>
+            </a:extLst>
+          </p:cNvPr>
+          <p:cNvPicPr>
+            <a:picLocks noChangeAspect="1"/>
+          </p:cNvPicPr>
+          <p:nvPr/>
+        </p:nvPicPr>
+        <p:blipFill>
+          <a:blip r:embed="rId2">
+            <a:extLst>
+              <a:ext uri="{28A0092B-C50C-407E-A947-70E740481C1C}">
+                <a14:useLocalDpi xmlns:a14="http://schemas.microsoft.com/office/drawing/2010/main" val="0"/>
+              </a:ext>
+            </a:extLst>
+          </a:blip>
+          <a:stretch>
+            <a:fillRect/>
+          </a:stretch>
+        </p:blipFill>
+        <p:spPr>
+          <a:xfrm>
+            <a:off x="9875219" y="5480388"/>
+            <a:ext cx="1710921" cy="911710"/>
+          </a:xfrm>
+          <a:prstGeom prst="rect">
+            <a:avLst/>
+          </a:prstGeom>
+        </p:spPr>
+      </p:pic>
+      <p:pic>
+        <p:nvPicPr>
+          <p:cNvPr id="6" name="Picture 5">
+            <a:extLst>
+              <a:ext uri="{FF2B5EF4-FFF2-40B4-BE49-F238E27FC236}">
+                <a16:creationId xmlns:a16="http://schemas.microsoft.com/office/drawing/2014/main" id="{4D7AE8FB-09C1-478A-90F5-6799D028810C}"/>
+              </a:ext>
+            </a:extLst>
+          </p:cNvPr>
+          <p:cNvPicPr>
+            <a:picLocks noChangeAspect="1"/>
+          </p:cNvPicPr>
+          <p:nvPr/>
+        </p:nvPicPr>
+        <p:blipFill>
+          <a:blip r:embed="rId3">
+            <a:extLst>
+              <a:ext uri="{28A0092B-C50C-407E-A947-70E740481C1C}">
+                <a14:useLocalDpi xmlns:a14="http://schemas.microsoft.com/office/drawing/2010/main" val="0"/>
+              </a:ext>
+              <a:ext uri="{837473B0-CC2E-450A-ABE3-18F120FF3D39}">
+                <a1611:picAttrSrcUrl xmlns:a1611="http://schemas.microsoft.com/office/drawing/2016/11/main" r:id="rId4"/>
+              </a:ext>
+            </a:extLst>
+          </a:blip>
+          <a:stretch>
+            <a:fillRect/>
+          </a:stretch>
+        </p:blipFill>
+        <p:spPr>
+          <a:xfrm>
+            <a:off x="8434835" y="5480388"/>
+            <a:ext cx="1284913" cy="911710"/>
+          </a:xfrm>
+          <a:prstGeom prst="rect">
+            <a:avLst/>
+          </a:prstGeom>
+        </p:spPr>
+      </p:pic>
+      <p:pic>
+        <p:nvPicPr>
+          <p:cNvPr id="5" name="Picture 4">
+            <a:extLst>
+              <a:ext uri="{FF2B5EF4-FFF2-40B4-BE49-F238E27FC236}">
+                <a16:creationId xmlns:a16="http://schemas.microsoft.com/office/drawing/2014/main" id="{A11CFA7D-2071-4BE7-9AF2-4CD84AF4D660}"/>
+              </a:ext>
+            </a:extLst>
+          </p:cNvPr>
+          <p:cNvPicPr>
+            <a:picLocks noChangeAspect="1"/>
+          </p:cNvPicPr>
+          <p:nvPr/>
+        </p:nvPicPr>
+        <p:blipFill>
+          <a:blip r:embed="rId5">
+            <a:extLst>
+              <a:ext uri="{28A0092B-C50C-407E-A947-70E740481C1C}">
+                <a14:useLocalDpi xmlns:a14="http://schemas.microsoft.com/office/drawing/2010/main" val="0"/>
+              </a:ext>
+              <a:ext uri="{837473B0-CC2E-450A-ABE3-18F120FF3D39}">
+                <a1611:picAttrSrcUrl xmlns:a1611="http://schemas.microsoft.com/office/drawing/2016/11/main" r:id="rId6"/>
+              </a:ext>
+            </a:extLst>
+          </a:blip>
+          <a:stretch>
+            <a:fillRect/>
+          </a:stretch>
+        </p:blipFill>
+        <p:spPr>
+          <a:xfrm>
+            <a:off x="4724400" y="2057400"/>
+            <a:ext cx="2743200" cy="2743200"/>
+          </a:xfrm>
+          <a:prstGeom prst="rect">
+            <a:avLst/>
+          </a:prstGeom>
+        </p:spPr>
+      </p:pic>
+      <p:cxnSp>
+        <p:nvCxnSpPr>
+          <p:cNvPr id="8" name="Straight Arrow Connector 7">
+            <a:extLst>
+              <a:ext uri="{FF2B5EF4-FFF2-40B4-BE49-F238E27FC236}">
+                <a16:creationId xmlns:a16="http://schemas.microsoft.com/office/drawing/2014/main" id="{9E4DEC23-4829-44CF-9C89-99BE56924AEE}"/>
+              </a:ext>
+            </a:extLst>
+          </p:cNvPr>
+          <p:cNvCxnSpPr>
+            <a:stCxn id="5" idx="1"/>
+          </p:cNvCxnSpPr>
+          <p:nvPr/>
+        </p:nvCxnSpPr>
+        <p:spPr>
+          <a:xfrm flipH="1">
+            <a:off x="3508310" y="3429000"/>
+            <a:ext cx="1216090" cy="0"/>
+          </a:xfrm>
+          <a:prstGeom prst="straightConnector1">
+            <a:avLst/>
+          </a:prstGeom>
+          <a:ln>
+            <a:tailEnd type="triangle"/>
+          </a:ln>
+        </p:spPr>
+        <p:style>
+          <a:lnRef idx="3">
+            <a:schemeClr val="dk1"/>
+          </a:lnRef>
+          <a:fillRef idx="0">
+            <a:schemeClr val="dk1"/>
+          </a:fillRef>
+          <a:effectRef idx="2">
+            <a:schemeClr val="dk1"/>
+          </a:effectRef>
+          <a:fontRef idx="minor">
+            <a:schemeClr val="tx1"/>
+          </a:fontRef>
+        </p:style>
+      </p:cxnSp>
+      <p:sp>
+        <p:nvSpPr>
+          <p:cNvPr id="9" name="Title 3">
+            <a:extLst>
+              <a:ext uri="{FF2B5EF4-FFF2-40B4-BE49-F238E27FC236}">
+                <a16:creationId xmlns:a16="http://schemas.microsoft.com/office/drawing/2014/main" id="{11A48F07-3DD6-42C7-BD79-B68BB58DD2F5}"/>
+              </a:ext>
+            </a:extLst>
+          </p:cNvPr>
+          <p:cNvSpPr txBox="1">
+            <a:spLocks/>
+          </p:cNvSpPr>
+          <p:nvPr/>
+        </p:nvSpPr>
+        <p:spPr>
+          <a:xfrm>
+            <a:off x="1576873" y="2937144"/>
+            <a:ext cx="1931437" cy="983711"/>
+          </a:xfrm>
+          <a:prstGeom prst="rect">
+            <a:avLst/>
+          </a:prstGeom>
+          <a:ln>
+            <a:noFill/>
+          </a:ln>
+        </p:spPr>
+        <p:txBody>
+          <a:bodyPr>
+            <a:normAutofit/>
+          </a:bodyPr>
+          <a:lstStyle>
+            <a:lvl1pPr algn="l" defTabSz="914400" rtl="0" eaLnBrk="1" latinLnBrk="0" hangingPunct="1">
+              <a:lnSpc>
+                <a:spcPct val="90000"/>
+              </a:lnSpc>
+              <a:spcBef>
+                <a:spcPct val="0"/>
+              </a:spcBef>
+              <a:buNone/>
+              <a:defRPr sz="4400" kern="1200">
+                <a:solidFill>
+                  <a:schemeClr val="tx1"/>
+                </a:solidFill>
+                <a:latin typeface="+mj-lt"/>
+                <a:ea typeface="+mj-ea"/>
+                <a:cs typeface="+mj-cs"/>
+              </a:defRPr>
+            </a:lvl1pPr>
+          </a:lstStyle>
+          <a:p>
+            <a:pPr algn="just"/>
+            <a:r>
+              <a:rPr lang="en-US" sz="2000" dirty="0">
+                <a:latin typeface="Arial Rounded MT Bold" panose="020F0704030504030204" pitchFamily="34" charset="0"/>
+              </a:rPr>
+              <a:t>Android Developer Learning Path</a:t>
+            </a:r>
+            <a:endParaRPr lang="en-ID" sz="2000" dirty="0">
+              <a:latin typeface="Arial Rounded MT Bold" panose="020F0704030504030204" pitchFamily="34" charset="0"/>
+            </a:endParaRPr>
+          </a:p>
+        </p:txBody>
+      </p:sp>
+      <p:cxnSp>
+        <p:nvCxnSpPr>
+          <p:cNvPr id="11" name="Straight Arrow Connector 10">
+            <a:extLst>
+              <a:ext uri="{FF2B5EF4-FFF2-40B4-BE49-F238E27FC236}">
+                <a16:creationId xmlns:a16="http://schemas.microsoft.com/office/drawing/2014/main" id="{B341DECA-BEF7-4F92-B11D-7CC94213B07D}"/>
+              </a:ext>
+            </a:extLst>
+          </p:cNvPr>
+          <p:cNvCxnSpPr>
+            <a:stCxn id="5" idx="3"/>
+          </p:cNvCxnSpPr>
+          <p:nvPr/>
+        </p:nvCxnSpPr>
+        <p:spPr>
+          <a:xfrm flipV="1">
+            <a:off x="7467600" y="3428999"/>
+            <a:ext cx="1433804" cy="1"/>
+          </a:xfrm>
+          <a:prstGeom prst="straightConnector1">
+            <a:avLst/>
+          </a:prstGeom>
+          <a:ln>
+            <a:tailEnd type="triangle"/>
+          </a:ln>
+        </p:spPr>
+        <p:style>
+          <a:lnRef idx="3">
+            <a:schemeClr val="dk1"/>
+          </a:lnRef>
+          <a:fillRef idx="0">
+            <a:schemeClr val="dk1"/>
+          </a:fillRef>
+          <a:effectRef idx="2">
+            <a:schemeClr val="dk1"/>
+          </a:effectRef>
+          <a:fontRef idx="minor">
+            <a:schemeClr val="tx1"/>
+          </a:fontRef>
+        </p:style>
+      </p:cxnSp>
+      <p:sp>
+        <p:nvSpPr>
+          <p:cNvPr id="12" name="Title 3">
+            <a:extLst>
+              <a:ext uri="{FF2B5EF4-FFF2-40B4-BE49-F238E27FC236}">
+                <a16:creationId xmlns:a16="http://schemas.microsoft.com/office/drawing/2014/main" id="{BE27F1C6-EDD1-4C36-896C-2FE2D0A6F0FA}"/>
+              </a:ext>
+            </a:extLst>
+          </p:cNvPr>
+          <p:cNvSpPr txBox="1">
+            <a:spLocks/>
+          </p:cNvSpPr>
+          <p:nvPr/>
+        </p:nvSpPr>
+        <p:spPr>
+          <a:xfrm>
+            <a:off x="8901404" y="3170408"/>
+            <a:ext cx="1931437" cy="983711"/>
+          </a:xfrm>
+          <a:prstGeom prst="rect">
+            <a:avLst/>
+          </a:prstGeom>
+          <a:ln>
+            <a:noFill/>
+          </a:ln>
+        </p:spPr>
+        <p:txBody>
+          <a:bodyPr>
+            <a:normAutofit/>
+          </a:bodyPr>
+          <a:lstStyle>
+            <a:lvl1pPr algn="l" defTabSz="914400" rtl="0" eaLnBrk="1" latinLnBrk="0" hangingPunct="1">
+              <a:lnSpc>
+                <a:spcPct val="90000"/>
+              </a:lnSpc>
+              <a:spcBef>
+                <a:spcPct val="0"/>
+              </a:spcBef>
+              <a:buNone/>
+              <a:defRPr sz="4400" kern="1200">
+                <a:solidFill>
+                  <a:schemeClr val="tx1"/>
+                </a:solidFill>
+                <a:latin typeface="+mj-lt"/>
+                <a:ea typeface="+mj-ea"/>
+                <a:cs typeface="+mj-cs"/>
+              </a:defRPr>
+            </a:lvl1pPr>
+          </a:lstStyle>
+          <a:p>
+            <a:pPr algn="r"/>
+            <a:r>
+              <a:rPr lang="en-US" sz="2000" dirty="0">
+                <a:latin typeface="Arial Rounded MT Bold" panose="020F0704030504030204" pitchFamily="34" charset="0"/>
+              </a:rPr>
+              <a:t>20 </a:t>
+            </a:r>
+            <a:r>
+              <a:rPr lang="en-US" sz="2000" dirty="0" err="1">
+                <a:latin typeface="Arial Rounded MT Bold" panose="020F0704030504030204" pitchFamily="34" charset="0"/>
+              </a:rPr>
+              <a:t>Minggu</a:t>
+            </a:r>
+            <a:r>
+              <a:rPr lang="en-US" sz="2000" dirty="0">
+                <a:latin typeface="Arial Rounded MT Bold" panose="020F0704030504030204" pitchFamily="34" charset="0"/>
+              </a:rPr>
+              <a:t> Waktu </a:t>
+            </a:r>
+            <a:r>
+              <a:rPr lang="en-US" sz="2000" dirty="0" err="1">
+                <a:latin typeface="Arial Rounded MT Bold" panose="020F0704030504030204" pitchFamily="34" charset="0"/>
+              </a:rPr>
+              <a:t>Belajar</a:t>
+            </a:r>
+            <a:endParaRPr lang="en-ID" sz="2000" dirty="0">
+              <a:latin typeface="Arial Rounded MT Bold" panose="020F0704030504030204" pitchFamily="34" charset="0"/>
+            </a:endParaRPr>
+          </a:p>
+        </p:txBody>
+      </p:sp>
+    </p:spTree>
+    <p:extLst>
+      <p:ext uri="{BB962C8B-B14F-4D97-AF65-F5344CB8AC3E}">
+        <p14:creationId xmlns:p14="http://schemas.microsoft.com/office/powerpoint/2010/main" val="1825173581"/>
+      </p:ext>
+    </p:extLst>
+  </p:cSld>
+  <p:clrMapOvr>
+    <a:masterClrMapping/>
+  </p:clrMapOvr>
+  <mc:AlternateContent xmlns:mc="http://schemas.openxmlformats.org/markup-compatibility/2006" xmlns:p159="http://schemas.microsoft.com/office/powerpoint/2015/09/main">
+    <mc:Choice Requires="p159">
+      <p:transition xmlns:p14="http://schemas.microsoft.com/office/powerpoint/2010/main" spd="slow" p14:dur="2000">
+        <p159:morph option="byObject"/>
+      </p:transition>
+    </mc:Choice>
+    <mc:Fallback xmlns="">
+      <p:transition spd="slow">
+        <p:fade/>
+      </p:transition>
+    </mc:Fallback>
+  </mc:AlternateContent>
+  <p:timing>
+    <p:tnLst>
+      <p:par>
+        <p:cTn id="1" dur="indefinite" restart="never" nodeType="tmRoot">
+          <p:childTnLst>
+            <p:seq concurrent="1" nextAc="seek">
+              <p:cTn id="2" dur="indefinite" nodeType="mainSeq">
+                <p:childTnLst>
+                  <p:par>
+                    <p:cTn id="3" fill="hold">
+                      <p:stCondLst>
+                        <p:cond delay="indefinite"/>
+                      </p:stCondLst>
+                      <p:childTnLst>
+                        <p:par>
+                          <p:cTn id="4" fill="hold">
+                            <p:stCondLst>
+                              <p:cond delay="0"/>
+                            </p:stCondLst>
+                            <p:childTnLst>
+                              <p:par>
+                                <p:cTn id="5" presetID="10" presetClass="entr" presetSubtype="0" fill="hold" grpId="0" nodeType="clickEffect">
+                                  <p:stCondLst>
+                                    <p:cond delay="0"/>
+                                  </p:stCondLst>
+                                  <p:childTnLst>
+                                    <p:set>
+                                      <p:cBhvr>
+                                        <p:cTn id="6" dur="1" fill="hold">
+                                          <p:stCondLst>
+                                            <p:cond delay="0"/>
+                                          </p:stCondLst>
+                                        </p:cTn>
+                                        <p:tgtEl>
+                                          <p:spTgt spid="9"/>
+                                        </p:tgtEl>
+                                        <p:attrNameLst>
+                                          <p:attrName>style.visibility</p:attrName>
+                                        </p:attrNameLst>
+                                      </p:cBhvr>
+                                      <p:to>
+                                        <p:strVal val="visible"/>
+                                      </p:to>
+                                    </p:set>
+                                    <p:animEffect transition="in" filter="fade">
+                                      <p:cBhvr>
+                                        <p:cTn id="7" dur="500"/>
+                                        <p:tgtEl>
+                                          <p:spTgt spid="9"/>
+                                        </p:tgtEl>
+                                      </p:cBhvr>
+                                    </p:animEffect>
+                                  </p:childTnLst>
+                                </p:cTn>
+                              </p:par>
+                              <p:par>
+                                <p:cTn id="8" presetID="10" presetClass="entr" presetSubtype="0" fill="hold" nodeType="withEffect">
+                                  <p:stCondLst>
+                                    <p:cond delay="0"/>
+                                  </p:stCondLst>
+                                  <p:childTnLst>
+                                    <p:set>
+                                      <p:cBhvr>
+                                        <p:cTn id="9" dur="1" fill="hold">
+                                          <p:stCondLst>
+                                            <p:cond delay="0"/>
+                                          </p:stCondLst>
+                                        </p:cTn>
+                                        <p:tgtEl>
+                                          <p:spTgt spid="8"/>
+                                        </p:tgtEl>
+                                        <p:attrNameLst>
+                                          <p:attrName>style.visibility</p:attrName>
+                                        </p:attrNameLst>
+                                      </p:cBhvr>
+                                      <p:to>
+                                        <p:strVal val="visible"/>
+                                      </p:to>
+                                    </p:set>
+                                    <p:animEffect transition="in" filter="fade">
+                                      <p:cBhvr>
+                                        <p:cTn id="10" dur="500"/>
+                                        <p:tgtEl>
+                                          <p:spTgt spid="8"/>
+                                        </p:tgtEl>
+                                      </p:cBhvr>
+                                    </p:animEffect>
+                                  </p:childTnLst>
+                                </p:cTn>
+                              </p:par>
+                            </p:childTnLst>
+                          </p:cTn>
+                        </p:par>
+                      </p:childTnLst>
+                    </p:cTn>
+                  </p:par>
+                  <p:par>
+                    <p:cTn id="11" fill="hold">
+                      <p:stCondLst>
+                        <p:cond delay="indefinite"/>
+                      </p:stCondLst>
+                      <p:childTnLst>
+                        <p:par>
+                          <p:cTn id="12" fill="hold">
+                            <p:stCondLst>
+                              <p:cond delay="0"/>
+                            </p:stCondLst>
+                            <p:childTnLst>
+                              <p:par>
+                                <p:cTn id="13" presetID="10" presetClass="entr" presetSubtype="0" fill="hold" nodeType="clickEffect">
+                                  <p:stCondLst>
+                                    <p:cond delay="0"/>
+                                  </p:stCondLst>
+                                  <p:childTnLst>
+                                    <p:set>
+                                      <p:cBhvr>
+                                        <p:cTn id="14" dur="1" fill="hold">
+                                          <p:stCondLst>
+                                            <p:cond delay="0"/>
+                                          </p:stCondLst>
+                                        </p:cTn>
+                                        <p:tgtEl>
+                                          <p:spTgt spid="11"/>
+                                        </p:tgtEl>
+                                        <p:attrNameLst>
+                                          <p:attrName>style.visibility</p:attrName>
+                                        </p:attrNameLst>
+                                      </p:cBhvr>
+                                      <p:to>
+                                        <p:strVal val="visible"/>
+                                      </p:to>
+                                    </p:set>
+                                    <p:animEffect transition="in" filter="fade">
+                                      <p:cBhvr>
+                                        <p:cTn id="15" dur="500"/>
+                                        <p:tgtEl>
+                                          <p:spTgt spid="11"/>
+                                        </p:tgtEl>
+                                      </p:cBhvr>
+                                    </p:animEffect>
+                                  </p:childTnLst>
+                                </p:cTn>
+                              </p:par>
+                              <p:par>
+                                <p:cTn id="16" presetID="10" presetClass="entr" presetSubtype="0" fill="hold" grpId="0" nodeType="withEffect">
+                                  <p:stCondLst>
+                                    <p:cond delay="0"/>
+                                  </p:stCondLst>
+                                  <p:childTnLst>
+                                    <p:set>
+                                      <p:cBhvr>
+                                        <p:cTn id="17" dur="1" fill="hold">
+                                          <p:stCondLst>
+                                            <p:cond delay="0"/>
+                                          </p:stCondLst>
+                                        </p:cTn>
+                                        <p:tgtEl>
+                                          <p:spTgt spid="12"/>
+                                        </p:tgtEl>
+                                        <p:attrNameLst>
+                                          <p:attrName>style.visibility</p:attrName>
+                                        </p:attrNameLst>
+                                      </p:cBhvr>
+                                      <p:to>
+                                        <p:strVal val="visible"/>
+                                      </p:to>
+                                    </p:set>
+                                    <p:animEffect transition="in" filter="fade">
+                                      <p:cBhvr>
+                                        <p:cTn id="18" dur="500"/>
+                                        <p:tgtEl>
+                                          <p:spTgt spid="12"/>
+                                        </p:tgtEl>
+                                      </p:cBhvr>
+                                    </p:animEffect>
+                                  </p:childTnLst>
+                                </p:cTn>
+                              </p:par>
+                            </p:childTnLst>
+                          </p:cTn>
+                        </p:par>
+                      </p:childTnLst>
+                    </p:cTn>
+                  </p:par>
+                </p:childTnLst>
+              </p:cTn>
+              <p:prevCondLst>
+                <p:cond evt="onPrev" delay="0">
+                  <p:tgtEl>
+                    <p:sldTgt/>
+                  </p:tgtEl>
+                </p:cond>
+              </p:prevCondLst>
+              <p:nextCondLst>
+                <p:cond evt="onNext" delay="0">
+                  <p:tgtEl>
+                    <p:sldTgt/>
+                  </p:tgtEl>
+                </p:cond>
+              </p:nextCondLst>
+            </p:seq>
+          </p:childTnLst>
+        </p:cTn>
+      </p:par>
+    </p:tnLst>
+    <p:bldLst>
+      <p:bldP spid="9" grpId="0"/>
+      <p:bldP spid="12" grpId="0"/>
+    </p:bldLst>
+  </p:timing>
+</p:sld>
+</file>
+
+<file path=ppt/slides/slide3.xml><?xml version="1.0" encoding="utf-8"?>
+<p:sld xmlns:a="http://schemas.openxmlformats.org/drawingml/2006/main" xmlns:r="http://schemas.openxmlformats.org/officeDocument/2006/relationships" xmlns:p="http://schemas.openxmlformats.org/presentationml/2006/main">
+  <p:cSld>
+    <p:spTree>
+      <p:nvGrpSpPr>
+        <p:cNvPr id="1" name=""/>
+        <p:cNvGrpSpPr/>
+        <p:nvPr/>
+      </p:nvGrpSpPr>
+      <p:grpSpPr>
+        <a:xfrm>
+          <a:off x="0" y="0"/>
+          <a:ext cx="0" cy="0"/>
+          <a:chOff x="0" y="0"/>
+          <a:chExt cx="0" cy="0"/>
+        </a:xfrm>
+      </p:grpSpPr>
+      <p:pic>
+        <p:nvPicPr>
+          <p:cNvPr id="3" name="Picture 2">
+            <a:extLst>
+              <a:ext uri="{FF2B5EF4-FFF2-40B4-BE49-F238E27FC236}">
+                <a16:creationId xmlns:a16="http://schemas.microsoft.com/office/drawing/2014/main" id="{86AEE542-B8F8-4488-B683-B6C0D56F50C8}"/>
+              </a:ext>
+            </a:extLst>
+          </p:cNvPr>
+          <p:cNvPicPr>
+            <a:picLocks noChangeAspect="1"/>
+          </p:cNvPicPr>
+          <p:nvPr/>
+        </p:nvPicPr>
+        <p:blipFill>
+          <a:blip r:embed="rId2">
+            <a:extLst>
+              <a:ext uri="{28A0092B-C50C-407E-A947-70E740481C1C}">
+                <a14:useLocalDpi xmlns:a14="http://schemas.microsoft.com/office/drawing/2010/main" val="0"/>
+              </a:ext>
+            </a:extLst>
+          </a:blip>
+          <a:stretch>
+            <a:fillRect/>
+          </a:stretch>
+        </p:blipFill>
+        <p:spPr>
+          <a:xfrm>
+            <a:off x="9875219" y="5480388"/>
+            <a:ext cx="1710921" cy="911710"/>
+          </a:xfrm>
+          <a:prstGeom prst="rect">
+            <a:avLst/>
+          </a:prstGeom>
+        </p:spPr>
+      </p:pic>
+      <p:pic>
+        <p:nvPicPr>
+          <p:cNvPr id="6" name="Picture 5">
+            <a:extLst>
+              <a:ext uri="{FF2B5EF4-FFF2-40B4-BE49-F238E27FC236}">
+                <a16:creationId xmlns:a16="http://schemas.microsoft.com/office/drawing/2014/main" id="{4D7AE8FB-09C1-478A-90F5-6799D028810C}"/>
+              </a:ext>
+            </a:extLst>
+          </p:cNvPr>
+          <p:cNvPicPr>
+            <a:picLocks noChangeAspect="1"/>
+          </p:cNvPicPr>
+          <p:nvPr/>
+        </p:nvPicPr>
+        <p:blipFill>
+          <a:blip r:embed="rId3">
+            <a:extLst>
+              <a:ext uri="{28A0092B-C50C-407E-A947-70E740481C1C}">
+                <a14:useLocalDpi xmlns:a14="http://schemas.microsoft.com/office/drawing/2010/main" val="0"/>
+              </a:ext>
+              <a:ext uri="{837473B0-CC2E-450A-ABE3-18F120FF3D39}">
+                <a1611:picAttrSrcUrl xmlns:a1611="http://schemas.microsoft.com/office/drawing/2016/11/main" r:id="rId4"/>
+              </a:ext>
+            </a:extLst>
+          </a:blip>
+          <a:stretch>
+            <a:fillRect/>
+          </a:stretch>
+        </p:blipFill>
+        <p:spPr>
+          <a:xfrm>
+            <a:off x="8434835" y="5480388"/>
+            <a:ext cx="1284913" cy="911710"/>
+          </a:xfrm>
+          <a:prstGeom prst="rect">
+            <a:avLst/>
+          </a:prstGeom>
+        </p:spPr>
+      </p:pic>
+      <p:pic>
+        <p:nvPicPr>
+          <p:cNvPr id="5" name="Picture 4">
+            <a:extLst>
+              <a:ext uri="{FF2B5EF4-FFF2-40B4-BE49-F238E27FC236}">
+                <a16:creationId xmlns:a16="http://schemas.microsoft.com/office/drawing/2014/main" id="{A11CFA7D-2071-4BE7-9AF2-4CD84AF4D660}"/>
+              </a:ext>
+            </a:extLst>
+          </p:cNvPr>
+          <p:cNvPicPr>
+            <a:picLocks noChangeAspect="1"/>
+          </p:cNvPicPr>
+          <p:nvPr/>
+        </p:nvPicPr>
+        <p:blipFill>
+          <a:blip r:embed="rId5">
+            <a:extLst>
+              <a:ext uri="{28A0092B-C50C-407E-A947-70E740481C1C}">
+                <a14:useLocalDpi xmlns:a14="http://schemas.microsoft.com/office/drawing/2010/main" val="0"/>
+              </a:ext>
+              <a:ext uri="{837473B0-CC2E-450A-ABE3-18F120FF3D39}">
+                <a1611:picAttrSrcUrl xmlns:a1611="http://schemas.microsoft.com/office/drawing/2016/11/main" r:id="rId6"/>
+              </a:ext>
+            </a:extLst>
+          </a:blip>
+          <a:stretch>
+            <a:fillRect/>
+          </a:stretch>
+        </p:blipFill>
+        <p:spPr>
+          <a:xfrm>
+            <a:off x="609600" y="-415212"/>
+            <a:ext cx="2743200" cy="2743200"/>
+          </a:xfrm>
+          <a:prstGeom prst="rect">
+            <a:avLst/>
+          </a:prstGeom>
+        </p:spPr>
+      </p:pic>
+      <p:sp>
+        <p:nvSpPr>
+          <p:cNvPr id="10" name="Title 3">
+            <a:extLst>
+              <a:ext uri="{FF2B5EF4-FFF2-40B4-BE49-F238E27FC236}">
+                <a16:creationId xmlns:a16="http://schemas.microsoft.com/office/drawing/2014/main" id="{BC0EDF4F-A142-47A1-AED4-E2B10DB5B6BD}"/>
+              </a:ext>
+            </a:extLst>
+          </p:cNvPr>
+          <p:cNvSpPr txBox="1">
+            <a:spLocks/>
+          </p:cNvSpPr>
+          <p:nvPr/>
+        </p:nvSpPr>
+        <p:spPr>
+          <a:xfrm>
+            <a:off x="609600" y="1537553"/>
+            <a:ext cx="10972800" cy="2353312"/>
+          </a:xfrm>
+          <a:prstGeom prst="rect">
+            <a:avLst/>
+          </a:prstGeom>
+          <a:ln>
+            <a:noFill/>
+          </a:ln>
+        </p:spPr>
+        <p:txBody>
+          <a:bodyPr>
+            <a:normAutofit/>
+          </a:bodyPr>
+          <a:lstStyle>
+            <a:lvl1pPr algn="l" defTabSz="914400" rtl="0" eaLnBrk="1" latinLnBrk="0" hangingPunct="1">
+              <a:lnSpc>
+                <a:spcPct val="90000"/>
+              </a:lnSpc>
+              <a:spcBef>
+                <a:spcPct val="0"/>
+              </a:spcBef>
+              <a:buNone/>
+              <a:defRPr sz="4400" kern="1200">
+                <a:solidFill>
+                  <a:schemeClr val="tx1"/>
+                </a:solidFill>
+                <a:latin typeface="+mj-lt"/>
+                <a:ea typeface="+mj-ea"/>
+                <a:cs typeface="+mj-cs"/>
+              </a:defRPr>
+            </a:lvl1pPr>
+          </a:lstStyle>
+          <a:p>
+            <a:pPr marL="342900" indent="-342900" algn="just">
+              <a:lnSpc>
+                <a:spcPct val="120000"/>
+              </a:lnSpc>
+              <a:buFont typeface="Arial" panose="020B0604020202020204" pitchFamily="34" charset="0"/>
+              <a:buChar char="•"/>
+            </a:pPr>
+            <a:r>
+              <a:rPr lang="en-US" sz="2000" dirty="0" err="1">
+                <a:latin typeface="Arial" panose="020B0604020202020204" pitchFamily="34" charset="0"/>
+                <a:cs typeface="Arial" panose="020B0604020202020204" pitchFamily="34" charset="0"/>
+              </a:rPr>
+              <a:t>Menghasilkan</a:t>
+            </a:r>
+            <a:r>
+              <a:rPr lang="en-US" sz="2000" dirty="0">
+                <a:latin typeface="Arial" panose="020B0604020202020204" pitchFamily="34" charset="0"/>
+                <a:cs typeface="Arial" panose="020B0604020202020204" pitchFamily="34" charset="0"/>
+              </a:rPr>
+              <a:t> </a:t>
+            </a:r>
+            <a:r>
+              <a:rPr lang="en-US" sz="2000" dirty="0" err="1">
+                <a:latin typeface="Arial" panose="020B0604020202020204" pitchFamily="34" charset="0"/>
+                <a:cs typeface="Arial" panose="020B0604020202020204" pitchFamily="34" charset="0"/>
+              </a:rPr>
+              <a:t>talenta</a:t>
+            </a:r>
+            <a:r>
+              <a:rPr lang="en-US" sz="2000" dirty="0">
+                <a:latin typeface="Arial" panose="020B0604020202020204" pitchFamily="34" charset="0"/>
+                <a:cs typeface="Arial" panose="020B0604020202020204" pitchFamily="34" charset="0"/>
+              </a:rPr>
+              <a:t> digital </a:t>
+            </a:r>
+            <a:r>
+              <a:rPr lang="en-US" sz="2000" dirty="0" err="1">
+                <a:latin typeface="Arial" panose="020B0604020202020204" pitchFamily="34" charset="0"/>
+                <a:cs typeface="Arial" panose="020B0604020202020204" pitchFamily="34" charset="0"/>
+              </a:rPr>
+              <a:t>berstandar</a:t>
+            </a:r>
+            <a:r>
+              <a:rPr lang="en-US" sz="2000" dirty="0">
+                <a:latin typeface="Arial" panose="020B0604020202020204" pitchFamily="34" charset="0"/>
+                <a:cs typeface="Arial" panose="020B0604020202020204" pitchFamily="34" charset="0"/>
+              </a:rPr>
+              <a:t> </a:t>
+            </a:r>
+            <a:r>
+              <a:rPr lang="en-US" sz="2000" dirty="0" err="1">
+                <a:latin typeface="Arial" panose="020B0604020202020204" pitchFamily="34" charset="0"/>
+                <a:cs typeface="Arial" panose="020B0604020202020204" pitchFamily="34" charset="0"/>
+              </a:rPr>
+              <a:t>tinggi</a:t>
+            </a:r>
+            <a:r>
+              <a:rPr lang="en-US" sz="2000" dirty="0">
+                <a:latin typeface="Arial" panose="020B0604020202020204" pitchFamily="34" charset="0"/>
+                <a:cs typeface="Arial" panose="020B0604020202020204" pitchFamily="34" charset="0"/>
+              </a:rPr>
+              <a:t> </a:t>
+            </a:r>
+            <a:r>
+              <a:rPr lang="en-US" sz="2000" dirty="0" err="1">
+                <a:latin typeface="Arial" panose="020B0604020202020204" pitchFamily="34" charset="0"/>
+                <a:cs typeface="Arial" panose="020B0604020202020204" pitchFamily="34" charset="0"/>
+              </a:rPr>
+              <a:t>sesuai</a:t>
+            </a:r>
+            <a:r>
+              <a:rPr lang="en-US" sz="2000" dirty="0">
+                <a:latin typeface="Arial" panose="020B0604020202020204" pitchFamily="34" charset="0"/>
+                <a:cs typeface="Arial" panose="020B0604020202020204" pitchFamily="34" charset="0"/>
+              </a:rPr>
+              <a:t> </a:t>
+            </a:r>
+            <a:r>
+              <a:rPr lang="en-US" sz="2000" dirty="0" err="1">
+                <a:latin typeface="Arial" panose="020B0604020202020204" pitchFamily="34" charset="0"/>
+                <a:cs typeface="Arial" panose="020B0604020202020204" pitchFamily="34" charset="0"/>
+              </a:rPr>
+              <a:t>dengan</a:t>
+            </a:r>
+            <a:r>
+              <a:rPr lang="en-US" sz="2000" dirty="0">
+                <a:latin typeface="Arial" panose="020B0604020202020204" pitchFamily="34" charset="0"/>
+                <a:cs typeface="Arial" panose="020B0604020202020204" pitchFamily="34" charset="0"/>
+              </a:rPr>
+              <a:t> </a:t>
+            </a:r>
+            <a:r>
+              <a:rPr lang="en-US" sz="2000" dirty="0" err="1">
+                <a:latin typeface="Arial" panose="020B0604020202020204" pitchFamily="34" charset="0"/>
+                <a:cs typeface="Arial" panose="020B0604020202020204" pitchFamily="34" charset="0"/>
+              </a:rPr>
+              <a:t>industri</a:t>
+            </a:r>
+            <a:r>
+              <a:rPr lang="en-US" sz="2000" dirty="0">
+                <a:latin typeface="Arial" panose="020B0604020202020204" pitchFamily="34" charset="0"/>
+                <a:cs typeface="Arial" panose="020B0604020202020204" pitchFamily="34" charset="0"/>
+              </a:rPr>
+              <a:t> di </a:t>
+            </a:r>
+            <a:r>
+              <a:rPr lang="en-US" sz="2000" dirty="0" err="1">
+                <a:latin typeface="Arial" panose="020B0604020202020204" pitchFamily="34" charset="0"/>
+                <a:cs typeface="Arial" panose="020B0604020202020204" pitchFamily="34" charset="0"/>
+              </a:rPr>
+              <a:t>bidang</a:t>
+            </a:r>
+            <a:r>
+              <a:rPr lang="en-US" sz="2000" dirty="0">
+                <a:latin typeface="Arial" panose="020B0604020202020204" pitchFamily="34" charset="0"/>
+                <a:cs typeface="Arial" panose="020B0604020202020204" pitchFamily="34" charset="0"/>
+              </a:rPr>
+              <a:t> </a:t>
+            </a:r>
+            <a:r>
+              <a:rPr lang="en-US" sz="2000" dirty="0" err="1">
+                <a:latin typeface="Arial" panose="020B0604020202020204" pitchFamily="34" charset="0"/>
+                <a:cs typeface="Arial" panose="020B0604020202020204" pitchFamily="34" charset="0"/>
+              </a:rPr>
+              <a:t>pengembangan</a:t>
+            </a:r>
+            <a:r>
+              <a:rPr lang="en-US" sz="2000" dirty="0">
+                <a:latin typeface="Arial" panose="020B0604020202020204" pitchFamily="34" charset="0"/>
+                <a:cs typeface="Arial" panose="020B0604020202020204" pitchFamily="34" charset="0"/>
+              </a:rPr>
+              <a:t> </a:t>
+            </a:r>
+            <a:r>
+              <a:rPr lang="en-US" sz="2000" dirty="0" err="1">
+                <a:latin typeface="Arial" panose="020B0604020202020204" pitchFamily="34" charset="0"/>
+                <a:cs typeface="Arial" panose="020B0604020202020204" pitchFamily="34" charset="0"/>
+              </a:rPr>
+              <a:t>aplikasi</a:t>
+            </a:r>
+            <a:r>
+              <a:rPr lang="en-US" sz="2000" dirty="0">
+                <a:latin typeface="Arial" panose="020B0604020202020204" pitchFamily="34" charset="0"/>
+                <a:cs typeface="Arial" panose="020B0604020202020204" pitchFamily="34" charset="0"/>
+              </a:rPr>
+              <a:t> android</a:t>
+            </a:r>
+          </a:p>
+          <a:p>
+            <a:pPr marL="342900" indent="-342900" algn="just">
+              <a:lnSpc>
+                <a:spcPct val="120000"/>
+              </a:lnSpc>
+              <a:buFont typeface="Arial" panose="020B0604020202020204" pitchFamily="34" charset="0"/>
+              <a:buChar char="•"/>
+            </a:pPr>
+            <a:r>
+              <a:rPr lang="en-US" sz="2000" dirty="0" err="1">
+                <a:latin typeface="Arial" panose="020B0604020202020204" pitchFamily="34" charset="0"/>
+                <a:cs typeface="Arial" panose="020B0604020202020204" pitchFamily="34" charset="0"/>
+              </a:rPr>
+              <a:t>Pembelajaran</a:t>
+            </a:r>
+            <a:r>
+              <a:rPr lang="en-US" sz="2000" dirty="0">
+                <a:latin typeface="Arial" panose="020B0604020202020204" pitchFamily="34" charset="0"/>
+                <a:cs typeface="Arial" panose="020B0604020202020204" pitchFamily="34" charset="0"/>
+              </a:rPr>
+              <a:t> </a:t>
+            </a:r>
+            <a:r>
+              <a:rPr lang="en-US" sz="2000" dirty="0" err="1">
+                <a:latin typeface="Arial" panose="020B0604020202020204" pitchFamily="34" charset="0"/>
+                <a:cs typeface="Arial" panose="020B0604020202020204" pitchFamily="34" charset="0"/>
+              </a:rPr>
+              <a:t>dilakukan</a:t>
+            </a:r>
+            <a:r>
+              <a:rPr lang="en-US" sz="2000" dirty="0">
+                <a:latin typeface="Arial" panose="020B0604020202020204" pitchFamily="34" charset="0"/>
+                <a:cs typeface="Arial" panose="020B0604020202020204" pitchFamily="34" charset="0"/>
+              </a:rPr>
+              <a:t> </a:t>
+            </a:r>
+            <a:r>
+              <a:rPr lang="en-US" sz="2000" dirty="0" err="1">
+                <a:latin typeface="Arial" panose="020B0604020202020204" pitchFamily="34" charset="0"/>
+                <a:cs typeface="Arial" panose="020B0604020202020204" pitchFamily="34" charset="0"/>
+              </a:rPr>
+              <a:t>dengan</a:t>
+            </a:r>
+            <a:r>
+              <a:rPr lang="en-US" sz="2000" dirty="0">
+                <a:latin typeface="Arial" panose="020B0604020202020204" pitchFamily="34" charset="0"/>
+                <a:cs typeface="Arial" panose="020B0604020202020204" pitchFamily="34" charset="0"/>
+              </a:rPr>
+              <a:t> daring </a:t>
+            </a:r>
+            <a:r>
+              <a:rPr lang="en-US" sz="2000" dirty="0" err="1">
+                <a:latin typeface="Arial" panose="020B0604020202020204" pitchFamily="34" charset="0"/>
+                <a:cs typeface="Arial" panose="020B0604020202020204" pitchFamily="34" charset="0"/>
+              </a:rPr>
+              <a:t>melalui</a:t>
+            </a:r>
+            <a:r>
+              <a:rPr lang="en-US" sz="2000" dirty="0">
+                <a:latin typeface="Arial" panose="020B0604020202020204" pitchFamily="34" charset="0"/>
+                <a:cs typeface="Arial" panose="020B0604020202020204" pitchFamily="34" charset="0"/>
+              </a:rPr>
+              <a:t> platform </a:t>
+            </a:r>
+            <a:r>
+              <a:rPr lang="en-US" sz="2000" dirty="0" err="1">
+                <a:latin typeface="Arial" panose="020B0604020202020204" pitchFamily="34" charset="0"/>
+                <a:cs typeface="Arial" panose="020B0604020202020204" pitchFamily="34" charset="0"/>
+              </a:rPr>
+              <a:t>dicoding</a:t>
+            </a:r>
+            <a:r>
+              <a:rPr lang="en-US" sz="2000" dirty="0">
+                <a:latin typeface="Arial" panose="020B0604020202020204" pitchFamily="34" charset="0"/>
+                <a:cs typeface="Arial" panose="020B0604020202020204" pitchFamily="34" charset="0"/>
+              </a:rPr>
+              <a:t> academy</a:t>
+            </a:r>
+          </a:p>
+          <a:p>
+            <a:pPr marL="342900" indent="-342900" algn="just">
+              <a:lnSpc>
+                <a:spcPct val="120000"/>
+              </a:lnSpc>
+              <a:buFont typeface="Arial" panose="020B0604020202020204" pitchFamily="34" charset="0"/>
+              <a:buChar char="•"/>
+            </a:pPr>
+            <a:r>
+              <a:rPr lang="en-US" sz="2000" dirty="0" err="1">
+                <a:latin typeface="Arial" panose="020B0604020202020204" pitchFamily="34" charset="0"/>
+                <a:cs typeface="Arial" panose="020B0604020202020204" pitchFamily="34" charset="0"/>
+              </a:rPr>
+              <a:t>Mempersiapkan</a:t>
+            </a:r>
+            <a:r>
+              <a:rPr lang="en-US" sz="2000" dirty="0">
+                <a:latin typeface="Arial" panose="020B0604020202020204" pitchFamily="34" charset="0"/>
+                <a:cs typeface="Arial" panose="020B0604020202020204" pitchFamily="34" charset="0"/>
+              </a:rPr>
+              <a:t> </a:t>
+            </a:r>
+            <a:r>
+              <a:rPr lang="en-US" sz="2000" dirty="0" err="1">
+                <a:latin typeface="Arial" panose="020B0604020202020204" pitchFamily="34" charset="0"/>
+                <a:cs typeface="Arial" panose="020B0604020202020204" pitchFamily="34" charset="0"/>
+              </a:rPr>
+              <a:t>softskill</a:t>
+            </a:r>
+            <a:r>
+              <a:rPr lang="en-US" sz="2000" dirty="0">
+                <a:latin typeface="Arial" panose="020B0604020202020204" pitchFamily="34" charset="0"/>
+                <a:cs typeface="Arial" panose="020B0604020202020204" pitchFamily="34" charset="0"/>
+              </a:rPr>
+              <a:t> </a:t>
+            </a:r>
+            <a:r>
+              <a:rPr lang="en-US" sz="2000" dirty="0" err="1">
+                <a:latin typeface="Arial" panose="020B0604020202020204" pitchFamily="34" charset="0"/>
+                <a:cs typeface="Arial" panose="020B0604020202020204" pitchFamily="34" charset="0"/>
+              </a:rPr>
+              <a:t>untuk</a:t>
+            </a:r>
+            <a:r>
+              <a:rPr lang="en-US" sz="2000" dirty="0">
+                <a:latin typeface="Arial" panose="020B0604020202020204" pitchFamily="34" charset="0"/>
+                <a:cs typeface="Arial" panose="020B0604020202020204" pitchFamily="34" charset="0"/>
+              </a:rPr>
+              <a:t> </a:t>
+            </a:r>
+            <a:r>
+              <a:rPr lang="en-US" sz="2000" dirty="0" err="1">
+                <a:latin typeface="Arial" panose="020B0604020202020204" pitchFamily="34" charset="0"/>
+                <a:cs typeface="Arial" panose="020B0604020202020204" pitchFamily="34" charset="0"/>
+              </a:rPr>
+              <a:t>penyiapan</a:t>
+            </a:r>
+            <a:r>
+              <a:rPr lang="en-US" sz="2000" dirty="0">
+                <a:latin typeface="Arial" panose="020B0604020202020204" pitchFamily="34" charset="0"/>
+                <a:cs typeface="Arial" panose="020B0604020202020204" pitchFamily="34" charset="0"/>
+              </a:rPr>
+              <a:t> </a:t>
+            </a:r>
+            <a:r>
+              <a:rPr lang="en-US" sz="2000" dirty="0" err="1">
+                <a:latin typeface="Arial" panose="020B0604020202020204" pitchFamily="34" charset="0"/>
+                <a:cs typeface="Arial" panose="020B0604020202020204" pitchFamily="34" charset="0"/>
+              </a:rPr>
+              <a:t>karir</a:t>
+            </a:r>
+            <a:r>
+              <a:rPr lang="en-US" sz="2000" dirty="0">
+                <a:latin typeface="Arial" panose="020B0604020202020204" pitchFamily="34" charset="0"/>
+                <a:cs typeface="Arial" panose="020B0604020202020204" pitchFamily="34" charset="0"/>
+              </a:rPr>
+              <a:t> developer</a:t>
+            </a:r>
+          </a:p>
+          <a:p>
+            <a:pPr marL="342900" indent="-342900" algn="just">
+              <a:lnSpc>
+                <a:spcPct val="120000"/>
+              </a:lnSpc>
+              <a:buFont typeface="Arial" panose="020B0604020202020204" pitchFamily="34" charset="0"/>
+              <a:buChar char="•"/>
+            </a:pPr>
+            <a:r>
+              <a:rPr lang="en-US" sz="2000" dirty="0" err="1">
+                <a:latin typeface="Arial" panose="020B0604020202020204" pitchFamily="34" charset="0"/>
+                <a:cs typeface="Arial" panose="020B0604020202020204" pitchFamily="34" charset="0"/>
+              </a:rPr>
+              <a:t>Bekerja</a:t>
+            </a:r>
+            <a:r>
+              <a:rPr lang="en-US" sz="2000" dirty="0">
+                <a:latin typeface="Arial" panose="020B0604020202020204" pitchFamily="34" charset="0"/>
+                <a:cs typeface="Arial" panose="020B0604020202020204" pitchFamily="34" charset="0"/>
+              </a:rPr>
+              <a:t> </a:t>
+            </a:r>
+            <a:r>
+              <a:rPr lang="en-US" sz="2000" dirty="0" err="1">
+                <a:latin typeface="Arial" panose="020B0604020202020204" pitchFamily="34" charset="0"/>
+                <a:cs typeface="Arial" panose="020B0604020202020204" pitchFamily="34" charset="0"/>
+              </a:rPr>
+              <a:t>dalam</a:t>
+            </a:r>
+            <a:r>
+              <a:rPr lang="en-US" sz="2000" dirty="0">
+                <a:latin typeface="Arial" panose="020B0604020202020204" pitchFamily="34" charset="0"/>
+                <a:cs typeface="Arial" panose="020B0604020202020204" pitchFamily="34" charset="0"/>
+              </a:rPr>
+              <a:t> </a:t>
+            </a:r>
+            <a:r>
+              <a:rPr lang="en-US" sz="2000" dirty="0" err="1">
+                <a:latin typeface="Arial" panose="020B0604020202020204" pitchFamily="34" charset="0"/>
+                <a:cs typeface="Arial" panose="020B0604020202020204" pitchFamily="34" charset="0"/>
+              </a:rPr>
+              <a:t>kelompok</a:t>
+            </a:r>
+            <a:r>
+              <a:rPr lang="en-US" sz="2000" dirty="0">
+                <a:latin typeface="Arial" panose="020B0604020202020204" pitchFamily="34" charset="0"/>
+                <a:cs typeface="Arial" panose="020B0604020202020204" pitchFamily="34" charset="0"/>
+              </a:rPr>
+              <a:t> </a:t>
+            </a:r>
+            <a:r>
+              <a:rPr lang="en-US" sz="2000" dirty="0" err="1">
+                <a:latin typeface="Arial" panose="020B0604020202020204" pitchFamily="34" charset="0"/>
+                <a:cs typeface="Arial" panose="020B0604020202020204" pitchFamily="34" charset="0"/>
+              </a:rPr>
+              <a:t>untuk</a:t>
+            </a:r>
+            <a:r>
+              <a:rPr lang="en-US" sz="2000" dirty="0">
+                <a:latin typeface="Arial" panose="020B0604020202020204" pitchFamily="34" charset="0"/>
+                <a:cs typeface="Arial" panose="020B0604020202020204" pitchFamily="34" charset="0"/>
+              </a:rPr>
+              <a:t> </a:t>
+            </a:r>
+            <a:r>
+              <a:rPr lang="en-US" sz="2000" dirty="0" err="1">
+                <a:latin typeface="Arial" panose="020B0604020202020204" pitchFamily="34" charset="0"/>
+                <a:cs typeface="Arial" panose="020B0604020202020204" pitchFamily="34" charset="0"/>
+              </a:rPr>
+              <a:t>mengembangkan</a:t>
+            </a:r>
+            <a:r>
+              <a:rPr lang="en-US" sz="2000" dirty="0">
+                <a:latin typeface="Arial" panose="020B0604020202020204" pitchFamily="34" charset="0"/>
+                <a:cs typeface="Arial" panose="020B0604020202020204" pitchFamily="34" charset="0"/>
+              </a:rPr>
+              <a:t> </a:t>
+            </a:r>
+            <a:r>
+              <a:rPr lang="en-US" sz="2000" dirty="0" err="1">
+                <a:latin typeface="Arial" panose="020B0604020202020204" pitchFamily="34" charset="0"/>
+                <a:cs typeface="Arial" panose="020B0604020202020204" pitchFamily="34" charset="0"/>
+              </a:rPr>
+              <a:t>solusi</a:t>
+            </a:r>
+            <a:r>
+              <a:rPr lang="en-US" sz="2000" dirty="0">
+                <a:latin typeface="Arial" panose="020B0604020202020204" pitchFamily="34" charset="0"/>
+                <a:cs typeface="Arial" panose="020B0604020202020204" pitchFamily="34" charset="0"/>
+              </a:rPr>
+              <a:t> </a:t>
+            </a:r>
+            <a:r>
+              <a:rPr lang="en-US" sz="2000" dirty="0" err="1">
+                <a:latin typeface="Arial" panose="020B0604020202020204" pitchFamily="34" charset="0"/>
+                <a:cs typeface="Arial" panose="020B0604020202020204" pitchFamily="34" charset="0"/>
+              </a:rPr>
+              <a:t>berbasiskan</a:t>
+            </a:r>
+            <a:r>
+              <a:rPr lang="en-US" sz="2000" dirty="0">
+                <a:latin typeface="Arial" panose="020B0604020202020204" pitchFamily="34" charset="0"/>
+                <a:cs typeface="Arial" panose="020B0604020202020204" pitchFamily="34" charset="0"/>
+              </a:rPr>
+              <a:t> </a:t>
+            </a:r>
+            <a:r>
+              <a:rPr lang="en-US" sz="2000" dirty="0" err="1">
+                <a:latin typeface="Arial" panose="020B0604020202020204" pitchFamily="34" charset="0"/>
+                <a:cs typeface="Arial" panose="020B0604020202020204" pitchFamily="34" charset="0"/>
+              </a:rPr>
+              <a:t>aplikasi</a:t>
+            </a:r>
+            <a:r>
+              <a:rPr lang="en-US" sz="2000" dirty="0">
+                <a:latin typeface="Arial" panose="020B0604020202020204" pitchFamily="34" charset="0"/>
+                <a:cs typeface="Arial" panose="020B0604020202020204" pitchFamily="34" charset="0"/>
+              </a:rPr>
+              <a:t> android</a:t>
+            </a:r>
+            <a:endParaRPr lang="en-ID" sz="2000" dirty="0">
+              <a:latin typeface="Arial" panose="020B0604020202020204" pitchFamily="34" charset="0"/>
+              <a:cs typeface="Arial" panose="020B0604020202020204" pitchFamily="34" charset="0"/>
+            </a:endParaRPr>
+          </a:p>
+        </p:txBody>
+      </p:sp>
+    </p:spTree>
+    <p:extLst>
+      <p:ext uri="{BB962C8B-B14F-4D97-AF65-F5344CB8AC3E}">
+        <p14:creationId xmlns:p14="http://schemas.microsoft.com/office/powerpoint/2010/main" val="139017506"/>
+      </p:ext>
+    </p:extLst>
+  </p:cSld>
+  <p:clrMapOvr>
+    <a:masterClrMapping/>
+  </p:clrMapOvr>
+  <mc:AlternateContent xmlns:mc="http://schemas.openxmlformats.org/markup-compatibility/2006" xmlns:p159="http://schemas.microsoft.com/office/powerpoint/2015/09/main">
+    <mc:Choice Requires="p159">
+      <p:transition xmlns:p14="http://schemas.microsoft.com/office/powerpoint/2010/main" spd="slow" p14:dur="2000">
+        <p159:morph option="byObject"/>
+      </p:transition>
+    </mc:Choice>
+    <mc:Fallback xmlns="">
+      <p:transition spd="slow">
+        <p:fade/>
+      </p:transition>
+    </mc:Fallback>
+  </mc:AlternateContent>
+  <p:timing>
+    <p:tnLst>
+      <p:par>
+        <p:cTn id="1" dur="indefinite" restart="never" nodeType="tmRoot">
+          <p:childTnLst>
+            <p:seq concurrent="1" nextAc="seek">
+              <p:cTn id="2" dur="indefinite" nodeType="mainSeq">
+                <p:childTnLst>
+                  <p:par>
+                    <p:cTn id="3" fill="hold">
+                      <p:stCondLst>
+                        <p:cond delay="indefinite"/>
+                      </p:stCondLst>
+                      <p:childTnLst>
+                        <p:par>
+                          <p:cTn id="4" fill="hold">
+                            <p:stCondLst>
+                              <p:cond delay="0"/>
+                            </p:stCondLst>
+                            <p:childTnLst>
+                              <p:par>
+                                <p:cTn id="5" presetID="10" presetClass="entr" presetSubtype="0" fill="hold" grpId="0" nodeType="clickEffect">
+                                  <p:stCondLst>
+                                    <p:cond delay="0"/>
+                                  </p:stCondLst>
+                                  <p:childTnLst>
+                                    <p:set>
+                                      <p:cBhvr>
+                                        <p:cTn id="6" dur="1" fill="hold">
+                                          <p:stCondLst>
+                                            <p:cond delay="0"/>
+                                          </p:stCondLst>
+                                        </p:cTn>
+                                        <p:tgtEl>
+                                          <p:spTgt spid="10"/>
+                                        </p:tgtEl>
+                                        <p:attrNameLst>
+                                          <p:attrName>style.visibility</p:attrName>
+                                        </p:attrNameLst>
+                                      </p:cBhvr>
+                                      <p:to>
+                                        <p:strVal val="visible"/>
+                                      </p:to>
+                                    </p:set>
+                                    <p:animEffect transition="in" filter="fade">
+                                      <p:cBhvr>
+                                        <p:cTn id="7" dur="500"/>
+                                        <p:tgtEl>
+                                          <p:spTgt spid="10"/>
+                                        </p:tgtEl>
+                                      </p:cBhvr>
+                                    </p:animEffect>
+                                  </p:childTnLst>
+                                </p:cTn>
+                              </p:par>
+                            </p:childTnLst>
+                          </p:cTn>
+                        </p:par>
+                      </p:childTnLst>
+                    </p:cTn>
+                  </p:par>
+                </p:childTnLst>
+              </p:cTn>
+              <p:prevCondLst>
+                <p:cond evt="onPrev" delay="0">
+                  <p:tgtEl>
+                    <p:sldTgt/>
+                  </p:tgtEl>
+                </p:cond>
+              </p:prevCondLst>
+              <p:nextCondLst>
+                <p:cond evt="onNext" delay="0">
+                  <p:tgtEl>
+                    <p:sldTgt/>
+                  </p:tgtEl>
+                </p:cond>
+              </p:nextCondLst>
+            </p:seq>
+          </p:childTnLst>
+        </p:cTn>
+      </p:par>
+    </p:tnLst>
+    <p:bldLst>
+      <p:bldP spid="10" grpId="0"/>
+    </p:bldLst>
+  </p:timing>
+</p:sld>
+</file>
+
+<file path=ppt/slides/slide4.xml><?xml version="1.0" encoding="utf-8"?>
+<p:sld xmlns:a="http://schemas.openxmlformats.org/drawingml/2006/main" xmlns:r="http://schemas.openxmlformats.org/officeDocument/2006/relationships" xmlns:p="http://schemas.openxmlformats.org/presentationml/2006/main">
+  <p:cSld>
+    <p:spTree>
+      <p:nvGrpSpPr>
+        <p:cNvPr id="1" name=""/>
+        <p:cNvGrpSpPr/>
+        <p:nvPr/>
+      </p:nvGrpSpPr>
+      <p:grpSpPr>
+        <a:xfrm>
+          <a:off x="0" y="0"/>
+          <a:ext cx="0" cy="0"/>
+          <a:chOff x="0" y="0"/>
+          <a:chExt cx="0" cy="0"/>
+        </a:xfrm>
+      </p:grpSpPr>
+      <p:pic>
+        <p:nvPicPr>
+          <p:cNvPr id="3" name="Picture 2">
+            <a:extLst>
+              <a:ext uri="{FF2B5EF4-FFF2-40B4-BE49-F238E27FC236}">
+                <a16:creationId xmlns:a16="http://schemas.microsoft.com/office/drawing/2014/main" id="{86AEE542-B8F8-4488-B683-B6C0D56F50C8}"/>
+              </a:ext>
+            </a:extLst>
+          </p:cNvPr>
+          <p:cNvPicPr>
+            <a:picLocks noChangeAspect="1"/>
+          </p:cNvPicPr>
+          <p:nvPr/>
+        </p:nvPicPr>
+        <p:blipFill>
+          <a:blip r:embed="rId2">
+            <a:extLst>
+              <a:ext uri="{28A0092B-C50C-407E-A947-70E740481C1C}">
+                <a14:useLocalDpi xmlns:a14="http://schemas.microsoft.com/office/drawing/2010/main" val="0"/>
+              </a:ext>
+            </a:extLst>
+          </a:blip>
+          <a:stretch>
+            <a:fillRect/>
+          </a:stretch>
+        </p:blipFill>
+        <p:spPr>
+          <a:xfrm>
+            <a:off x="9875219" y="5480388"/>
+            <a:ext cx="1710921" cy="911710"/>
+          </a:xfrm>
+          <a:prstGeom prst="rect">
+            <a:avLst/>
+          </a:prstGeom>
+        </p:spPr>
+      </p:pic>
+      <p:pic>
+        <p:nvPicPr>
+          <p:cNvPr id="6" name="Picture 5">
+            <a:extLst>
+              <a:ext uri="{FF2B5EF4-FFF2-40B4-BE49-F238E27FC236}">
+                <a16:creationId xmlns:a16="http://schemas.microsoft.com/office/drawing/2014/main" id="{4D7AE8FB-09C1-478A-90F5-6799D028810C}"/>
+              </a:ext>
+            </a:extLst>
+          </p:cNvPr>
+          <p:cNvPicPr>
+            <a:picLocks noChangeAspect="1"/>
+          </p:cNvPicPr>
+          <p:nvPr/>
+        </p:nvPicPr>
+        <p:blipFill>
+          <a:blip r:embed="rId3">
+            <a:extLst>
+              <a:ext uri="{28A0092B-C50C-407E-A947-70E740481C1C}">
+                <a14:useLocalDpi xmlns:a14="http://schemas.microsoft.com/office/drawing/2010/main" val="0"/>
+              </a:ext>
+              <a:ext uri="{837473B0-CC2E-450A-ABE3-18F120FF3D39}">
+                <a1611:picAttrSrcUrl xmlns:a1611="http://schemas.microsoft.com/office/drawing/2016/11/main" r:id="rId4"/>
+              </a:ext>
+            </a:extLst>
+          </a:blip>
+          <a:stretch>
+            <a:fillRect/>
+          </a:stretch>
+        </p:blipFill>
+        <p:spPr>
+          <a:xfrm>
+            <a:off x="8434835" y="5480388"/>
+            <a:ext cx="1284913" cy="911710"/>
+          </a:xfrm>
+          <a:prstGeom prst="rect">
+            <a:avLst/>
+          </a:prstGeom>
+        </p:spPr>
+      </p:pic>
+      <p:pic>
+        <p:nvPicPr>
+          <p:cNvPr id="5" name="Picture 4">
+            <a:extLst>
+              <a:ext uri="{FF2B5EF4-FFF2-40B4-BE49-F238E27FC236}">
+                <a16:creationId xmlns:a16="http://schemas.microsoft.com/office/drawing/2014/main" id="{A11CFA7D-2071-4BE7-9AF2-4CD84AF4D660}"/>
+              </a:ext>
+            </a:extLst>
+          </p:cNvPr>
+          <p:cNvPicPr>
+            <a:picLocks noChangeAspect="1"/>
+          </p:cNvPicPr>
+          <p:nvPr/>
+        </p:nvPicPr>
+        <p:blipFill>
+          <a:blip r:embed="rId5">
+            <a:extLst>
+              <a:ext uri="{28A0092B-C50C-407E-A947-70E740481C1C}">
+                <a14:useLocalDpi xmlns:a14="http://schemas.microsoft.com/office/drawing/2010/main" val="0"/>
+              </a:ext>
+              <a:ext uri="{837473B0-CC2E-450A-ABE3-18F120FF3D39}">
+                <a1611:picAttrSrcUrl xmlns:a1611="http://schemas.microsoft.com/office/drawing/2016/11/main" r:id="rId6"/>
+              </a:ext>
+            </a:extLst>
+          </a:blip>
+          <a:stretch>
+            <a:fillRect/>
+          </a:stretch>
+        </p:blipFill>
+        <p:spPr>
+          <a:xfrm>
+            <a:off x="609600" y="-415212"/>
+            <a:ext cx="2743200" cy="2743200"/>
+          </a:xfrm>
+          <a:prstGeom prst="rect">
+            <a:avLst/>
+          </a:prstGeom>
+        </p:spPr>
+      </p:pic>
+      <p:pic>
+        <p:nvPicPr>
+          <p:cNvPr id="4" name="Picture 3">
+            <a:extLst>
+              <a:ext uri="{FF2B5EF4-FFF2-40B4-BE49-F238E27FC236}">
+                <a16:creationId xmlns:a16="http://schemas.microsoft.com/office/drawing/2014/main" id="{FE8DB86E-D182-4423-B517-D08B0D9FD792}"/>
+              </a:ext>
+            </a:extLst>
+          </p:cNvPr>
+          <p:cNvPicPr>
+            <a:picLocks noChangeAspect="1"/>
+          </p:cNvPicPr>
+          <p:nvPr/>
+        </p:nvPicPr>
+        <p:blipFill>
+          <a:blip r:embed="rId7">
+            <a:extLst>
+              <a:ext uri="{28A0092B-C50C-407E-A947-70E740481C1C}">
+                <a14:useLocalDpi xmlns:a14="http://schemas.microsoft.com/office/drawing/2010/main" val="0"/>
+              </a:ext>
+            </a:extLst>
+          </a:blip>
+          <a:stretch>
+            <a:fillRect/>
+          </a:stretch>
+        </p:blipFill>
+        <p:spPr>
+          <a:xfrm>
+            <a:off x="2634523" y="1510720"/>
+            <a:ext cx="6922954" cy="3836559"/>
+          </a:xfrm>
+          <a:prstGeom prst="rect">
+            <a:avLst/>
+          </a:prstGeom>
+        </p:spPr>
+      </p:pic>
+    </p:spTree>
+    <p:extLst>
+      <p:ext uri="{BB962C8B-B14F-4D97-AF65-F5344CB8AC3E}">
+        <p14:creationId xmlns:p14="http://schemas.microsoft.com/office/powerpoint/2010/main" val="1210785583"/>
+      </p:ext>
+    </p:extLst>
+  </p:cSld>
+  <p:clrMapOvr>
+    <a:masterClrMapping/>
+  </p:clrMapOvr>
+  <mc:AlternateContent xmlns:mc="http://schemas.openxmlformats.org/markup-compatibility/2006" xmlns:p159="http://schemas.microsoft.com/office/powerpoint/2015/09/main">
+    <mc:Choice Requires="p159">
+      <p:transition xmlns:p14="http://schemas.microsoft.com/office/powerpoint/2010/main" spd="slow" p14:dur="2000">
+        <p159:morph option="byObject"/>
+      </p:transition>
+    </mc:Choice>
+    <mc:Fallback xmlns="">
+      <p:transition spd="slow">
+        <p:fade/>
+      </p:transition>
+    </mc:Fallback>
+  </mc:AlternateContent>
+</p:sld>
+</file>
+
+<file path=ppt/slides/slide5.xml><?xml version="1.0" encoding="utf-8"?>
+<p:sld xmlns:a="http://schemas.openxmlformats.org/drawingml/2006/main" xmlns:r="http://schemas.openxmlformats.org/officeDocument/2006/relationships" xmlns:p="http://schemas.openxmlformats.org/presentationml/2006/main">
+  <p:cSld>
+    <p:spTree>
+      <p:nvGrpSpPr>
+        <p:cNvPr id="1" name=""/>
+        <p:cNvGrpSpPr/>
+        <p:nvPr/>
+      </p:nvGrpSpPr>
+      <p:grpSpPr>
+        <a:xfrm>
+          <a:off x="0" y="0"/>
+          <a:ext cx="0" cy="0"/>
+          <a:chOff x="0" y="0"/>
+          <a:chExt cx="0" cy="0"/>
+        </a:xfrm>
+      </p:grpSpPr>
+      <p:pic>
+        <p:nvPicPr>
+          <p:cNvPr id="4" name="Picture 3">
+            <a:extLst>
+              <a:ext uri="{FF2B5EF4-FFF2-40B4-BE49-F238E27FC236}">
+                <a16:creationId xmlns:a16="http://schemas.microsoft.com/office/drawing/2014/main" id="{BF9123E2-088C-403D-AD74-4D840FCAFE04}"/>
+              </a:ext>
+            </a:extLst>
+          </p:cNvPr>
+          <p:cNvPicPr>
+            <a:picLocks noChangeAspect="1"/>
+          </p:cNvPicPr>
+          <p:nvPr/>
+        </p:nvPicPr>
+        <p:blipFill>
+          <a:blip r:embed="rId2"/>
+          <a:stretch>
+            <a:fillRect/>
+          </a:stretch>
+        </p:blipFill>
+        <p:spPr>
+          <a:xfrm>
+            <a:off x="3275045" y="0"/>
+            <a:ext cx="4665306" cy="2296246"/>
+          </a:xfrm>
+          <a:prstGeom prst="rect">
+            <a:avLst/>
+          </a:prstGeom>
+        </p:spPr>
+      </p:pic>
+      <p:pic>
+        <p:nvPicPr>
+          <p:cNvPr id="12" name="Picture 11">
+            <a:extLst>
+              <a:ext uri="{FF2B5EF4-FFF2-40B4-BE49-F238E27FC236}">
+                <a16:creationId xmlns:a16="http://schemas.microsoft.com/office/drawing/2014/main" id="{2957F658-3783-454E-B63B-706BBF96A0CA}"/>
+              </a:ext>
+            </a:extLst>
+          </p:cNvPr>
+          <p:cNvPicPr>
+            <a:picLocks noChangeAspect="1"/>
+          </p:cNvPicPr>
+          <p:nvPr/>
+        </p:nvPicPr>
+        <p:blipFill>
+          <a:blip r:embed="rId3"/>
+          <a:stretch>
+            <a:fillRect/>
+          </a:stretch>
+        </p:blipFill>
+        <p:spPr>
+          <a:xfrm>
+            <a:off x="3275045" y="2296246"/>
+            <a:ext cx="4665306" cy="2215890"/>
+          </a:xfrm>
+          <a:prstGeom prst="rect">
+            <a:avLst/>
+          </a:prstGeom>
+        </p:spPr>
+      </p:pic>
+      <p:pic>
+        <p:nvPicPr>
+          <p:cNvPr id="14" name="Picture 13">
+            <a:extLst>
+              <a:ext uri="{FF2B5EF4-FFF2-40B4-BE49-F238E27FC236}">
+                <a16:creationId xmlns:a16="http://schemas.microsoft.com/office/drawing/2014/main" id="{D39C1E5D-2F1A-4FF0-A1AA-FE22BB64F364}"/>
+              </a:ext>
+            </a:extLst>
+          </p:cNvPr>
+          <p:cNvPicPr>
+            <a:picLocks noChangeAspect="1"/>
+          </p:cNvPicPr>
+          <p:nvPr/>
+        </p:nvPicPr>
+        <p:blipFill>
+          <a:blip r:embed="rId4"/>
+          <a:stretch>
+            <a:fillRect/>
+          </a:stretch>
+        </p:blipFill>
+        <p:spPr>
+          <a:xfrm>
+            <a:off x="3268124" y="4512136"/>
+            <a:ext cx="4679147" cy="2215890"/>
+          </a:xfrm>
+          <a:prstGeom prst="rect">
+            <a:avLst/>
+          </a:prstGeom>
+        </p:spPr>
+      </p:pic>
+    </p:spTree>
+    <p:extLst>
+      <p:ext uri="{BB962C8B-B14F-4D97-AF65-F5344CB8AC3E}">
+        <p14:creationId xmlns:p14="http://schemas.microsoft.com/office/powerpoint/2010/main" val="2782529081"/>
+      </p:ext>
+    </p:extLst>
+  </p:cSld>
+  <p:clrMapOvr>
+    <a:masterClrMapping/>
+  </p:clrMapOvr>
+  <mc:AlternateContent xmlns:mc="http://schemas.openxmlformats.org/markup-compatibility/2006" xmlns:p159="http://schemas.microsoft.com/office/powerpoint/2015/09/main">
+    <mc:Choice Requires="p159">
+      <p:transition xmlns:p14="http://schemas.microsoft.com/office/powerpoint/2010/main" spd="slow" p14:dur="2000">
+        <p159:morph option="byObject"/>
+      </p:transition>
+    </mc:Choice>
+    <mc:Fallback xmlns="">
+      <p:transition spd="slow">
+        <p:fade/>
+      </p:transition>
+    </mc:Fallback>
+  </mc:AlternateContent>
+</p:sld>
+</file>
+
+<file path=ppt/slides/slide6.xml><?xml version="1.0" encoding="utf-8"?>
+<p:sld xmlns:a="http://schemas.openxmlformats.org/drawingml/2006/main" xmlns:r="http://schemas.openxmlformats.org/officeDocument/2006/relationships" xmlns:p="http://schemas.openxmlformats.org/presentationml/2006/main">
+  <p:cSld>
+    <p:spTree>
+      <p:nvGrpSpPr>
+        <p:cNvPr id="1" name=""/>
+        <p:cNvGrpSpPr/>
+        <p:nvPr/>
+      </p:nvGrpSpPr>
+      <p:grpSpPr>
+        <a:xfrm>
+          <a:off x="0" y="0"/>
+          <a:ext cx="0" cy="0"/>
+          <a:chOff x="0" y="0"/>
+          <a:chExt cx="0" cy="0"/>
+        </a:xfrm>
+      </p:grpSpPr>
+      <p:sp>
+        <p:nvSpPr>
+          <p:cNvPr id="4" name="Title 3">
+            <a:extLst>
+              <a:ext uri="{FF2B5EF4-FFF2-40B4-BE49-F238E27FC236}">
+                <a16:creationId xmlns:a16="http://schemas.microsoft.com/office/drawing/2014/main" id="{B86B5304-236F-4316-834A-F8D9E0BD0DFF}"/>
+              </a:ext>
+            </a:extLst>
+          </p:cNvPr>
+          <p:cNvSpPr txBox="1">
+            <a:spLocks/>
+          </p:cNvSpPr>
+          <p:nvPr/>
+        </p:nvSpPr>
+        <p:spPr>
+          <a:xfrm>
+            <a:off x="2792963" y="2973145"/>
+            <a:ext cx="6606073" cy="911710"/>
+          </a:xfrm>
+          <a:prstGeom prst="rect">
+            <a:avLst/>
+          </a:prstGeom>
+          <a:ln>
+            <a:noFill/>
+          </a:ln>
+        </p:spPr>
+        <p:txBody>
+          <a:bodyPr>
+            <a:normAutofit fontScale="92500"/>
+          </a:bodyPr>
+          <a:lstStyle>
+            <a:lvl1pPr algn="l" defTabSz="914400" rtl="0" eaLnBrk="1" latinLnBrk="0" hangingPunct="1">
+              <a:lnSpc>
+                <a:spcPct val="90000"/>
+              </a:lnSpc>
+              <a:spcBef>
+                <a:spcPct val="0"/>
+              </a:spcBef>
+              <a:buNone/>
+              <a:defRPr sz="4400" kern="1200">
+                <a:solidFill>
+                  <a:schemeClr val="tx1"/>
+                </a:solidFill>
+                <a:latin typeface="+mj-lt"/>
+                <a:ea typeface="+mj-ea"/>
+                <a:cs typeface="+mj-cs"/>
+              </a:defRPr>
+            </a:lvl1pPr>
+          </a:lstStyle>
+          <a:p>
+            <a:r>
+              <a:rPr lang="en-US" sz="5000" dirty="0">
+                <a:solidFill>
+                  <a:srgbClr val="5CA0CA"/>
+                </a:solidFill>
+                <a:latin typeface="Arial Rounded MT Bold" panose="020F0704030504030204" pitchFamily="34" charset="0"/>
+              </a:rPr>
+              <a:t>PROJECT CAPSTONE</a:t>
+            </a:r>
+            <a:endParaRPr lang="en-ID" sz="5000" dirty="0">
+              <a:solidFill>
+                <a:srgbClr val="FF0000"/>
+              </a:solidFill>
+              <a:latin typeface="Arial Rounded MT Bold" panose="020F0704030504030204" pitchFamily="34" charset="0"/>
+            </a:endParaRPr>
+          </a:p>
+        </p:txBody>
+      </p:sp>
+      <p:pic>
+        <p:nvPicPr>
+          <p:cNvPr id="3" name="Picture 2">
+            <a:extLst>
+              <a:ext uri="{FF2B5EF4-FFF2-40B4-BE49-F238E27FC236}">
+                <a16:creationId xmlns:a16="http://schemas.microsoft.com/office/drawing/2014/main" id="{86AEE542-B8F8-4488-B683-B6C0D56F50C8}"/>
+              </a:ext>
+            </a:extLst>
+          </p:cNvPr>
+          <p:cNvPicPr>
+            <a:picLocks noChangeAspect="1"/>
+          </p:cNvPicPr>
+          <p:nvPr/>
+        </p:nvPicPr>
+        <p:blipFill>
+          <a:blip r:embed="rId2">
+            <a:extLst>
+              <a:ext uri="{28A0092B-C50C-407E-A947-70E740481C1C}">
+                <a14:useLocalDpi xmlns:a14="http://schemas.microsoft.com/office/drawing/2010/main" val="0"/>
+              </a:ext>
+            </a:extLst>
+          </a:blip>
+          <a:stretch>
+            <a:fillRect/>
+          </a:stretch>
+        </p:blipFill>
+        <p:spPr>
+          <a:xfrm>
+            <a:off x="9875219" y="5480388"/>
+            <a:ext cx="1710921" cy="911710"/>
+          </a:xfrm>
+          <a:prstGeom prst="rect">
+            <a:avLst/>
+          </a:prstGeom>
+        </p:spPr>
+      </p:pic>
+      <p:pic>
+        <p:nvPicPr>
+          <p:cNvPr id="6" name="Picture 5">
+            <a:extLst>
+              <a:ext uri="{FF2B5EF4-FFF2-40B4-BE49-F238E27FC236}">
+                <a16:creationId xmlns:a16="http://schemas.microsoft.com/office/drawing/2014/main" id="{4D7AE8FB-09C1-478A-90F5-6799D028810C}"/>
+              </a:ext>
+            </a:extLst>
+          </p:cNvPr>
+          <p:cNvPicPr>
+            <a:picLocks noChangeAspect="1"/>
+          </p:cNvPicPr>
+          <p:nvPr/>
+        </p:nvPicPr>
+        <p:blipFill>
+          <a:blip r:embed="rId3">
+            <a:extLst>
+              <a:ext uri="{28A0092B-C50C-407E-A947-70E740481C1C}">
+                <a14:useLocalDpi xmlns:a14="http://schemas.microsoft.com/office/drawing/2010/main" val="0"/>
+              </a:ext>
+              <a:ext uri="{837473B0-CC2E-450A-ABE3-18F120FF3D39}">
+                <a1611:picAttrSrcUrl xmlns:a1611="http://schemas.microsoft.com/office/drawing/2016/11/main" r:id="rId4"/>
+              </a:ext>
+            </a:extLst>
+          </a:blip>
+          <a:stretch>
+            <a:fillRect/>
+          </a:stretch>
+        </p:blipFill>
+        <p:spPr>
+          <a:xfrm>
+            <a:off x="8434835" y="5480388"/>
+            <a:ext cx="1284913" cy="911710"/>
+          </a:xfrm>
+          <a:prstGeom prst="rect">
+            <a:avLst/>
+          </a:prstGeom>
+        </p:spPr>
+      </p:pic>
+    </p:spTree>
+    <p:extLst>
+      <p:ext uri="{BB962C8B-B14F-4D97-AF65-F5344CB8AC3E}">
+        <p14:creationId xmlns:p14="http://schemas.microsoft.com/office/powerpoint/2010/main" val="2887186395"/>
       </p:ext>
     </p:extLst>
   </p:cSld>
@@ -6394,421 +8966,284 @@
           <p:cNvPr id="4" name="Title 3">
             <a:extLst>
               <a:ext uri="{FF2B5EF4-FFF2-40B4-BE49-F238E27FC236}">
-                <a16:creationId xmlns:a16="http://schemas.microsoft.com/office/drawing/2014/main" id="{B86B5304-236F-4316-834A-F8D9E0BD0DFF}"/>
-              </a:ext>
-            </a:extLst>
-          </p:cNvPr>
-          <p:cNvSpPr txBox="1">
-            <a:spLocks/>
+                <a16:creationId xmlns:a16="http://schemas.microsoft.com/office/drawing/2014/main" id="{982B3CCF-7E23-4624-AE53-DAAD422DA000}"/>
+              </a:ext>
+            </a:extLst>
+          </p:cNvPr>
+          <p:cNvSpPr>
+            <a:spLocks noGrp="1"/>
           </p:cNvSpPr>
-          <p:nvPr/>
+          <p:nvPr>
+            <p:ph type="ctrTitle"/>
+          </p:nvPr>
         </p:nvSpPr>
         <p:spPr>
           <a:xfrm>
-            <a:off x="2426748" y="749139"/>
+            <a:off x="2426748" y="1747514"/>
             <a:ext cx="7713306" cy="911710"/>
           </a:xfrm>
-          <a:prstGeom prst="rect">
-            <a:avLst/>
-          </a:prstGeom>
-          <a:ln>
-            <a:noFill/>
-          </a:ln>
         </p:spPr>
         <p:txBody>
           <a:bodyPr>
-            <a:normAutofit fontScale="85000" lnSpcReduction="10000"/>
+            <a:normAutofit fontScale="90000"/>
           </a:bodyPr>
-          <a:lstStyle>
-            <a:lvl1pPr algn="l" defTabSz="914400" rtl="0" eaLnBrk="1" latinLnBrk="0" hangingPunct="1">
-              <a:lnSpc>
-                <a:spcPct val="90000"/>
-              </a:lnSpc>
-              <a:spcBef>
-                <a:spcPct val="0"/>
-              </a:spcBef>
-              <a:buNone/>
-              <a:defRPr sz="4400" kern="1200">
-                <a:solidFill>
-                  <a:schemeClr val="tx1"/>
-                </a:solidFill>
-                <a:latin typeface="+mj-lt"/>
-                <a:ea typeface="+mj-ea"/>
-                <a:cs typeface="+mj-cs"/>
-              </a:defRPr>
-            </a:lvl1pPr>
-          </a:lstStyle>
-          <a:p>
-            <a:r>
-              <a:rPr lang="en-US" sz="5000" i="1" dirty="0">
+          <a:lstStyle/>
+          <a:p>
+            <a:r>
+              <a:rPr lang="en-US" dirty="0">
                 <a:solidFill>
                   <a:srgbClr val="5CA0CA"/>
                 </a:solidFill>
                 <a:latin typeface="Arial Rounded MT Bold" panose="020F0704030504030204" pitchFamily="34" charset="0"/>
               </a:rPr>
-              <a:t>Library</a:t>
-            </a:r>
-            <a:r>
-              <a:rPr lang="en-US" sz="5000" dirty="0">
+              <a:t>PEDULI PRESENSI</a:t>
+            </a:r>
+            <a:br>
+              <a:rPr lang="en-US" dirty="0">
                 <a:solidFill>
                   <a:srgbClr val="5CA0CA"/>
                 </a:solidFill>
                 <a:latin typeface="Arial Rounded MT Bold" panose="020F0704030504030204" pitchFamily="34" charset="0"/>
               </a:rPr>
-              <a:t> yang kami </a:t>
-            </a:r>
-            <a:r>
-              <a:rPr lang="en-US" sz="5000" dirty="0" err="1">
+            </a:br>
+            <a:r>
+              <a:rPr lang="en-US" sz="2000" dirty="0" err="1">
                 <a:solidFill>
                   <a:srgbClr val="5CA0CA"/>
                 </a:solidFill>
                 <a:latin typeface="Arial Rounded MT Bold" panose="020F0704030504030204" pitchFamily="34" charset="0"/>
               </a:rPr>
-              <a:t>gunakan</a:t>
-            </a:r>
-            <a:endParaRPr lang="en-ID" sz="5000" i="1" dirty="0">
+              <a:t>Presensi</a:t>
+            </a:r>
+            <a:r>
+              <a:rPr lang="en-US" sz="2000" dirty="0">
+                <a:solidFill>
+                  <a:srgbClr val="5CA0CA"/>
+                </a:solidFill>
+                <a:latin typeface="Arial Rounded MT Bold" panose="020F0704030504030204" pitchFamily="34" charset="0"/>
+              </a:rPr>
+              <a:t> </a:t>
+            </a:r>
+            <a:r>
+              <a:rPr lang="en-US" sz="2000" dirty="0" err="1">
+                <a:solidFill>
+                  <a:srgbClr val="5CA0CA"/>
+                </a:solidFill>
+                <a:latin typeface="Arial Rounded MT Bold" panose="020F0704030504030204" pitchFamily="34" charset="0"/>
+              </a:rPr>
+              <a:t>kamu</a:t>
+            </a:r>
+            <a:r>
+              <a:rPr lang="en-US" sz="2000" dirty="0">
+                <a:solidFill>
+                  <a:srgbClr val="5CA0CA"/>
+                </a:solidFill>
+                <a:latin typeface="Arial Rounded MT Bold" panose="020F0704030504030204" pitchFamily="34" charset="0"/>
+              </a:rPr>
+              <a:t> </a:t>
+            </a:r>
+            <a:r>
+              <a:rPr lang="en-US" sz="2000" dirty="0" err="1">
+                <a:solidFill>
+                  <a:srgbClr val="5CA0CA"/>
+                </a:solidFill>
+                <a:latin typeface="Arial Rounded MT Bold" panose="020F0704030504030204" pitchFamily="34" charset="0"/>
+              </a:rPr>
+              <a:t>terlindungi</a:t>
+            </a:r>
+            <a:endParaRPr lang="en-ID" dirty="0">
               <a:solidFill>
-                <a:srgbClr val="FF0000"/>
+                <a:srgbClr val="5CA0CA"/>
               </a:solidFill>
               <a:latin typeface="Arial Rounded MT Bold" panose="020F0704030504030204" pitchFamily="34" charset="0"/>
             </a:endParaRPr>
           </a:p>
         </p:txBody>
       </p:sp>
-      <p:sp>
-        <p:nvSpPr>
-          <p:cNvPr id="8" name="TextBox 7">
-            <a:extLst>
-              <a:ext uri="{FF2B5EF4-FFF2-40B4-BE49-F238E27FC236}">
-                <a16:creationId xmlns:a16="http://schemas.microsoft.com/office/drawing/2014/main" id="{6745FEC0-141D-47CF-AA71-B8BB6D3FCD1D}"/>
-              </a:ext>
-            </a:extLst>
-          </p:cNvPr>
-          <p:cNvSpPr txBox="1"/>
+      <p:pic>
+        <p:nvPicPr>
+          <p:cNvPr id="9" name="Picture 8">
+            <a:extLst>
+              <a:ext uri="{FF2B5EF4-FFF2-40B4-BE49-F238E27FC236}">
+                <a16:creationId xmlns:a16="http://schemas.microsoft.com/office/drawing/2014/main" id="{B342A983-44E3-4133-9DFE-6F88EB774588}"/>
+              </a:ext>
+            </a:extLst>
+          </p:cNvPr>
+          <p:cNvPicPr>
+            <a:picLocks noChangeAspect="1"/>
+          </p:cNvPicPr>
           <p:nvPr/>
-        </p:nvSpPr>
+        </p:nvPicPr>
+        <p:blipFill>
+          <a:blip r:embed="rId2">
+            <a:extLst>
+              <a:ext uri="{28A0092B-C50C-407E-A947-70E740481C1C}">
+                <a14:useLocalDpi xmlns:a14="http://schemas.microsoft.com/office/drawing/2010/main" val="0"/>
+              </a:ext>
+            </a:extLst>
+          </a:blip>
+          <a:stretch>
+            <a:fillRect/>
+          </a:stretch>
+        </p:blipFill>
         <p:spPr>
           <a:xfrm>
-            <a:off x="2051574" y="1430385"/>
-            <a:ext cx="8463654" cy="4818435"/>
+            <a:off x="3032449" y="3906837"/>
+            <a:ext cx="1791475" cy="3657600"/>
           </a:xfrm>
           <a:prstGeom prst="rect">
             <a:avLst/>
           </a:prstGeom>
-          <a:noFill/>
-        </p:spPr>
-        <p:txBody>
-          <a:bodyPr wrap="square" rtlCol="0">
-            <a:spAutoFit/>
-          </a:bodyPr>
-          <a:lstStyle/>
-          <a:p>
-            <a:pPr marL="228600">
-              <a:lnSpc>
-                <a:spcPct val="150000"/>
-              </a:lnSpc>
-              <a:spcAft>
-                <a:spcPts val="800"/>
-              </a:spcAft>
-            </a:pPr>
-            <a:r>
-              <a:rPr lang="id-ID" sz="1800" dirty="0">
-                <a:effectLst/>
-                <a:latin typeface="Times New Roman" panose="02020603050405020304" pitchFamily="18" charset="0"/>
-                <a:ea typeface="Calibri" panose="020F0502020204030204" pitchFamily="34" charset="0"/>
-                <a:cs typeface="Times New Roman" panose="02020603050405020304" pitchFamily="18" charset="0"/>
-              </a:rPr>
-              <a:t>1. </a:t>
-            </a:r>
-            <a:r>
-              <a:rPr lang="id-ID" sz="1800" b="1" dirty="0">
-                <a:effectLst/>
-                <a:latin typeface="Times New Roman" panose="02020603050405020304" pitchFamily="18" charset="0"/>
-                <a:ea typeface="Calibri" panose="020F0502020204030204" pitchFamily="34" charset="0"/>
-                <a:cs typeface="Times New Roman" panose="02020603050405020304" pitchFamily="18" charset="0"/>
-              </a:rPr>
-              <a:t>Circle image </a:t>
-            </a:r>
-            <a:r>
-              <a:rPr lang="id-ID" sz="1800" dirty="0">
-                <a:effectLst/>
-                <a:latin typeface="Times New Roman" panose="02020603050405020304" pitchFamily="18" charset="0"/>
-                <a:ea typeface="Calibri" panose="020F0502020204030204" pitchFamily="34" charset="0"/>
-                <a:cs typeface="Times New Roman" panose="02020603050405020304" pitchFamily="18" charset="0"/>
-              </a:rPr>
-              <a:t>(implementation 'de.hdodenhof:circleimageview:3.1.0')</a:t>
-            </a:r>
-            <a:endParaRPr lang="en-ID" sz="1800" dirty="0">
-              <a:effectLst/>
-              <a:latin typeface="Calibri" panose="020F0502020204030204" pitchFamily="34" charset="0"/>
-              <a:ea typeface="Calibri" panose="020F0502020204030204" pitchFamily="34" charset="0"/>
-              <a:cs typeface="Times New Roman" panose="02020603050405020304" pitchFamily="18" charset="0"/>
-            </a:endParaRPr>
-          </a:p>
-          <a:p>
-            <a:pPr marL="228600">
-              <a:lnSpc>
-                <a:spcPct val="150000"/>
-              </a:lnSpc>
-              <a:spcAft>
-                <a:spcPts val="800"/>
-              </a:spcAft>
-            </a:pPr>
-            <a:r>
-              <a:rPr lang="id-ID" sz="1800" dirty="0">
-                <a:effectLst/>
-                <a:latin typeface="Times New Roman" panose="02020603050405020304" pitchFamily="18" charset="0"/>
-                <a:ea typeface="Calibri" panose="020F0502020204030204" pitchFamily="34" charset="0"/>
-                <a:cs typeface="Times New Roman" panose="02020603050405020304" pitchFamily="18" charset="0"/>
-              </a:rPr>
-              <a:t>2. </a:t>
-            </a:r>
-            <a:r>
-              <a:rPr lang="id-ID" sz="1800" b="1" dirty="0">
-                <a:effectLst/>
-                <a:latin typeface="Times New Roman" panose="02020603050405020304" pitchFamily="18" charset="0"/>
-                <a:ea typeface="Calibri" panose="020F0502020204030204" pitchFamily="34" charset="0"/>
-                <a:cs typeface="Times New Roman" panose="02020603050405020304" pitchFamily="18" charset="0"/>
-              </a:rPr>
-              <a:t>Ripple Effect Layout </a:t>
-            </a:r>
-            <a:r>
-              <a:rPr lang="id-ID" sz="1800" dirty="0">
-                <a:effectLst/>
-                <a:latin typeface="Times New Roman" panose="02020603050405020304" pitchFamily="18" charset="0"/>
-                <a:ea typeface="Calibri" panose="020F0502020204030204" pitchFamily="34" charset="0"/>
-                <a:cs typeface="Times New Roman" panose="02020603050405020304" pitchFamily="18" charset="0"/>
-              </a:rPr>
-              <a:t>(implementation 'com.skyfishjy.ripplebackground:library:1.0.1')</a:t>
-            </a:r>
-            <a:endParaRPr lang="en-ID" sz="1800" dirty="0">
-              <a:effectLst/>
-              <a:latin typeface="Calibri" panose="020F0502020204030204" pitchFamily="34" charset="0"/>
-              <a:ea typeface="Calibri" panose="020F0502020204030204" pitchFamily="34" charset="0"/>
-              <a:cs typeface="Times New Roman" panose="02020603050405020304" pitchFamily="18" charset="0"/>
-            </a:endParaRPr>
-          </a:p>
-          <a:p>
-            <a:pPr marL="228600">
-              <a:lnSpc>
-                <a:spcPct val="150000"/>
-              </a:lnSpc>
-              <a:spcAft>
-                <a:spcPts val="800"/>
-              </a:spcAft>
-            </a:pPr>
-            <a:r>
-              <a:rPr lang="id-ID" sz="1800" dirty="0">
-                <a:effectLst/>
-                <a:latin typeface="Times New Roman" panose="02020603050405020304" pitchFamily="18" charset="0"/>
-                <a:ea typeface="Calibri" panose="020F0502020204030204" pitchFamily="34" charset="0"/>
-                <a:cs typeface="Times New Roman" panose="02020603050405020304" pitchFamily="18" charset="0"/>
-              </a:rPr>
-              <a:t>3. </a:t>
-            </a:r>
-            <a:r>
-              <a:rPr lang="id-ID" sz="1800" b="1" dirty="0">
-                <a:effectLst/>
-                <a:latin typeface="Times New Roman" panose="02020603050405020304" pitchFamily="18" charset="0"/>
-                <a:ea typeface="Calibri" panose="020F0502020204030204" pitchFamily="34" charset="0"/>
-                <a:cs typeface="Times New Roman" panose="02020603050405020304" pitchFamily="18" charset="0"/>
-              </a:rPr>
-              <a:t>Picasso</a:t>
-            </a:r>
-            <a:r>
-              <a:rPr lang="id-ID" sz="1800" dirty="0">
-                <a:effectLst/>
-                <a:latin typeface="Times New Roman" panose="02020603050405020304" pitchFamily="18" charset="0"/>
-                <a:ea typeface="Calibri" panose="020F0502020204030204" pitchFamily="34" charset="0"/>
-                <a:cs typeface="Times New Roman" panose="02020603050405020304" pitchFamily="18" charset="0"/>
-              </a:rPr>
-              <a:t> (implementation 'com.squareup.picasso:picasso:2.71828')</a:t>
-            </a:r>
-            <a:endParaRPr lang="en-ID" sz="1800" dirty="0">
-              <a:effectLst/>
-              <a:latin typeface="Calibri" panose="020F0502020204030204" pitchFamily="34" charset="0"/>
-              <a:ea typeface="Calibri" panose="020F0502020204030204" pitchFamily="34" charset="0"/>
-              <a:cs typeface="Times New Roman" panose="02020603050405020304" pitchFamily="18" charset="0"/>
-            </a:endParaRPr>
-          </a:p>
-          <a:p>
-            <a:pPr marL="228600">
-              <a:lnSpc>
-                <a:spcPct val="150000"/>
-              </a:lnSpc>
-              <a:spcAft>
-                <a:spcPts val="800"/>
-              </a:spcAft>
-            </a:pPr>
-            <a:r>
-              <a:rPr lang="id-ID" sz="1800" dirty="0">
-                <a:effectLst/>
-                <a:latin typeface="Times New Roman" panose="02020603050405020304" pitchFamily="18" charset="0"/>
-                <a:ea typeface="Calibri" panose="020F0502020204030204" pitchFamily="34" charset="0"/>
-                <a:cs typeface="Times New Roman" panose="02020603050405020304" pitchFamily="18" charset="0"/>
-              </a:rPr>
-              <a:t>4. </a:t>
-            </a:r>
-            <a:r>
-              <a:rPr lang="id-ID" sz="1800" b="1" dirty="0">
-                <a:effectLst/>
-                <a:latin typeface="Times New Roman" panose="02020603050405020304" pitchFamily="18" charset="0"/>
-                <a:ea typeface="Calibri" panose="020F0502020204030204" pitchFamily="34" charset="0"/>
-                <a:cs typeface="Times New Roman" panose="02020603050405020304" pitchFamily="18" charset="0"/>
-              </a:rPr>
-              <a:t>gooogle gms </a:t>
-            </a:r>
-            <a:r>
-              <a:rPr lang="id-ID" sz="1800" dirty="0">
-                <a:effectLst/>
-                <a:latin typeface="Times New Roman" panose="02020603050405020304" pitchFamily="18" charset="0"/>
-                <a:ea typeface="Calibri" panose="020F0502020204030204" pitchFamily="34" charset="0"/>
-                <a:cs typeface="Times New Roman" panose="02020603050405020304" pitchFamily="18" charset="0"/>
-              </a:rPr>
-              <a:t>(implementation 'com.google.android.gms:play-services-location:18.0.0')</a:t>
-            </a:r>
-            <a:endParaRPr lang="en-ID" sz="1800" dirty="0">
-              <a:effectLst/>
-              <a:latin typeface="Calibri" panose="020F0502020204030204" pitchFamily="34" charset="0"/>
-              <a:ea typeface="Calibri" panose="020F0502020204030204" pitchFamily="34" charset="0"/>
-              <a:cs typeface="Times New Roman" panose="02020603050405020304" pitchFamily="18" charset="0"/>
-            </a:endParaRPr>
-          </a:p>
-          <a:p>
-            <a:pPr marL="228600">
-              <a:lnSpc>
-                <a:spcPct val="150000"/>
-              </a:lnSpc>
-              <a:spcAft>
-                <a:spcPts val="800"/>
-              </a:spcAft>
-            </a:pPr>
-            <a:r>
-              <a:rPr lang="id-ID" sz="1800" dirty="0">
-                <a:effectLst/>
-                <a:latin typeface="Times New Roman" panose="02020603050405020304" pitchFamily="18" charset="0"/>
-                <a:ea typeface="Calibri" panose="020F0502020204030204" pitchFamily="34" charset="0"/>
-                <a:cs typeface="Times New Roman" panose="02020603050405020304" pitchFamily="18" charset="0"/>
-              </a:rPr>
-              <a:t>5. </a:t>
-            </a:r>
-            <a:r>
-              <a:rPr lang="id-ID" sz="1800" b="1" dirty="0">
-                <a:effectLst/>
-                <a:latin typeface="Times New Roman" panose="02020603050405020304" pitchFamily="18" charset="0"/>
-                <a:ea typeface="Calibri" panose="020F0502020204030204" pitchFamily="34" charset="0"/>
-                <a:cs typeface="Times New Roman" panose="02020603050405020304" pitchFamily="18" charset="0"/>
-              </a:rPr>
-              <a:t>Motion Tost</a:t>
-            </a:r>
-            <a:r>
-              <a:rPr lang="id-ID" sz="1800" dirty="0">
-                <a:effectLst/>
-                <a:latin typeface="Times New Roman" panose="02020603050405020304" pitchFamily="18" charset="0"/>
-                <a:ea typeface="Calibri" panose="020F0502020204030204" pitchFamily="34" charset="0"/>
-                <a:cs typeface="Times New Roman" panose="02020603050405020304" pitchFamily="18" charset="0"/>
-              </a:rPr>
-              <a:t> (implementation 'com.github.Spikeysanju:MotionToast:1.4')</a:t>
-            </a:r>
-            <a:endParaRPr lang="en-ID" sz="1800" dirty="0">
-              <a:effectLst/>
-              <a:latin typeface="Calibri" panose="020F0502020204030204" pitchFamily="34" charset="0"/>
-              <a:ea typeface="Calibri" panose="020F0502020204030204" pitchFamily="34" charset="0"/>
-              <a:cs typeface="Times New Roman" panose="02020603050405020304" pitchFamily="18" charset="0"/>
-            </a:endParaRPr>
-          </a:p>
-          <a:p>
-            <a:pPr marL="228600">
-              <a:lnSpc>
-                <a:spcPct val="150000"/>
-              </a:lnSpc>
-              <a:spcAft>
-                <a:spcPts val="800"/>
-              </a:spcAft>
-            </a:pPr>
-            <a:r>
-              <a:rPr lang="id-ID" sz="1800" dirty="0">
-                <a:effectLst/>
-                <a:latin typeface="Times New Roman" panose="02020603050405020304" pitchFamily="18" charset="0"/>
-                <a:ea typeface="Calibri" panose="020F0502020204030204" pitchFamily="34" charset="0"/>
-                <a:cs typeface="Times New Roman" panose="02020603050405020304" pitchFamily="18" charset="0"/>
-              </a:rPr>
-              <a:t>6. </a:t>
-            </a:r>
-            <a:r>
-              <a:rPr lang="id-ID" sz="1800" b="1" dirty="0">
-                <a:effectLst/>
-                <a:latin typeface="Times New Roman" panose="02020603050405020304" pitchFamily="18" charset="0"/>
-                <a:ea typeface="Calibri" panose="020F0502020204030204" pitchFamily="34" charset="0"/>
-                <a:cs typeface="Times New Roman" panose="02020603050405020304" pitchFamily="18" charset="0"/>
-              </a:rPr>
-              <a:t>Lottie Animation </a:t>
-            </a:r>
-            <a:r>
-              <a:rPr lang="id-ID" sz="1800" dirty="0">
-                <a:effectLst/>
-                <a:latin typeface="Times New Roman" panose="02020603050405020304" pitchFamily="18" charset="0"/>
-                <a:ea typeface="Calibri" panose="020F0502020204030204" pitchFamily="34" charset="0"/>
-                <a:cs typeface="Times New Roman" panose="02020603050405020304" pitchFamily="18" charset="0"/>
-              </a:rPr>
-              <a:t>(def lottieVersion = "3.4.0" implementation "com.airbnb.android:lottie:$lottieVersion")</a:t>
-            </a:r>
-            <a:endParaRPr lang="en-ID" sz="1800" dirty="0">
-              <a:effectLst/>
-              <a:latin typeface="Calibri" panose="020F0502020204030204" pitchFamily="34" charset="0"/>
-              <a:ea typeface="Calibri" panose="020F0502020204030204" pitchFamily="34" charset="0"/>
-              <a:cs typeface="Times New Roman" panose="02020603050405020304" pitchFamily="18" charset="0"/>
-            </a:endParaRPr>
-          </a:p>
-          <a:p>
-            <a:pPr marL="228600">
-              <a:lnSpc>
-                <a:spcPct val="150000"/>
-              </a:lnSpc>
-              <a:spcAft>
-                <a:spcPts val="800"/>
-              </a:spcAft>
-            </a:pPr>
-            <a:r>
-              <a:rPr lang="id-ID" sz="1800" dirty="0">
-                <a:effectLst/>
-                <a:latin typeface="Times New Roman" panose="02020603050405020304" pitchFamily="18" charset="0"/>
-                <a:ea typeface="Calibri" panose="020F0502020204030204" pitchFamily="34" charset="0"/>
-                <a:cs typeface="Times New Roman" panose="02020603050405020304" pitchFamily="18" charset="0"/>
-              </a:rPr>
-              <a:t>7. </a:t>
-            </a:r>
-            <a:r>
-              <a:rPr lang="id-ID" sz="1800" b="1" dirty="0">
-                <a:effectLst/>
-                <a:latin typeface="Times New Roman" panose="02020603050405020304" pitchFamily="18" charset="0"/>
-                <a:ea typeface="Calibri" panose="020F0502020204030204" pitchFamily="34" charset="0"/>
-                <a:cs typeface="Times New Roman" panose="02020603050405020304" pitchFamily="18" charset="0"/>
-              </a:rPr>
-              <a:t>Wave animations</a:t>
-            </a:r>
-            <a:r>
-              <a:rPr lang="id-ID" sz="1800" dirty="0">
-                <a:effectLst/>
-                <a:latin typeface="Times New Roman" panose="02020603050405020304" pitchFamily="18" charset="0"/>
-                <a:ea typeface="Calibri" panose="020F0502020204030204" pitchFamily="34" charset="0"/>
-                <a:cs typeface="Times New Roman" panose="02020603050405020304" pitchFamily="18" charset="0"/>
-              </a:rPr>
-              <a:t> (implementation "com.scwang.wave:MultiWaveHeader:1.0.0")</a:t>
-            </a:r>
-            <a:endParaRPr lang="en-ID" sz="1800" dirty="0">
-              <a:effectLst/>
-              <a:latin typeface="Calibri" panose="020F0502020204030204" pitchFamily="34" charset="0"/>
-              <a:ea typeface="Calibri" panose="020F0502020204030204" pitchFamily="34" charset="0"/>
-              <a:cs typeface="Times New Roman" panose="02020603050405020304" pitchFamily="18" charset="0"/>
-            </a:endParaRPr>
-          </a:p>
-        </p:txBody>
-      </p:sp>
+        </p:spPr>
+      </p:pic>
+      <p:pic>
+        <p:nvPicPr>
+          <p:cNvPr id="11" name="Picture 10">
+            <a:extLst>
+              <a:ext uri="{FF2B5EF4-FFF2-40B4-BE49-F238E27FC236}">
+                <a16:creationId xmlns:a16="http://schemas.microsoft.com/office/drawing/2014/main" id="{8EE896AB-5831-42C3-BBCA-4080347B20BF}"/>
+              </a:ext>
+            </a:extLst>
+          </p:cNvPr>
+          <p:cNvPicPr>
+            <a:picLocks noChangeAspect="1"/>
+          </p:cNvPicPr>
+          <p:nvPr/>
+        </p:nvPicPr>
+        <p:blipFill>
+          <a:blip r:embed="rId3">
+            <a:extLst>
+              <a:ext uri="{28A0092B-C50C-407E-A947-70E740481C1C}">
+                <a14:useLocalDpi xmlns:a14="http://schemas.microsoft.com/office/drawing/2010/main" val="0"/>
+              </a:ext>
+            </a:extLst>
+          </a:blip>
+          <a:stretch>
+            <a:fillRect/>
+          </a:stretch>
+        </p:blipFill>
+        <p:spPr>
+          <a:xfrm>
+            <a:off x="5403171" y="3115588"/>
+            <a:ext cx="1760460" cy="3657600"/>
+          </a:xfrm>
+          <a:prstGeom prst="rect">
+            <a:avLst/>
+          </a:prstGeom>
+        </p:spPr>
+      </p:pic>
+      <p:pic>
+        <p:nvPicPr>
+          <p:cNvPr id="13" name="Picture 12">
+            <a:extLst>
+              <a:ext uri="{FF2B5EF4-FFF2-40B4-BE49-F238E27FC236}">
+                <a16:creationId xmlns:a16="http://schemas.microsoft.com/office/drawing/2014/main" id="{2771837B-B199-4C78-BDED-562B893A319C}"/>
+              </a:ext>
+            </a:extLst>
+          </p:cNvPr>
+          <p:cNvPicPr>
+            <a:picLocks noChangeAspect="1"/>
+          </p:cNvPicPr>
+          <p:nvPr/>
+        </p:nvPicPr>
+        <p:blipFill>
+          <a:blip r:embed="rId4">
+            <a:extLst>
+              <a:ext uri="{28A0092B-C50C-407E-A947-70E740481C1C}">
+                <a14:useLocalDpi xmlns:a14="http://schemas.microsoft.com/office/drawing/2010/main" val="0"/>
+              </a:ext>
+            </a:extLst>
+          </a:blip>
+          <a:stretch>
+            <a:fillRect/>
+          </a:stretch>
+        </p:blipFill>
+        <p:spPr>
+          <a:xfrm>
+            <a:off x="7591124" y="3906837"/>
+            <a:ext cx="1791475" cy="3657600"/>
+          </a:xfrm>
+          <a:prstGeom prst="rect">
+            <a:avLst/>
+          </a:prstGeom>
+        </p:spPr>
+      </p:pic>
+      <p:pic>
+        <p:nvPicPr>
+          <p:cNvPr id="15" name="Picture 14">
+            <a:extLst>
+              <a:ext uri="{FF2B5EF4-FFF2-40B4-BE49-F238E27FC236}">
+                <a16:creationId xmlns:a16="http://schemas.microsoft.com/office/drawing/2014/main" id="{06963D39-D187-4A64-B1AF-DDCB7DE4B763}"/>
+              </a:ext>
+            </a:extLst>
+          </p:cNvPr>
+          <p:cNvPicPr>
+            <a:picLocks noChangeAspect="1"/>
+          </p:cNvPicPr>
+          <p:nvPr/>
+        </p:nvPicPr>
+        <p:blipFill>
+          <a:blip r:embed="rId5">
+            <a:extLst>
+              <a:ext uri="{28A0092B-C50C-407E-A947-70E740481C1C}">
+                <a14:useLocalDpi xmlns:a14="http://schemas.microsoft.com/office/drawing/2010/main" val="0"/>
+              </a:ext>
+            </a:extLst>
+          </a:blip>
+          <a:stretch>
+            <a:fillRect/>
+          </a:stretch>
+        </p:blipFill>
+        <p:spPr>
+          <a:xfrm>
+            <a:off x="9738797" y="3115588"/>
+            <a:ext cx="1822541" cy="3657600"/>
+          </a:xfrm>
+          <a:prstGeom prst="rect">
+            <a:avLst/>
+          </a:prstGeom>
+        </p:spPr>
+      </p:pic>
+      <p:pic>
+        <p:nvPicPr>
+          <p:cNvPr id="19" name="Picture 18">
+            <a:extLst>
+              <a:ext uri="{FF2B5EF4-FFF2-40B4-BE49-F238E27FC236}">
+                <a16:creationId xmlns:a16="http://schemas.microsoft.com/office/drawing/2014/main" id="{9BBB8DE2-28BA-4906-9729-19D71A55B2FF}"/>
+              </a:ext>
+            </a:extLst>
+          </p:cNvPr>
+          <p:cNvPicPr>
+            <a:picLocks noChangeAspect="1"/>
+          </p:cNvPicPr>
+          <p:nvPr/>
+        </p:nvPicPr>
+        <p:blipFill>
+          <a:blip r:embed="rId6">
+            <a:extLst>
+              <a:ext uri="{28A0092B-C50C-407E-A947-70E740481C1C}">
+                <a14:useLocalDpi xmlns:a14="http://schemas.microsoft.com/office/drawing/2010/main" val="0"/>
+              </a:ext>
+            </a:extLst>
+          </a:blip>
+          <a:stretch>
+            <a:fillRect/>
+          </a:stretch>
+        </p:blipFill>
+        <p:spPr>
+          <a:xfrm>
+            <a:off x="864173" y="3115588"/>
+            <a:ext cx="1761386" cy="3657600"/>
+          </a:xfrm>
+          <a:prstGeom prst="rect">
+            <a:avLst/>
+          </a:prstGeom>
+        </p:spPr>
+      </p:pic>
     </p:spTree>
     <p:extLst>
       <p:ext uri="{BB962C8B-B14F-4D97-AF65-F5344CB8AC3E}">
-        <p14:creationId xmlns:p14="http://schemas.microsoft.com/office/powerpoint/2010/main" val="322334192"/>
+        <p14:creationId xmlns:p14="http://schemas.microsoft.com/office/powerpoint/2010/main" val="139354611"/>
       </p:ext>
     </p:extLst>
   </p:cSld>
@@ -6847,98 +9282,234 @@
           <a:chExt cx="0" cy="0"/>
         </a:xfrm>
       </p:grpSpPr>
-      <p:sp>
-        <p:nvSpPr>
-          <p:cNvPr id="4" name="Title 3">
-            <a:extLst>
-              <a:ext uri="{FF2B5EF4-FFF2-40B4-BE49-F238E27FC236}">
-                <a16:creationId xmlns:a16="http://schemas.microsoft.com/office/drawing/2014/main" id="{B86B5304-236F-4316-834A-F8D9E0BD0DFF}"/>
-              </a:ext>
-            </a:extLst>
-          </p:cNvPr>
-          <p:cNvSpPr txBox="1">
-            <a:spLocks/>
-          </p:cNvSpPr>
+      <p:pic>
+        <p:nvPicPr>
+          <p:cNvPr id="30" name="Picture 29">
+            <a:extLst>
+              <a:ext uri="{FF2B5EF4-FFF2-40B4-BE49-F238E27FC236}">
+                <a16:creationId xmlns:a16="http://schemas.microsoft.com/office/drawing/2014/main" id="{12F31351-AEE5-42CD-94CE-6B8A1B0F9052}"/>
+              </a:ext>
+            </a:extLst>
+          </p:cNvPr>
+          <p:cNvPicPr>
+            <a:picLocks noChangeAspect="1"/>
+          </p:cNvPicPr>
           <p:nvPr/>
-        </p:nvSpPr>
+        </p:nvPicPr>
+        <p:blipFill>
+          <a:blip r:embed="rId2">
+            <a:extLst>
+              <a:ext uri="{28A0092B-C50C-407E-A947-70E740481C1C}">
+                <a14:useLocalDpi xmlns:a14="http://schemas.microsoft.com/office/drawing/2010/main" val="0"/>
+              </a:ext>
+            </a:extLst>
+          </a:blip>
+          <a:stretch>
+            <a:fillRect/>
+          </a:stretch>
+        </p:blipFill>
         <p:spPr>
           <a:xfrm>
-            <a:off x="2426748" y="749139"/>
-            <a:ext cx="7713306" cy="911710"/>
+            <a:off x="139310" y="3673564"/>
+            <a:ext cx="1761386" cy="3657600"/>
           </a:xfrm>
           <a:prstGeom prst="rect">
             <a:avLst/>
           </a:prstGeom>
-          <a:ln>
-            <a:noFill/>
-          </a:ln>
-        </p:spPr>
-        <p:txBody>
-          <a:bodyPr>
-            <a:normAutofit fontScale="85000" lnSpcReduction="10000"/>
-          </a:bodyPr>
-          <a:lstStyle>
-            <a:lvl1pPr algn="l" defTabSz="914400" rtl="0" eaLnBrk="1" latinLnBrk="0" hangingPunct="1">
-              <a:lnSpc>
-                <a:spcPct val="90000"/>
-              </a:lnSpc>
-              <a:spcBef>
-                <a:spcPct val="0"/>
-              </a:spcBef>
-              <a:buNone/>
-              <a:defRPr sz="4400" kern="1200">
-                <a:solidFill>
-                  <a:schemeClr val="tx1"/>
-                </a:solidFill>
-                <a:latin typeface="+mj-lt"/>
-                <a:ea typeface="+mj-ea"/>
-                <a:cs typeface="+mj-cs"/>
-              </a:defRPr>
-            </a:lvl1pPr>
-          </a:lstStyle>
-          <a:p>
-            <a:r>
-              <a:rPr lang="en-US" sz="5000" i="1" dirty="0">
-                <a:solidFill>
-                  <a:srgbClr val="5CA0CA"/>
-                </a:solidFill>
-                <a:latin typeface="Arial Rounded MT Bold" panose="020F0704030504030204" pitchFamily="34" charset="0"/>
-              </a:rPr>
-              <a:t>Dataset</a:t>
-            </a:r>
-            <a:r>
-              <a:rPr lang="en-US" sz="5000" dirty="0">
-                <a:solidFill>
-                  <a:srgbClr val="5CA0CA"/>
-                </a:solidFill>
-                <a:latin typeface="Arial Rounded MT Bold" panose="020F0704030504030204" pitchFamily="34" charset="0"/>
-              </a:rPr>
-              <a:t> yang kami </a:t>
-            </a:r>
-            <a:r>
-              <a:rPr lang="en-US" sz="5000" dirty="0" err="1">
-                <a:solidFill>
-                  <a:srgbClr val="5CA0CA"/>
-                </a:solidFill>
-                <a:latin typeface="Arial Rounded MT Bold" panose="020F0704030504030204" pitchFamily="34" charset="0"/>
-              </a:rPr>
-              <a:t>gunakan</a:t>
-            </a:r>
-            <a:endParaRPr lang="en-ID" sz="5000" i="1" dirty="0">
-              <a:solidFill>
-                <a:srgbClr val="FF0000"/>
-              </a:solidFill>
-              <a:latin typeface="Arial Rounded MT Bold" panose="020F0704030504030204" pitchFamily="34" charset="0"/>
-            </a:endParaRPr>
-          </a:p>
-        </p:txBody>
-      </p:sp>
+        </p:spPr>
+      </p:pic>
+      <p:pic>
+        <p:nvPicPr>
+          <p:cNvPr id="15" name="Picture 14">
+            <a:extLst>
+              <a:ext uri="{FF2B5EF4-FFF2-40B4-BE49-F238E27FC236}">
+                <a16:creationId xmlns:a16="http://schemas.microsoft.com/office/drawing/2014/main" id="{656D3524-02AB-4013-BBAE-F5780F1CF6E1}"/>
+              </a:ext>
+            </a:extLst>
+          </p:cNvPr>
+          <p:cNvPicPr>
+            <a:picLocks noChangeAspect="1"/>
+          </p:cNvPicPr>
+          <p:nvPr/>
+        </p:nvPicPr>
+        <p:blipFill>
+          <a:blip r:embed="rId3">
+            <a:extLst>
+              <a:ext uri="{28A0092B-C50C-407E-A947-70E740481C1C}">
+                <a14:useLocalDpi xmlns:a14="http://schemas.microsoft.com/office/drawing/2010/main" val="0"/>
+              </a:ext>
+            </a:extLst>
+          </a:blip>
+          <a:stretch>
+            <a:fillRect/>
+          </a:stretch>
+        </p:blipFill>
+        <p:spPr>
+          <a:xfrm>
+            <a:off x="93688" y="43646"/>
+            <a:ext cx="1791475" cy="3657600"/>
+          </a:xfrm>
+          <a:prstGeom prst="rect">
+            <a:avLst/>
+          </a:prstGeom>
+        </p:spPr>
+      </p:pic>
+      <p:pic>
+        <p:nvPicPr>
+          <p:cNvPr id="17" name="Picture 16">
+            <a:extLst>
+              <a:ext uri="{FF2B5EF4-FFF2-40B4-BE49-F238E27FC236}">
+                <a16:creationId xmlns:a16="http://schemas.microsoft.com/office/drawing/2014/main" id="{1109BAAE-D1FE-47EC-A0A0-FB5ECBC9E82B}"/>
+              </a:ext>
+            </a:extLst>
+          </p:cNvPr>
+          <p:cNvPicPr>
+            <a:picLocks noChangeAspect="1"/>
+          </p:cNvPicPr>
+          <p:nvPr/>
+        </p:nvPicPr>
+        <p:blipFill>
+          <a:blip r:embed="rId4">
+            <a:extLst>
+              <a:ext uri="{28A0092B-C50C-407E-A947-70E740481C1C}">
+                <a14:useLocalDpi xmlns:a14="http://schemas.microsoft.com/office/drawing/2010/main" val="0"/>
+              </a:ext>
+            </a:extLst>
+          </a:blip>
+          <a:stretch>
+            <a:fillRect/>
+          </a:stretch>
+        </p:blipFill>
+        <p:spPr>
+          <a:xfrm>
+            <a:off x="1855074" y="-883401"/>
+            <a:ext cx="1822541" cy="3657600"/>
+          </a:xfrm>
+          <a:prstGeom prst="rect">
+            <a:avLst/>
+          </a:prstGeom>
+        </p:spPr>
+      </p:pic>
+      <p:pic>
+        <p:nvPicPr>
+          <p:cNvPr id="18" name="Picture 17">
+            <a:extLst>
+              <a:ext uri="{FF2B5EF4-FFF2-40B4-BE49-F238E27FC236}">
+                <a16:creationId xmlns:a16="http://schemas.microsoft.com/office/drawing/2014/main" id="{D378B9AB-8BAF-4362-A593-538441B0907A}"/>
+              </a:ext>
+            </a:extLst>
+          </p:cNvPr>
+          <p:cNvPicPr>
+            <a:picLocks noChangeAspect="1"/>
+          </p:cNvPicPr>
+          <p:nvPr/>
+        </p:nvPicPr>
+        <p:blipFill>
+          <a:blip r:embed="rId5">
+            <a:extLst>
+              <a:ext uri="{28A0092B-C50C-407E-A947-70E740481C1C}">
+                <a14:useLocalDpi xmlns:a14="http://schemas.microsoft.com/office/drawing/2010/main" val="0"/>
+              </a:ext>
+            </a:extLst>
+          </a:blip>
+          <a:stretch>
+            <a:fillRect/>
+          </a:stretch>
+        </p:blipFill>
+        <p:spPr>
+          <a:xfrm>
+            <a:off x="1893928" y="2774199"/>
+            <a:ext cx="1760460" cy="3657600"/>
+          </a:xfrm>
+          <a:prstGeom prst="rect">
+            <a:avLst/>
+          </a:prstGeom>
+        </p:spPr>
+      </p:pic>
+      <p:pic>
+        <p:nvPicPr>
+          <p:cNvPr id="8" name="Picture 7">
+            <a:extLst>
+              <a:ext uri="{FF2B5EF4-FFF2-40B4-BE49-F238E27FC236}">
+                <a16:creationId xmlns:a16="http://schemas.microsoft.com/office/drawing/2014/main" id="{06FFEC9A-9D33-4BD5-8AB5-339A06E385FB}"/>
+              </a:ext>
+            </a:extLst>
+          </p:cNvPr>
+          <p:cNvPicPr>
+            <a:picLocks noChangeAspect="1"/>
+          </p:cNvPicPr>
+          <p:nvPr/>
+        </p:nvPicPr>
+        <p:blipFill>
+          <a:blip r:embed="rId6">
+            <a:extLst>
+              <a:ext uri="{28A0092B-C50C-407E-A947-70E740481C1C}">
+                <a14:useLocalDpi xmlns:a14="http://schemas.microsoft.com/office/drawing/2010/main" val="0"/>
+              </a:ext>
+              <a:ext uri="{837473B0-CC2E-450A-ABE3-18F120FF3D39}">
+                <a1611:picAttrSrcUrl xmlns:a1611="http://schemas.microsoft.com/office/drawing/2016/11/main" r:id="rId7"/>
+              </a:ext>
+            </a:extLst>
+          </a:blip>
+          <a:stretch>
+            <a:fillRect/>
+          </a:stretch>
+        </p:blipFill>
+        <p:spPr>
+          <a:xfrm>
+            <a:off x="6642825" y="2526263"/>
+            <a:ext cx="1607578" cy="1805473"/>
+          </a:xfrm>
+          <a:prstGeom prst="rect">
+            <a:avLst/>
+          </a:prstGeom>
+        </p:spPr>
+      </p:pic>
+      <p:pic>
+        <p:nvPicPr>
+          <p:cNvPr id="11" name="Picture 10">
+            <a:extLst>
+              <a:ext uri="{FF2B5EF4-FFF2-40B4-BE49-F238E27FC236}">
+                <a16:creationId xmlns:a16="http://schemas.microsoft.com/office/drawing/2014/main" id="{0C0305D9-D0BC-4281-8710-116CE1551579}"/>
+              </a:ext>
+            </a:extLst>
+          </p:cNvPr>
+          <p:cNvPicPr>
+            <a:picLocks noChangeAspect="1"/>
+          </p:cNvPicPr>
+          <p:nvPr/>
+        </p:nvPicPr>
+        <p:blipFill>
+          <a:blip r:embed="rId8">
+            <a:extLst>
+              <a:ext uri="{28A0092B-C50C-407E-A947-70E740481C1C}">
+                <a14:useLocalDpi xmlns:a14="http://schemas.microsoft.com/office/drawing/2010/main" val="0"/>
+              </a:ext>
+              <a:ext uri="{837473B0-CC2E-450A-ABE3-18F120FF3D39}">
+                <a1611:picAttrSrcUrl xmlns:a1611="http://schemas.microsoft.com/office/drawing/2016/11/main" r:id="rId9"/>
+              </a:ext>
+            </a:extLst>
+          </a:blip>
+          <a:stretch>
+            <a:fillRect/>
+          </a:stretch>
+        </p:blipFill>
+        <p:spPr>
+          <a:xfrm>
+            <a:off x="8116078" y="3001450"/>
+            <a:ext cx="936068" cy="936068"/>
+          </a:xfrm>
+          <a:prstGeom prst="rect">
+            <a:avLst/>
+          </a:prstGeom>
+        </p:spPr>
+      </p:pic>
       <p:sp>
         <p:nvSpPr>
-          <p:cNvPr id="8" name="TextBox 7">
-            <a:extLst>
-              <a:ext uri="{FF2B5EF4-FFF2-40B4-BE49-F238E27FC236}">
-                <a16:creationId xmlns:a16="http://schemas.microsoft.com/office/drawing/2014/main" id="{6745FEC0-141D-47CF-AA71-B8BB6D3FCD1D}"/>
+          <p:cNvPr id="22" name="TextBox 21">
+            <a:extLst>
+              <a:ext uri="{FF2B5EF4-FFF2-40B4-BE49-F238E27FC236}">
+                <a16:creationId xmlns:a16="http://schemas.microsoft.com/office/drawing/2014/main" id="{220614BC-3C6F-4B01-A380-8259E0919D32}"/>
               </a:ext>
             </a:extLst>
           </p:cNvPr>
@@ -6947,8 +9518,8 @@
         </p:nvSpPr>
         <p:spPr>
           <a:xfrm>
-            <a:off x="2051574" y="1430385"/>
-            <a:ext cx="8463654" cy="2332049"/>
+            <a:off x="4145739" y="3198166"/>
+            <a:ext cx="1760460" cy="461665"/>
           </a:xfrm>
           <a:prstGeom prst="rect">
             <a:avLst/>
@@ -6961,425 +9532,104 @@
           </a:bodyPr>
           <a:lstStyle/>
           <a:p>
-            <a:pPr marL="571500" indent="-342900">
-              <a:lnSpc>
-                <a:spcPct val="150000"/>
-              </a:lnSpc>
-              <a:spcAft>
-                <a:spcPts val="800"/>
-              </a:spcAft>
-              <a:buAutoNum type="arabicPeriod"/>
-            </a:pPr>
-            <a:r>
-              <a:rPr lang="en-US" sz="1800" b="1" dirty="0">
-                <a:solidFill>
-                  <a:srgbClr val="000000"/>
-                </a:solidFill>
-                <a:effectLst/>
-                <a:latin typeface="Times New Roman" panose="02020603050405020304" pitchFamily="18" charset="0"/>
-                <a:ea typeface="Times New Roman" panose="02020603050405020304" pitchFamily="18" charset="0"/>
-                <a:cs typeface="Times New Roman" panose="02020603050405020304" pitchFamily="18" charset="0"/>
-              </a:rPr>
-              <a:t>Logo </a:t>
-            </a:r>
-            <a:r>
-              <a:rPr lang="en-US" sz="1800" b="1" dirty="0" err="1">
-                <a:solidFill>
-                  <a:srgbClr val="000000"/>
-                </a:solidFill>
-                <a:effectLst/>
-                <a:latin typeface="Times New Roman" panose="02020603050405020304" pitchFamily="18" charset="0"/>
-                <a:ea typeface="Times New Roman" panose="02020603050405020304" pitchFamily="18" charset="0"/>
-                <a:cs typeface="Times New Roman" panose="02020603050405020304" pitchFamily="18" charset="0"/>
-              </a:rPr>
-              <a:t>kabupaten</a:t>
-            </a:r>
-            <a:r>
-              <a:rPr lang="en-US" sz="1800" b="1" dirty="0">
-                <a:solidFill>
-                  <a:srgbClr val="000000"/>
-                </a:solidFill>
-                <a:effectLst/>
-                <a:latin typeface="Times New Roman" panose="02020603050405020304" pitchFamily="18" charset="0"/>
-                <a:ea typeface="Times New Roman" panose="02020603050405020304" pitchFamily="18" charset="0"/>
-                <a:cs typeface="Times New Roman" panose="02020603050405020304" pitchFamily="18" charset="0"/>
-              </a:rPr>
-              <a:t> </a:t>
-            </a:r>
-            <a:r>
-              <a:rPr lang="en-US" sz="1800" b="1" dirty="0" err="1">
-                <a:solidFill>
-                  <a:srgbClr val="000000"/>
-                </a:solidFill>
-                <a:effectLst/>
-                <a:latin typeface="Times New Roman" panose="02020603050405020304" pitchFamily="18" charset="0"/>
-                <a:ea typeface="Times New Roman" panose="02020603050405020304" pitchFamily="18" charset="0"/>
-                <a:cs typeface="Times New Roman" panose="02020603050405020304" pitchFamily="18" charset="0"/>
-              </a:rPr>
-              <a:t>Tegal</a:t>
-            </a:r>
-            <a:r>
-              <a:rPr lang="en-US" sz="1800" dirty="0">
-                <a:solidFill>
-                  <a:srgbClr val="000000"/>
-                </a:solidFill>
-                <a:effectLst/>
-                <a:latin typeface="Times New Roman" panose="02020603050405020304" pitchFamily="18" charset="0"/>
-                <a:ea typeface="Times New Roman" panose="02020603050405020304" pitchFamily="18" charset="0"/>
-                <a:cs typeface="Times New Roman" panose="02020603050405020304" pitchFamily="18" charset="0"/>
-              </a:rPr>
-              <a:t> (</a:t>
-            </a:r>
-            <a:r>
-              <a:rPr lang="id-ID" sz="1800" u="sng" dirty="0">
-                <a:solidFill>
-                  <a:srgbClr val="0563C1"/>
-                </a:solidFill>
-                <a:effectLst/>
-                <a:latin typeface="Times New Roman" panose="02020603050405020304" pitchFamily="18" charset="0"/>
-                <a:ea typeface="Calibri" panose="020F0502020204030204" pitchFamily="34" charset="0"/>
-                <a:cs typeface="Times New Roman" panose="02020603050405020304" pitchFamily="18" charset="0"/>
-                <a:hlinkClick r:id="rId2"/>
-              </a:rPr>
-              <a:t>Logo Kabupaten Tegal (INDONESIA) Original Terbaru - rekreartive</a:t>
-            </a:r>
-            <a:r>
-              <a:rPr lang="en-US" sz="1800" dirty="0">
-                <a:solidFill>
-                  <a:srgbClr val="000000"/>
-                </a:solidFill>
-                <a:effectLst/>
-                <a:latin typeface="Times New Roman" panose="02020603050405020304" pitchFamily="18" charset="0"/>
-                <a:ea typeface="Times New Roman" panose="02020603050405020304" pitchFamily="18" charset="0"/>
-                <a:cs typeface="Times New Roman" panose="02020603050405020304" pitchFamily="18" charset="0"/>
-              </a:rPr>
-              <a:t>) (kami </a:t>
-            </a:r>
-            <a:r>
-              <a:rPr lang="en-US" sz="1800" dirty="0" err="1">
-                <a:solidFill>
-                  <a:srgbClr val="000000"/>
-                </a:solidFill>
-                <a:effectLst/>
-                <a:latin typeface="Times New Roman" panose="02020603050405020304" pitchFamily="18" charset="0"/>
-                <a:ea typeface="Times New Roman" panose="02020603050405020304" pitchFamily="18" charset="0"/>
-                <a:cs typeface="Times New Roman" panose="02020603050405020304" pitchFamily="18" charset="0"/>
-              </a:rPr>
-              <a:t>telah</a:t>
-            </a:r>
-            <a:r>
-              <a:rPr lang="en-US" sz="1800" dirty="0">
-                <a:solidFill>
-                  <a:srgbClr val="000000"/>
-                </a:solidFill>
-                <a:effectLst/>
-                <a:latin typeface="Times New Roman" panose="02020603050405020304" pitchFamily="18" charset="0"/>
-                <a:ea typeface="Times New Roman" panose="02020603050405020304" pitchFamily="18" charset="0"/>
-                <a:cs typeface="Times New Roman" panose="02020603050405020304" pitchFamily="18" charset="0"/>
-              </a:rPr>
-              <a:t> </a:t>
-            </a:r>
-            <a:r>
-              <a:rPr lang="en-US" sz="1800" dirty="0" err="1">
-                <a:solidFill>
-                  <a:srgbClr val="000000"/>
-                </a:solidFill>
-                <a:effectLst/>
-                <a:latin typeface="Times New Roman" panose="02020603050405020304" pitchFamily="18" charset="0"/>
-                <a:ea typeface="Times New Roman" panose="02020603050405020304" pitchFamily="18" charset="0"/>
-                <a:cs typeface="Times New Roman" panose="02020603050405020304" pitchFamily="18" charset="0"/>
-              </a:rPr>
-              <a:t>mendaptkan</a:t>
-            </a:r>
-            <a:r>
-              <a:rPr lang="en-US" sz="1800" dirty="0">
-                <a:solidFill>
-                  <a:srgbClr val="000000"/>
-                </a:solidFill>
-                <a:effectLst/>
-                <a:latin typeface="Times New Roman" panose="02020603050405020304" pitchFamily="18" charset="0"/>
-                <a:ea typeface="Times New Roman" panose="02020603050405020304" pitchFamily="18" charset="0"/>
-                <a:cs typeface="Times New Roman" panose="02020603050405020304" pitchFamily="18" charset="0"/>
-              </a:rPr>
-              <a:t> </a:t>
-            </a:r>
-            <a:r>
-              <a:rPr lang="en-US" sz="1800" dirty="0" err="1">
-                <a:solidFill>
-                  <a:srgbClr val="000000"/>
-                </a:solidFill>
-                <a:effectLst/>
-                <a:latin typeface="Times New Roman" panose="02020603050405020304" pitchFamily="18" charset="0"/>
-                <a:ea typeface="Times New Roman" panose="02020603050405020304" pitchFamily="18" charset="0"/>
-                <a:cs typeface="Times New Roman" panose="02020603050405020304" pitchFamily="18" charset="0"/>
-              </a:rPr>
-              <a:t>izin</a:t>
-            </a:r>
-            <a:r>
-              <a:rPr lang="en-US" sz="1800" dirty="0">
-                <a:solidFill>
-                  <a:srgbClr val="000000"/>
-                </a:solidFill>
-                <a:effectLst/>
-                <a:latin typeface="Times New Roman" panose="02020603050405020304" pitchFamily="18" charset="0"/>
-                <a:ea typeface="Times New Roman" panose="02020603050405020304" pitchFamily="18" charset="0"/>
-                <a:cs typeface="Times New Roman" panose="02020603050405020304" pitchFamily="18" charset="0"/>
-              </a:rPr>
-              <a:t> </a:t>
-            </a:r>
-            <a:r>
-              <a:rPr lang="en-US" sz="1800" dirty="0" err="1">
-                <a:solidFill>
-                  <a:srgbClr val="000000"/>
-                </a:solidFill>
-                <a:effectLst/>
-                <a:latin typeface="Times New Roman" panose="02020603050405020304" pitchFamily="18" charset="0"/>
-                <a:ea typeface="Times New Roman" panose="02020603050405020304" pitchFamily="18" charset="0"/>
-                <a:cs typeface="Times New Roman" panose="02020603050405020304" pitchFamily="18" charset="0"/>
-              </a:rPr>
-              <a:t>dari</a:t>
-            </a:r>
-            <a:r>
-              <a:rPr lang="en-US" sz="1800" dirty="0">
-                <a:solidFill>
-                  <a:srgbClr val="000000"/>
-                </a:solidFill>
-                <a:effectLst/>
-                <a:latin typeface="Times New Roman" panose="02020603050405020304" pitchFamily="18" charset="0"/>
-                <a:ea typeface="Times New Roman" panose="02020603050405020304" pitchFamily="18" charset="0"/>
-                <a:cs typeface="Times New Roman" panose="02020603050405020304" pitchFamily="18" charset="0"/>
-              </a:rPr>
-              <a:t> </a:t>
-            </a:r>
-            <a:r>
-              <a:rPr lang="en-US" sz="1800" dirty="0" err="1">
-                <a:solidFill>
-                  <a:srgbClr val="000000"/>
-                </a:solidFill>
-                <a:effectLst/>
-                <a:latin typeface="Times New Roman" panose="02020603050405020304" pitchFamily="18" charset="0"/>
-                <a:ea typeface="Times New Roman" panose="02020603050405020304" pitchFamily="18" charset="0"/>
-                <a:cs typeface="Times New Roman" panose="02020603050405020304" pitchFamily="18" charset="0"/>
-              </a:rPr>
-              <a:t>sekretariat</a:t>
-            </a:r>
-            <a:r>
-              <a:rPr lang="en-US" sz="1800" dirty="0">
-                <a:solidFill>
-                  <a:srgbClr val="000000"/>
-                </a:solidFill>
-                <a:effectLst/>
-                <a:latin typeface="Times New Roman" panose="02020603050405020304" pitchFamily="18" charset="0"/>
-                <a:ea typeface="Times New Roman" panose="02020603050405020304" pitchFamily="18" charset="0"/>
-                <a:cs typeface="Times New Roman" panose="02020603050405020304" pitchFamily="18" charset="0"/>
-              </a:rPr>
-              <a:t> </a:t>
-            </a:r>
-            <a:r>
-              <a:rPr lang="en-US" sz="1800" dirty="0" err="1">
-                <a:solidFill>
-                  <a:srgbClr val="000000"/>
-                </a:solidFill>
-                <a:effectLst/>
-                <a:latin typeface="Times New Roman" panose="02020603050405020304" pitchFamily="18" charset="0"/>
-                <a:ea typeface="Times New Roman" panose="02020603050405020304" pitchFamily="18" charset="0"/>
-                <a:cs typeface="Times New Roman" panose="02020603050405020304" pitchFamily="18" charset="0"/>
-              </a:rPr>
-              <a:t>kantor</a:t>
-            </a:r>
-            <a:r>
-              <a:rPr lang="en-US" sz="1800" dirty="0">
-                <a:solidFill>
-                  <a:srgbClr val="000000"/>
-                </a:solidFill>
-                <a:effectLst/>
-                <a:latin typeface="Times New Roman" panose="02020603050405020304" pitchFamily="18" charset="0"/>
-                <a:ea typeface="Times New Roman" panose="02020603050405020304" pitchFamily="18" charset="0"/>
-                <a:cs typeface="Times New Roman" panose="02020603050405020304" pitchFamily="18" charset="0"/>
-              </a:rPr>
-              <a:t> </a:t>
-            </a:r>
-            <a:r>
-              <a:rPr lang="en-US" sz="1800" dirty="0" err="1">
-                <a:solidFill>
-                  <a:srgbClr val="000000"/>
-                </a:solidFill>
-                <a:effectLst/>
-                <a:latin typeface="Times New Roman" panose="02020603050405020304" pitchFamily="18" charset="0"/>
-                <a:ea typeface="Times New Roman" panose="02020603050405020304" pitchFamily="18" charset="0"/>
-                <a:cs typeface="Times New Roman" panose="02020603050405020304" pitchFamily="18" charset="0"/>
-              </a:rPr>
-              <a:t>untuk</a:t>
-            </a:r>
-            <a:r>
-              <a:rPr lang="en-US" sz="1800" dirty="0">
-                <a:solidFill>
-                  <a:srgbClr val="000000"/>
-                </a:solidFill>
-                <a:effectLst/>
-                <a:latin typeface="Times New Roman" panose="02020603050405020304" pitchFamily="18" charset="0"/>
-                <a:ea typeface="Times New Roman" panose="02020603050405020304" pitchFamily="18" charset="0"/>
-                <a:cs typeface="Times New Roman" panose="02020603050405020304" pitchFamily="18" charset="0"/>
-              </a:rPr>
-              <a:t> </a:t>
-            </a:r>
-            <a:r>
-              <a:rPr lang="en-US" sz="1800" dirty="0" err="1">
-                <a:solidFill>
-                  <a:srgbClr val="000000"/>
-                </a:solidFill>
-                <a:effectLst/>
-                <a:latin typeface="Times New Roman" panose="02020603050405020304" pitchFamily="18" charset="0"/>
-                <a:ea typeface="Times New Roman" panose="02020603050405020304" pitchFamily="18" charset="0"/>
-                <a:cs typeface="Times New Roman" panose="02020603050405020304" pitchFamily="18" charset="0"/>
-              </a:rPr>
-              <a:t>mencantumkanya</a:t>
-            </a:r>
-            <a:r>
-              <a:rPr lang="en-US" sz="1800" dirty="0">
-                <a:solidFill>
-                  <a:srgbClr val="000000"/>
-                </a:solidFill>
-                <a:effectLst/>
-                <a:latin typeface="Times New Roman" panose="02020603050405020304" pitchFamily="18" charset="0"/>
-                <a:ea typeface="Times New Roman" panose="02020603050405020304" pitchFamily="18" charset="0"/>
-                <a:cs typeface="Times New Roman" panose="02020603050405020304" pitchFamily="18" charset="0"/>
-              </a:rPr>
-              <a:t> </a:t>
-            </a:r>
-            <a:r>
-              <a:rPr lang="en-US" sz="1800" dirty="0" err="1">
-                <a:solidFill>
-                  <a:srgbClr val="000000"/>
-                </a:solidFill>
-                <a:effectLst/>
-                <a:latin typeface="Times New Roman" panose="02020603050405020304" pitchFamily="18" charset="0"/>
-                <a:ea typeface="Times New Roman" panose="02020603050405020304" pitchFamily="18" charset="0"/>
-                <a:cs typeface="Times New Roman" panose="02020603050405020304" pitchFamily="18" charset="0"/>
-              </a:rPr>
-              <a:t>didalam</a:t>
-            </a:r>
-            <a:r>
-              <a:rPr lang="en-US" sz="1800" dirty="0">
-                <a:solidFill>
-                  <a:srgbClr val="000000"/>
-                </a:solidFill>
-                <a:effectLst/>
-                <a:latin typeface="Times New Roman" panose="02020603050405020304" pitchFamily="18" charset="0"/>
-                <a:ea typeface="Times New Roman" panose="02020603050405020304" pitchFamily="18" charset="0"/>
-                <a:cs typeface="Times New Roman" panose="02020603050405020304" pitchFamily="18" charset="0"/>
-              </a:rPr>
-              <a:t> </a:t>
-            </a:r>
-            <a:r>
-              <a:rPr lang="en-US" sz="1800" dirty="0" err="1">
-                <a:solidFill>
-                  <a:srgbClr val="000000"/>
-                </a:solidFill>
-                <a:effectLst/>
-                <a:latin typeface="Times New Roman" panose="02020603050405020304" pitchFamily="18" charset="0"/>
-                <a:ea typeface="Times New Roman" panose="02020603050405020304" pitchFamily="18" charset="0"/>
-                <a:cs typeface="Times New Roman" panose="02020603050405020304" pitchFamily="18" charset="0"/>
-              </a:rPr>
-              <a:t>aplikasi</a:t>
-            </a:r>
-            <a:r>
-              <a:rPr lang="en-US" sz="1800" dirty="0">
-                <a:solidFill>
-                  <a:srgbClr val="000000"/>
-                </a:solidFill>
-                <a:effectLst/>
-                <a:latin typeface="Times New Roman" panose="02020603050405020304" pitchFamily="18" charset="0"/>
-                <a:ea typeface="Times New Roman" panose="02020603050405020304" pitchFamily="18" charset="0"/>
-                <a:cs typeface="Times New Roman" panose="02020603050405020304" pitchFamily="18" charset="0"/>
-              </a:rPr>
-              <a:t> kami)</a:t>
-            </a:r>
-          </a:p>
-          <a:p>
-            <a:pPr marL="571500" indent="-342900">
-              <a:lnSpc>
-                <a:spcPct val="150000"/>
-              </a:lnSpc>
-              <a:spcAft>
-                <a:spcPts val="800"/>
-              </a:spcAft>
-              <a:buAutoNum type="arabicPeriod"/>
-            </a:pPr>
-            <a:r>
-              <a:rPr lang="en-US" b="1" dirty="0">
-                <a:solidFill>
-                  <a:srgbClr val="000000"/>
-                </a:solidFill>
-                <a:latin typeface="Times New Roman" panose="02020603050405020304" pitchFamily="18" charset="0"/>
-                <a:ea typeface="Calibri" panose="020F0502020204030204" pitchFamily="34" charset="0"/>
-                <a:cs typeface="Times New Roman" panose="02020603050405020304" pitchFamily="18" charset="0"/>
-              </a:rPr>
-              <a:t>Icon email refresh</a:t>
-            </a:r>
-            <a:r>
-              <a:rPr lang="en-US" dirty="0">
-                <a:solidFill>
-                  <a:srgbClr val="000000"/>
-                </a:solidFill>
-                <a:latin typeface="Times New Roman" panose="02020603050405020304" pitchFamily="18" charset="0"/>
-                <a:ea typeface="Calibri" panose="020F0502020204030204" pitchFamily="34" charset="0"/>
-                <a:cs typeface="Times New Roman" panose="02020603050405020304" pitchFamily="18" charset="0"/>
-              </a:rPr>
-              <a:t> (</a:t>
-            </a:r>
-            <a:r>
-              <a:rPr lang="en-US" dirty="0">
-                <a:solidFill>
-                  <a:srgbClr val="000000"/>
-                </a:solidFill>
-                <a:latin typeface="Times New Roman" panose="02020603050405020304" pitchFamily="18" charset="0"/>
-                <a:ea typeface="Calibri" panose="020F0502020204030204" pitchFamily="34" charset="0"/>
-                <a:cs typeface="Times New Roman" panose="02020603050405020304" pitchFamily="18" charset="0"/>
-                <a:hlinkClick r:id="rId3"/>
-              </a:rPr>
-              <a:t>https://icons8.com/icon/124409/refresh-mail</a:t>
-            </a:r>
-            <a:r>
-              <a:rPr lang="en-US" dirty="0">
-                <a:solidFill>
-                  <a:srgbClr val="000000"/>
-                </a:solidFill>
-                <a:latin typeface="Times New Roman" panose="02020603050405020304" pitchFamily="18" charset="0"/>
-                <a:ea typeface="Calibri" panose="020F0502020204030204" pitchFamily="34" charset="0"/>
-                <a:cs typeface="Times New Roman" panose="02020603050405020304" pitchFamily="18" charset="0"/>
-              </a:rPr>
-              <a:t>)</a:t>
-            </a:r>
-            <a:endParaRPr lang="en-ID" sz="1800" dirty="0">
-              <a:effectLst/>
-              <a:latin typeface="Calibri" panose="020F0502020204030204" pitchFamily="34" charset="0"/>
-              <a:ea typeface="Calibri" panose="020F0502020204030204" pitchFamily="34" charset="0"/>
-              <a:cs typeface="Times New Roman" panose="02020603050405020304" pitchFamily="18" charset="0"/>
-            </a:endParaRPr>
-          </a:p>
-          <a:p>
-            <a:pPr marL="228600">
-              <a:lnSpc>
-                <a:spcPct val="150000"/>
-              </a:lnSpc>
-              <a:spcAft>
-                <a:spcPts val="800"/>
-              </a:spcAft>
-            </a:pPr>
-            <a:endParaRPr lang="en-ID" sz="1800" dirty="0">
-              <a:effectLst/>
-              <a:latin typeface="Calibri" panose="020F0502020204030204" pitchFamily="34" charset="0"/>
-              <a:ea typeface="Calibri" panose="020F0502020204030204" pitchFamily="34" charset="0"/>
-              <a:cs typeface="Times New Roman" panose="02020603050405020304" pitchFamily="18" charset="0"/>
+            <a:pPr algn="ctr"/>
+            <a:r>
+              <a:rPr lang="en-US" sz="2400" dirty="0">
+                <a:latin typeface="Arial Rounded MT Bold" panose="020F0704030504030204" pitchFamily="34" charset="0"/>
+              </a:rPr>
+              <a:t>Build with </a:t>
+            </a:r>
+            <a:endParaRPr lang="en-ID" sz="2400" dirty="0">
+              <a:latin typeface="Arial Rounded MT Bold" panose="020F0704030504030204" pitchFamily="34" charset="0"/>
             </a:endParaRPr>
           </a:p>
         </p:txBody>
       </p:sp>
+      <p:cxnSp>
+        <p:nvCxnSpPr>
+          <p:cNvPr id="19" name="Straight Arrow Connector 18">
+            <a:extLst>
+              <a:ext uri="{FF2B5EF4-FFF2-40B4-BE49-F238E27FC236}">
+                <a16:creationId xmlns:a16="http://schemas.microsoft.com/office/drawing/2014/main" id="{A8A3DB55-BCD0-4574-AA09-B58C11E31C85}"/>
+              </a:ext>
+            </a:extLst>
+          </p:cNvPr>
+          <p:cNvCxnSpPr>
+            <a:stCxn id="22" idx="3"/>
+            <a:endCxn id="8" idx="1"/>
+          </p:cNvCxnSpPr>
+          <p:nvPr/>
+        </p:nvCxnSpPr>
+        <p:spPr>
+          <a:xfrm>
+            <a:off x="5906199" y="3428999"/>
+            <a:ext cx="736626" cy="1"/>
+          </a:xfrm>
+          <a:prstGeom prst="straightConnector1">
+            <a:avLst/>
+          </a:prstGeom>
+          <a:ln>
+            <a:tailEnd type="triangle"/>
+          </a:ln>
+        </p:spPr>
+        <p:style>
+          <a:lnRef idx="3">
+            <a:schemeClr val="dk1"/>
+          </a:lnRef>
+          <a:fillRef idx="0">
+            <a:schemeClr val="dk1"/>
+          </a:fillRef>
+          <a:effectRef idx="2">
+            <a:schemeClr val="dk1"/>
+          </a:effectRef>
+          <a:fontRef idx="minor">
+            <a:schemeClr val="tx1"/>
+          </a:fontRef>
+        </p:style>
+      </p:cxnSp>
+      <p:pic>
+        <p:nvPicPr>
+          <p:cNvPr id="24" name="Picture 23">
+            <a:extLst>
+              <a:ext uri="{FF2B5EF4-FFF2-40B4-BE49-F238E27FC236}">
+                <a16:creationId xmlns:a16="http://schemas.microsoft.com/office/drawing/2014/main" id="{3BBC5BCF-56B9-4FBD-974E-19BB97F96B3F}"/>
+              </a:ext>
+            </a:extLst>
+          </p:cNvPr>
+          <p:cNvPicPr>
+            <a:picLocks noChangeAspect="1"/>
+          </p:cNvPicPr>
+          <p:nvPr/>
+        </p:nvPicPr>
+        <p:blipFill>
+          <a:blip r:embed="rId10">
+            <a:extLst>
+              <a:ext uri="{28A0092B-C50C-407E-A947-70E740481C1C}">
+                <a14:useLocalDpi xmlns:a14="http://schemas.microsoft.com/office/drawing/2010/main" val="0"/>
+              </a:ext>
+              <a:ext uri="{837473B0-CC2E-450A-ABE3-18F120FF3D39}">
+                <a1611:picAttrSrcUrl xmlns:a1611="http://schemas.microsoft.com/office/drawing/2016/11/main" r:id="rId11"/>
+              </a:ext>
+            </a:extLst>
+          </a:blip>
+          <a:stretch>
+            <a:fillRect/>
+          </a:stretch>
+        </p:blipFill>
+        <p:spPr>
+          <a:xfrm>
+            <a:off x="8753004" y="2526262"/>
+            <a:ext cx="3438996" cy="1805473"/>
+          </a:xfrm>
+          <a:prstGeom prst="rect">
+            <a:avLst/>
+          </a:prstGeom>
+        </p:spPr>
+      </p:pic>
     </p:spTree>
     <p:extLst>
       <p:ext uri="{BB962C8B-B14F-4D97-AF65-F5344CB8AC3E}">
-        <p14:creationId xmlns:p14="http://schemas.microsoft.com/office/powerpoint/2010/main" val="2020297008"/>
+        <p14:creationId xmlns:p14="http://schemas.microsoft.com/office/powerpoint/2010/main" val="4076319707"/>
       </p:ext>
     </p:extLst>
   </p:cSld>
@@ -7398,12 +9648,402 @@
       </p:transition>
     </mc:Fallback>
   </mc:AlternateContent>
+  <p:timing>
+    <p:tnLst>
+      <p:par>
+        <p:cTn id="1" dur="indefinite" restart="never" nodeType="tmRoot">
+          <p:childTnLst>
+            <p:seq concurrent="1" nextAc="seek">
+              <p:cTn id="2" dur="indefinite" nodeType="mainSeq">
+                <p:childTnLst>
+                  <p:par>
+                    <p:cTn id="3" fill="hold">
+                      <p:stCondLst>
+                        <p:cond delay="indefinite"/>
+                      </p:stCondLst>
+                      <p:childTnLst>
+                        <p:par>
+                          <p:cTn id="4" fill="hold">
+                            <p:stCondLst>
+                              <p:cond delay="0"/>
+                            </p:stCondLst>
+                            <p:childTnLst>
+                              <p:par>
+                                <p:cTn id="5" presetID="10" presetClass="entr" presetSubtype="0" fill="hold" grpId="0" nodeType="clickEffect">
+                                  <p:stCondLst>
+                                    <p:cond delay="0"/>
+                                  </p:stCondLst>
+                                  <p:childTnLst>
+                                    <p:set>
+                                      <p:cBhvr>
+                                        <p:cTn id="6" dur="1" fill="hold">
+                                          <p:stCondLst>
+                                            <p:cond delay="0"/>
+                                          </p:stCondLst>
+                                        </p:cTn>
+                                        <p:tgtEl>
+                                          <p:spTgt spid="22"/>
+                                        </p:tgtEl>
+                                        <p:attrNameLst>
+                                          <p:attrName>style.visibility</p:attrName>
+                                        </p:attrNameLst>
+                                      </p:cBhvr>
+                                      <p:to>
+                                        <p:strVal val="visible"/>
+                                      </p:to>
+                                    </p:set>
+                                    <p:animEffect transition="in" filter="fade">
+                                      <p:cBhvr>
+                                        <p:cTn id="7" dur="500"/>
+                                        <p:tgtEl>
+                                          <p:spTgt spid="22"/>
+                                        </p:tgtEl>
+                                      </p:cBhvr>
+                                    </p:animEffect>
+                                  </p:childTnLst>
+                                </p:cTn>
+                              </p:par>
+                              <p:par>
+                                <p:cTn id="8" presetID="10" presetClass="entr" presetSubtype="0" fill="hold" nodeType="withEffect">
+                                  <p:stCondLst>
+                                    <p:cond delay="0"/>
+                                  </p:stCondLst>
+                                  <p:childTnLst>
+                                    <p:set>
+                                      <p:cBhvr>
+                                        <p:cTn id="9" dur="1" fill="hold">
+                                          <p:stCondLst>
+                                            <p:cond delay="0"/>
+                                          </p:stCondLst>
+                                        </p:cTn>
+                                        <p:tgtEl>
+                                          <p:spTgt spid="19"/>
+                                        </p:tgtEl>
+                                        <p:attrNameLst>
+                                          <p:attrName>style.visibility</p:attrName>
+                                        </p:attrNameLst>
+                                      </p:cBhvr>
+                                      <p:to>
+                                        <p:strVal val="visible"/>
+                                      </p:to>
+                                    </p:set>
+                                    <p:animEffect transition="in" filter="fade">
+                                      <p:cBhvr>
+                                        <p:cTn id="10" dur="500"/>
+                                        <p:tgtEl>
+                                          <p:spTgt spid="19"/>
+                                        </p:tgtEl>
+                                      </p:cBhvr>
+                                    </p:animEffect>
+                                  </p:childTnLst>
+                                </p:cTn>
+                              </p:par>
+                            </p:childTnLst>
+                          </p:cTn>
+                        </p:par>
+                      </p:childTnLst>
+                    </p:cTn>
+                  </p:par>
+                  <p:par>
+                    <p:cTn id="11" fill="hold">
+                      <p:stCondLst>
+                        <p:cond delay="indefinite"/>
+                      </p:stCondLst>
+                      <p:childTnLst>
+                        <p:par>
+                          <p:cTn id="12" fill="hold">
+                            <p:stCondLst>
+                              <p:cond delay="0"/>
+                            </p:stCondLst>
+                            <p:childTnLst>
+                              <p:par>
+                                <p:cTn id="13" presetID="42" presetClass="entr" presetSubtype="0" fill="hold" nodeType="clickEffect">
+                                  <p:stCondLst>
+                                    <p:cond delay="0"/>
+                                  </p:stCondLst>
+                                  <p:childTnLst>
+                                    <p:set>
+                                      <p:cBhvr>
+                                        <p:cTn id="14" dur="1" fill="hold">
+                                          <p:stCondLst>
+                                            <p:cond delay="0"/>
+                                          </p:stCondLst>
+                                        </p:cTn>
+                                        <p:tgtEl>
+                                          <p:spTgt spid="8"/>
+                                        </p:tgtEl>
+                                        <p:attrNameLst>
+                                          <p:attrName>style.visibility</p:attrName>
+                                        </p:attrNameLst>
+                                      </p:cBhvr>
+                                      <p:to>
+                                        <p:strVal val="visible"/>
+                                      </p:to>
+                                    </p:set>
+                                    <p:animEffect transition="in" filter="fade">
+                                      <p:cBhvr>
+                                        <p:cTn id="15" dur="1000"/>
+                                        <p:tgtEl>
+                                          <p:spTgt spid="8"/>
+                                        </p:tgtEl>
+                                      </p:cBhvr>
+                                    </p:animEffect>
+                                    <p:anim calcmode="lin" valueType="num">
+                                      <p:cBhvr>
+                                        <p:cTn id="16" dur="1000" fill="hold"/>
+                                        <p:tgtEl>
+                                          <p:spTgt spid="8"/>
+                                        </p:tgtEl>
+                                        <p:attrNameLst>
+                                          <p:attrName>ppt_x</p:attrName>
+                                        </p:attrNameLst>
+                                      </p:cBhvr>
+                                      <p:tavLst>
+                                        <p:tav tm="0">
+                                          <p:val>
+                                            <p:strVal val="#ppt_x"/>
+                                          </p:val>
+                                        </p:tav>
+                                        <p:tav tm="100000">
+                                          <p:val>
+                                            <p:strVal val="#ppt_x"/>
+                                          </p:val>
+                                        </p:tav>
+                                      </p:tavLst>
+                                    </p:anim>
+                                    <p:anim calcmode="lin" valueType="num">
+                                      <p:cBhvr>
+                                        <p:cTn id="17" dur="1000" fill="hold"/>
+                                        <p:tgtEl>
+                                          <p:spTgt spid="8"/>
+                                        </p:tgtEl>
+                                        <p:attrNameLst>
+                                          <p:attrName>ppt_y</p:attrName>
+                                        </p:attrNameLst>
+                                      </p:cBhvr>
+                                      <p:tavLst>
+                                        <p:tav tm="0">
+                                          <p:val>
+                                            <p:strVal val="#ppt_y+.1"/>
+                                          </p:val>
+                                        </p:tav>
+                                        <p:tav tm="100000">
+                                          <p:val>
+                                            <p:strVal val="#ppt_y"/>
+                                          </p:val>
+                                        </p:tav>
+                                      </p:tavLst>
+                                    </p:anim>
+                                  </p:childTnLst>
+                                </p:cTn>
+                              </p:par>
+                              <p:par>
+                                <p:cTn id="18" presetID="42" presetClass="entr" presetSubtype="0" fill="hold" nodeType="withEffect">
+                                  <p:stCondLst>
+                                    <p:cond delay="0"/>
+                                  </p:stCondLst>
+                                  <p:childTnLst>
+                                    <p:set>
+                                      <p:cBhvr>
+                                        <p:cTn id="19" dur="1" fill="hold">
+                                          <p:stCondLst>
+                                            <p:cond delay="0"/>
+                                          </p:stCondLst>
+                                        </p:cTn>
+                                        <p:tgtEl>
+                                          <p:spTgt spid="11"/>
+                                        </p:tgtEl>
+                                        <p:attrNameLst>
+                                          <p:attrName>style.visibility</p:attrName>
+                                        </p:attrNameLst>
+                                      </p:cBhvr>
+                                      <p:to>
+                                        <p:strVal val="visible"/>
+                                      </p:to>
+                                    </p:set>
+                                    <p:animEffect transition="in" filter="fade">
+                                      <p:cBhvr>
+                                        <p:cTn id="20" dur="1000"/>
+                                        <p:tgtEl>
+                                          <p:spTgt spid="11"/>
+                                        </p:tgtEl>
+                                      </p:cBhvr>
+                                    </p:animEffect>
+                                    <p:anim calcmode="lin" valueType="num">
+                                      <p:cBhvr>
+                                        <p:cTn id="21" dur="1000" fill="hold"/>
+                                        <p:tgtEl>
+                                          <p:spTgt spid="11"/>
+                                        </p:tgtEl>
+                                        <p:attrNameLst>
+                                          <p:attrName>ppt_x</p:attrName>
+                                        </p:attrNameLst>
+                                      </p:cBhvr>
+                                      <p:tavLst>
+                                        <p:tav tm="0">
+                                          <p:val>
+                                            <p:strVal val="#ppt_x"/>
+                                          </p:val>
+                                        </p:tav>
+                                        <p:tav tm="100000">
+                                          <p:val>
+                                            <p:strVal val="#ppt_x"/>
+                                          </p:val>
+                                        </p:tav>
+                                      </p:tavLst>
+                                    </p:anim>
+                                    <p:anim calcmode="lin" valueType="num">
+                                      <p:cBhvr>
+                                        <p:cTn id="22" dur="1000" fill="hold"/>
+                                        <p:tgtEl>
+                                          <p:spTgt spid="11"/>
+                                        </p:tgtEl>
+                                        <p:attrNameLst>
+                                          <p:attrName>ppt_y</p:attrName>
+                                        </p:attrNameLst>
+                                      </p:cBhvr>
+                                      <p:tavLst>
+                                        <p:tav tm="0">
+                                          <p:val>
+                                            <p:strVal val="#ppt_y+.1"/>
+                                          </p:val>
+                                        </p:tav>
+                                        <p:tav tm="100000">
+                                          <p:val>
+                                            <p:strVal val="#ppt_y"/>
+                                          </p:val>
+                                        </p:tav>
+                                      </p:tavLst>
+                                    </p:anim>
+                                  </p:childTnLst>
+                                </p:cTn>
+                              </p:par>
+                              <p:par>
+                                <p:cTn id="23" presetID="42" presetClass="entr" presetSubtype="0" fill="hold" nodeType="withEffect">
+                                  <p:stCondLst>
+                                    <p:cond delay="0"/>
+                                  </p:stCondLst>
+                                  <p:childTnLst>
+                                    <p:set>
+                                      <p:cBhvr>
+                                        <p:cTn id="24" dur="1" fill="hold">
+                                          <p:stCondLst>
+                                            <p:cond delay="0"/>
+                                          </p:stCondLst>
+                                        </p:cTn>
+                                        <p:tgtEl>
+                                          <p:spTgt spid="24"/>
+                                        </p:tgtEl>
+                                        <p:attrNameLst>
+                                          <p:attrName>style.visibility</p:attrName>
+                                        </p:attrNameLst>
+                                      </p:cBhvr>
+                                      <p:to>
+                                        <p:strVal val="visible"/>
+                                      </p:to>
+                                    </p:set>
+                                    <p:animEffect transition="in" filter="fade">
+                                      <p:cBhvr>
+                                        <p:cTn id="25" dur="1000"/>
+                                        <p:tgtEl>
+                                          <p:spTgt spid="24"/>
+                                        </p:tgtEl>
+                                      </p:cBhvr>
+                                    </p:animEffect>
+                                    <p:anim calcmode="lin" valueType="num">
+                                      <p:cBhvr>
+                                        <p:cTn id="26" dur="1000" fill="hold"/>
+                                        <p:tgtEl>
+                                          <p:spTgt spid="24"/>
+                                        </p:tgtEl>
+                                        <p:attrNameLst>
+                                          <p:attrName>ppt_x</p:attrName>
+                                        </p:attrNameLst>
+                                      </p:cBhvr>
+                                      <p:tavLst>
+                                        <p:tav tm="0">
+                                          <p:val>
+                                            <p:strVal val="#ppt_x"/>
+                                          </p:val>
+                                        </p:tav>
+                                        <p:tav tm="100000">
+                                          <p:val>
+                                            <p:strVal val="#ppt_x"/>
+                                          </p:val>
+                                        </p:tav>
+                                      </p:tavLst>
+                                    </p:anim>
+                                    <p:anim calcmode="lin" valueType="num">
+                                      <p:cBhvr>
+                                        <p:cTn id="27" dur="1000" fill="hold"/>
+                                        <p:tgtEl>
+                                          <p:spTgt spid="24"/>
+                                        </p:tgtEl>
+                                        <p:attrNameLst>
+                                          <p:attrName>ppt_y</p:attrName>
+                                        </p:attrNameLst>
+                                      </p:cBhvr>
+                                      <p:tavLst>
+                                        <p:tav tm="0">
+                                          <p:val>
+                                            <p:strVal val="#ppt_y+.1"/>
+                                          </p:val>
+                                        </p:tav>
+                                        <p:tav tm="100000">
+                                          <p:val>
+                                            <p:strVal val="#ppt_y"/>
+                                          </p:val>
+                                        </p:tav>
+                                      </p:tavLst>
+                                    </p:anim>
+                                  </p:childTnLst>
+                                </p:cTn>
+                              </p:par>
+                            </p:childTnLst>
+                          </p:cTn>
+                        </p:par>
+                      </p:childTnLst>
+                    </p:cTn>
+                  </p:par>
+                </p:childTnLst>
+              </p:cTn>
+              <p:prevCondLst>
+                <p:cond evt="onPrev" delay="0">
+                  <p:tgtEl>
+                    <p:sldTgt/>
+                  </p:tgtEl>
+                </p:cond>
+              </p:prevCondLst>
+              <p:nextCondLst>
+                <p:cond evt="onNext" delay="0">
+                  <p:tgtEl>
+                    <p:sldTgt/>
+                  </p:tgtEl>
+                </p:cond>
+              </p:nextCondLst>
+            </p:seq>
+          </p:childTnLst>
+        </p:cTn>
+      </p:par>
+    </p:tnLst>
+    <p:bldLst>
+      <p:bldP spid="22" grpId="0"/>
+    </p:bldLst>
+  </p:timing>
 </p:sld>
 </file>
 
 <file path=ppt/slides/slide9.xml><?xml version="1.0" encoding="utf-8"?>
 <p:sld xmlns:a="http://schemas.openxmlformats.org/drawingml/2006/main" xmlns:r="http://schemas.openxmlformats.org/officeDocument/2006/relationships" xmlns:p="http://schemas.openxmlformats.org/presentationml/2006/main">
   <p:cSld>
+    <p:bg>
+      <p:bgPr>
+        <a:solidFill>
+          <a:srgbClr val="5CA0CA"/>
+        </a:solidFill>
+        <a:effectLst/>
+      </p:bgPr>
+    </p:bg>
     <p:spTree>
       <p:nvGrpSpPr>
         <p:cNvPr id="1" name=""/>
@@ -7449,24 +10089,382 @@
             <a:r>
               <a:rPr lang="en-US" dirty="0">
                 <a:solidFill>
-                  <a:srgbClr val="5CA0CA"/>
+                  <a:schemeClr val="bg1"/>
                 </a:solidFill>
                 <a:latin typeface="Arial Rounded MT Bold" panose="020F0704030504030204" pitchFamily="34" charset="0"/>
               </a:rPr>
-              <a:t>Demo </a:t>
-            </a:r>
-            <a:r>
-              <a:rPr lang="en-US" dirty="0" err="1">
+              <a:t>FILOSOFI WARNA</a:t>
+            </a:r>
+            <a:endParaRPr lang="en-ID" dirty="0">
+              <a:solidFill>
+                <a:schemeClr val="bg1"/>
+              </a:solidFill>
+              <a:latin typeface="Arial Rounded MT Bold" panose="020F0704030504030204" pitchFamily="34" charset="0"/>
+            </a:endParaRPr>
+          </a:p>
+        </p:txBody>
+      </p:sp>
+      <p:cxnSp>
+        <p:nvCxnSpPr>
+          <p:cNvPr id="3" name="Straight Arrow Connector 2">
+            <a:extLst>
+              <a:ext uri="{FF2B5EF4-FFF2-40B4-BE49-F238E27FC236}">
+                <a16:creationId xmlns:a16="http://schemas.microsoft.com/office/drawing/2014/main" id="{D52AE956-EA7D-4624-BDF1-9FFB2AE37534}"/>
+              </a:ext>
+            </a:extLst>
+          </p:cNvPr>
+          <p:cNvCxnSpPr>
+            <a:cxnSpLocks/>
+            <a:endCxn id="10" idx="2"/>
+          </p:cNvCxnSpPr>
+          <p:nvPr/>
+        </p:nvCxnSpPr>
+        <p:spPr>
+          <a:xfrm flipH="1" flipV="1">
+            <a:off x="3729684" y="2689161"/>
+            <a:ext cx="1635144" cy="1372780"/>
+          </a:xfrm>
+          <a:prstGeom prst="straightConnector1">
+            <a:avLst/>
+          </a:prstGeom>
+          <a:ln>
+            <a:solidFill>
+              <a:schemeClr val="bg1"/>
+            </a:solidFill>
+            <a:tailEnd type="triangle"/>
+          </a:ln>
+        </p:spPr>
+        <p:style>
+          <a:lnRef idx="3">
+            <a:schemeClr val="accent1"/>
+          </a:lnRef>
+          <a:fillRef idx="0">
+            <a:schemeClr val="accent1"/>
+          </a:fillRef>
+          <a:effectRef idx="2">
+            <a:schemeClr val="accent1"/>
+          </a:effectRef>
+          <a:fontRef idx="minor">
+            <a:schemeClr val="tx1"/>
+          </a:fontRef>
+        </p:style>
+      </p:cxnSp>
+      <p:sp>
+        <p:nvSpPr>
+          <p:cNvPr id="10" name="TextBox 9">
+            <a:extLst>
+              <a:ext uri="{FF2B5EF4-FFF2-40B4-BE49-F238E27FC236}">
+                <a16:creationId xmlns:a16="http://schemas.microsoft.com/office/drawing/2014/main" id="{4DC83F5E-BD41-4CD4-940E-9359F7C8E75B}"/>
+              </a:ext>
+            </a:extLst>
+          </p:cNvPr>
+          <p:cNvSpPr txBox="1"/>
+          <p:nvPr/>
+        </p:nvSpPr>
+        <p:spPr>
+          <a:xfrm>
+            <a:off x="2339422" y="1858164"/>
+            <a:ext cx="2780523" cy="830997"/>
+          </a:xfrm>
+          <a:prstGeom prst="rect">
+            <a:avLst/>
+          </a:prstGeom>
+          <a:noFill/>
+        </p:spPr>
+        <p:txBody>
+          <a:bodyPr wrap="square" rtlCol="0">
+            <a:spAutoFit/>
+          </a:bodyPr>
+          <a:lstStyle/>
+          <a:p>
+            <a:pPr algn="ctr"/>
+            <a:r>
+              <a:rPr lang="en-US" sz="2400" dirty="0">
                 <a:solidFill>
-                  <a:srgbClr val="5CA0CA"/>
+                  <a:schemeClr val="bg1"/>
                 </a:solidFill>
                 <a:latin typeface="Arial Rounded MT Bold" panose="020F0704030504030204" pitchFamily="34" charset="0"/>
               </a:rPr>
-              <a:t>aplikasi</a:t>
-            </a:r>
-            <a:endParaRPr lang="en-ID" dirty="0">
+              <a:t>DAPAT DIANDALKAN</a:t>
+            </a:r>
+            <a:endParaRPr lang="en-ID" sz="2400" dirty="0">
               <a:solidFill>
-                <a:srgbClr val="5CA0CA"/>
+                <a:schemeClr val="bg1"/>
+              </a:solidFill>
+              <a:latin typeface="Arial Rounded MT Bold" panose="020F0704030504030204" pitchFamily="34" charset="0"/>
+            </a:endParaRPr>
+          </a:p>
+        </p:txBody>
+      </p:sp>
+      <p:cxnSp>
+        <p:nvCxnSpPr>
+          <p:cNvPr id="6" name="Straight Arrow Connector 5">
+            <a:extLst>
+              <a:ext uri="{FF2B5EF4-FFF2-40B4-BE49-F238E27FC236}">
+                <a16:creationId xmlns:a16="http://schemas.microsoft.com/office/drawing/2014/main" id="{0A8E5C54-0BE1-48E7-8529-25BA3BD3066C}"/>
+              </a:ext>
+            </a:extLst>
+          </p:cNvPr>
+          <p:cNvCxnSpPr>
+            <a:cxnSpLocks/>
+            <a:endCxn id="14" idx="0"/>
+          </p:cNvCxnSpPr>
+          <p:nvPr/>
+        </p:nvCxnSpPr>
+        <p:spPr>
+          <a:xfrm flipH="1">
+            <a:off x="3909528" y="4061941"/>
+            <a:ext cx="1455300" cy="1129841"/>
+          </a:xfrm>
+          <a:prstGeom prst="straightConnector1">
+            <a:avLst/>
+          </a:prstGeom>
+          <a:ln>
+            <a:solidFill>
+              <a:schemeClr val="bg1"/>
+            </a:solidFill>
+            <a:tailEnd type="triangle"/>
+          </a:ln>
+        </p:spPr>
+        <p:style>
+          <a:lnRef idx="3">
+            <a:schemeClr val="accent1"/>
+          </a:lnRef>
+          <a:fillRef idx="0">
+            <a:schemeClr val="accent1"/>
+          </a:fillRef>
+          <a:effectRef idx="2">
+            <a:schemeClr val="accent1"/>
+          </a:effectRef>
+          <a:fontRef idx="minor">
+            <a:schemeClr val="tx1"/>
+          </a:fontRef>
+        </p:style>
+      </p:cxnSp>
+      <p:sp>
+        <p:nvSpPr>
+          <p:cNvPr id="14" name="TextBox 13">
+            <a:extLst>
+              <a:ext uri="{FF2B5EF4-FFF2-40B4-BE49-F238E27FC236}">
+                <a16:creationId xmlns:a16="http://schemas.microsoft.com/office/drawing/2014/main" id="{D0E6D0FD-3A4F-4A38-8304-CDF9307A98C9}"/>
+              </a:ext>
+            </a:extLst>
+          </p:cNvPr>
+          <p:cNvSpPr txBox="1"/>
+          <p:nvPr/>
+        </p:nvSpPr>
+        <p:spPr>
+          <a:xfrm>
+            <a:off x="2519266" y="5191782"/>
+            <a:ext cx="2780523" cy="830997"/>
+          </a:xfrm>
+          <a:prstGeom prst="rect">
+            <a:avLst/>
+          </a:prstGeom>
+          <a:noFill/>
+        </p:spPr>
+        <p:txBody>
+          <a:bodyPr wrap="square" rtlCol="0">
+            <a:spAutoFit/>
+          </a:bodyPr>
+          <a:lstStyle/>
+          <a:p>
+            <a:pPr algn="ctr"/>
+            <a:r>
+              <a:rPr lang="en-US" sz="2400" dirty="0">
+                <a:solidFill>
+                  <a:schemeClr val="bg1"/>
+                </a:solidFill>
+                <a:latin typeface="Arial Rounded MT Bold" panose="020F0704030504030204" pitchFamily="34" charset="0"/>
+              </a:rPr>
+              <a:t>BERTANGGUNG JAWAB</a:t>
+            </a:r>
+            <a:endParaRPr lang="en-ID" sz="2400" dirty="0">
+              <a:solidFill>
+                <a:schemeClr val="bg1"/>
+              </a:solidFill>
+              <a:latin typeface="Arial Rounded MT Bold" panose="020F0704030504030204" pitchFamily="34" charset="0"/>
+            </a:endParaRPr>
+          </a:p>
+        </p:txBody>
+      </p:sp>
+      <p:cxnSp>
+        <p:nvCxnSpPr>
+          <p:cNvPr id="12" name="Straight Arrow Connector 11">
+            <a:extLst>
+              <a:ext uri="{FF2B5EF4-FFF2-40B4-BE49-F238E27FC236}">
+                <a16:creationId xmlns:a16="http://schemas.microsoft.com/office/drawing/2014/main" id="{5F058929-D4FD-4F22-B163-9F5DBE32F62F}"/>
+              </a:ext>
+            </a:extLst>
+          </p:cNvPr>
+          <p:cNvCxnSpPr>
+            <a:cxnSpLocks/>
+            <a:endCxn id="16" idx="2"/>
+          </p:cNvCxnSpPr>
+          <p:nvPr/>
+        </p:nvCxnSpPr>
+        <p:spPr>
+          <a:xfrm flipV="1">
+            <a:off x="7072055" y="2504496"/>
+            <a:ext cx="1462346" cy="1557445"/>
+          </a:xfrm>
+          <a:prstGeom prst="straightConnector1">
+            <a:avLst/>
+          </a:prstGeom>
+          <a:ln>
+            <a:solidFill>
+              <a:schemeClr val="bg1"/>
+            </a:solidFill>
+            <a:tailEnd type="triangle"/>
+          </a:ln>
+        </p:spPr>
+        <p:style>
+          <a:lnRef idx="3">
+            <a:schemeClr val="accent1"/>
+          </a:lnRef>
+          <a:fillRef idx="0">
+            <a:schemeClr val="accent1"/>
+          </a:fillRef>
+          <a:effectRef idx="2">
+            <a:schemeClr val="accent1"/>
+          </a:effectRef>
+          <a:fontRef idx="minor">
+            <a:schemeClr val="tx1"/>
+          </a:fontRef>
+        </p:style>
+      </p:cxnSp>
+      <p:sp>
+        <p:nvSpPr>
+          <p:cNvPr id="16" name="TextBox 15">
+            <a:extLst>
+              <a:ext uri="{FF2B5EF4-FFF2-40B4-BE49-F238E27FC236}">
+                <a16:creationId xmlns:a16="http://schemas.microsoft.com/office/drawing/2014/main" id="{740E0CA3-177F-4AF7-B928-820600DEAD22}"/>
+              </a:ext>
+            </a:extLst>
+          </p:cNvPr>
+          <p:cNvSpPr txBox="1"/>
+          <p:nvPr/>
+        </p:nvSpPr>
+        <p:spPr>
+          <a:xfrm>
+            <a:off x="7144139" y="2042831"/>
+            <a:ext cx="2780523" cy="461665"/>
+          </a:xfrm>
+          <a:prstGeom prst="rect">
+            <a:avLst/>
+          </a:prstGeom>
+          <a:noFill/>
+        </p:spPr>
+        <p:txBody>
+          <a:bodyPr wrap="square" rtlCol="0">
+            <a:spAutoFit/>
+          </a:bodyPr>
+          <a:lstStyle/>
+          <a:p>
+            <a:pPr algn="ctr"/>
+            <a:r>
+              <a:rPr lang="en-US" sz="2400" dirty="0">
+                <a:solidFill>
+                  <a:schemeClr val="bg1"/>
+                </a:solidFill>
+                <a:latin typeface="Arial Rounded MT Bold" panose="020F0704030504030204" pitchFamily="34" charset="0"/>
+              </a:rPr>
+              <a:t>RASA AMAN</a:t>
+            </a:r>
+            <a:endParaRPr lang="en-ID" sz="2400" dirty="0">
+              <a:solidFill>
+                <a:schemeClr val="bg1"/>
+              </a:solidFill>
+              <a:latin typeface="Arial Rounded MT Bold" panose="020F0704030504030204" pitchFamily="34" charset="0"/>
+            </a:endParaRPr>
+          </a:p>
+        </p:txBody>
+      </p:sp>
+      <p:cxnSp>
+        <p:nvCxnSpPr>
+          <p:cNvPr id="20" name="Straight Arrow Connector 19">
+            <a:extLst>
+              <a:ext uri="{FF2B5EF4-FFF2-40B4-BE49-F238E27FC236}">
+                <a16:creationId xmlns:a16="http://schemas.microsoft.com/office/drawing/2014/main" id="{695F2741-80EA-4590-AEA1-1D689F7DA92C}"/>
+              </a:ext>
+            </a:extLst>
+          </p:cNvPr>
+          <p:cNvCxnSpPr>
+            <a:cxnSpLocks/>
+          </p:cNvCxnSpPr>
+          <p:nvPr/>
+        </p:nvCxnSpPr>
+        <p:spPr>
+          <a:xfrm>
+            <a:off x="7072055" y="4061941"/>
+            <a:ext cx="1462345" cy="1129841"/>
+          </a:xfrm>
+          <a:prstGeom prst="straightConnector1">
+            <a:avLst/>
+          </a:prstGeom>
+          <a:ln>
+            <a:solidFill>
+              <a:schemeClr val="bg1"/>
+            </a:solidFill>
+            <a:tailEnd type="triangle"/>
+          </a:ln>
+        </p:spPr>
+        <p:style>
+          <a:lnRef idx="3">
+            <a:schemeClr val="accent1"/>
+          </a:lnRef>
+          <a:fillRef idx="0">
+            <a:schemeClr val="accent1"/>
+          </a:fillRef>
+          <a:effectRef idx="2">
+            <a:schemeClr val="accent1"/>
+          </a:effectRef>
+          <a:fontRef idx="minor">
+            <a:schemeClr val="tx1"/>
+          </a:fontRef>
+        </p:style>
+      </p:cxnSp>
+      <p:sp>
+        <p:nvSpPr>
+          <p:cNvPr id="21" name="TextBox 20">
+            <a:extLst>
+              <a:ext uri="{FF2B5EF4-FFF2-40B4-BE49-F238E27FC236}">
+                <a16:creationId xmlns:a16="http://schemas.microsoft.com/office/drawing/2014/main" id="{73CCF573-F9EE-4EC6-8CC7-2AE2AFA97390}"/>
+              </a:ext>
+            </a:extLst>
+          </p:cNvPr>
+          <p:cNvSpPr txBox="1"/>
+          <p:nvPr/>
+        </p:nvSpPr>
+        <p:spPr>
+          <a:xfrm>
+            <a:off x="7177803" y="5159829"/>
+            <a:ext cx="2780523" cy="461665"/>
+          </a:xfrm>
+          <a:prstGeom prst="rect">
+            <a:avLst/>
+          </a:prstGeom>
+          <a:noFill/>
+        </p:spPr>
+        <p:txBody>
+          <a:bodyPr wrap="square" rtlCol="0">
+            <a:spAutoFit/>
+          </a:bodyPr>
+          <a:lstStyle/>
+          <a:p>
+            <a:pPr algn="ctr"/>
+            <a:r>
+              <a:rPr lang="en-US" sz="2400" dirty="0">
+                <a:solidFill>
+                  <a:schemeClr val="bg1"/>
+                </a:solidFill>
+                <a:latin typeface="Arial Rounded MT Bold" panose="020F0704030504030204" pitchFamily="34" charset="0"/>
+              </a:rPr>
+              <a:t>PERCAYA DIRI</a:t>
+            </a:r>
+            <a:endParaRPr lang="en-ID" sz="2400" dirty="0">
+              <a:solidFill>
+                <a:schemeClr val="bg1"/>
               </a:solidFill>
               <a:latin typeface="Arial Rounded MT Bold" panose="020F0704030504030204" pitchFamily="34" charset="0"/>
             </a:endParaRPr>
@@ -7475,10 +10473,10 @@
       </p:sp>
       <p:pic>
         <p:nvPicPr>
-          <p:cNvPr id="9" name="Picture 8">
-            <a:extLst>
-              <a:ext uri="{FF2B5EF4-FFF2-40B4-BE49-F238E27FC236}">
-                <a16:creationId xmlns:a16="http://schemas.microsoft.com/office/drawing/2014/main" id="{B342A983-44E3-4133-9DFE-6F88EB774588}"/>
+          <p:cNvPr id="30" name="Picture 29">
+            <a:extLst>
+              <a:ext uri="{FF2B5EF4-FFF2-40B4-BE49-F238E27FC236}">
+                <a16:creationId xmlns:a16="http://schemas.microsoft.com/office/drawing/2014/main" id="{12F31351-AEE5-42CD-94CE-6B8A1B0F9052}"/>
               </a:ext>
             </a:extLst>
           </p:cNvPr>
@@ -7501,152 +10499,8 @@
         </p:blipFill>
         <p:spPr>
           <a:xfrm>
-            <a:off x="3032449" y="3906837"/>
-            <a:ext cx="1791475" cy="3657600"/>
-          </a:xfrm>
-          <a:prstGeom prst="rect">
-            <a:avLst/>
-          </a:prstGeom>
-        </p:spPr>
-      </p:pic>
-      <p:pic>
-        <p:nvPicPr>
-          <p:cNvPr id="11" name="Picture 10">
-            <a:extLst>
-              <a:ext uri="{FF2B5EF4-FFF2-40B4-BE49-F238E27FC236}">
-                <a16:creationId xmlns:a16="http://schemas.microsoft.com/office/drawing/2014/main" id="{8EE896AB-5831-42C3-BBCA-4080347B20BF}"/>
-              </a:ext>
-            </a:extLst>
-          </p:cNvPr>
-          <p:cNvPicPr>
-            <a:picLocks noChangeAspect="1"/>
-          </p:cNvPicPr>
-          <p:nvPr/>
-        </p:nvPicPr>
-        <p:blipFill>
-          <a:blip r:embed="rId3">
-            <a:extLst>
-              <a:ext uri="{28A0092B-C50C-407E-A947-70E740481C1C}">
-                <a14:useLocalDpi xmlns:a14="http://schemas.microsoft.com/office/drawing/2010/main" val="0"/>
-              </a:ext>
-            </a:extLst>
-          </a:blip>
-          <a:stretch>
-            <a:fillRect/>
-          </a:stretch>
-        </p:blipFill>
-        <p:spPr>
-          <a:xfrm>
-            <a:off x="5403171" y="3115588"/>
-            <a:ext cx="1760460" cy="3657600"/>
-          </a:xfrm>
-          <a:prstGeom prst="rect">
-            <a:avLst/>
-          </a:prstGeom>
-        </p:spPr>
-      </p:pic>
-      <p:pic>
-        <p:nvPicPr>
-          <p:cNvPr id="13" name="Picture 12">
-            <a:extLst>
-              <a:ext uri="{FF2B5EF4-FFF2-40B4-BE49-F238E27FC236}">
-                <a16:creationId xmlns:a16="http://schemas.microsoft.com/office/drawing/2014/main" id="{2771837B-B199-4C78-BDED-562B893A319C}"/>
-              </a:ext>
-            </a:extLst>
-          </p:cNvPr>
-          <p:cNvPicPr>
-            <a:picLocks noChangeAspect="1"/>
-          </p:cNvPicPr>
-          <p:nvPr/>
-        </p:nvPicPr>
-        <p:blipFill>
-          <a:blip r:embed="rId4">
-            <a:extLst>
-              <a:ext uri="{28A0092B-C50C-407E-A947-70E740481C1C}">
-                <a14:useLocalDpi xmlns:a14="http://schemas.microsoft.com/office/drawing/2010/main" val="0"/>
-              </a:ext>
-            </a:extLst>
-          </a:blip>
-          <a:stretch>
-            <a:fillRect/>
-          </a:stretch>
-        </p:blipFill>
-        <p:spPr>
-          <a:xfrm>
-            <a:off x="7591124" y="3906837"/>
-            <a:ext cx="1791475" cy="3657600"/>
-          </a:xfrm>
-          <a:prstGeom prst="rect">
-            <a:avLst/>
-          </a:prstGeom>
-        </p:spPr>
-      </p:pic>
-      <p:pic>
-        <p:nvPicPr>
-          <p:cNvPr id="15" name="Picture 14">
-            <a:extLst>
-              <a:ext uri="{FF2B5EF4-FFF2-40B4-BE49-F238E27FC236}">
-                <a16:creationId xmlns:a16="http://schemas.microsoft.com/office/drawing/2014/main" id="{06963D39-D187-4A64-B1AF-DDCB7DE4B763}"/>
-              </a:ext>
-            </a:extLst>
-          </p:cNvPr>
-          <p:cNvPicPr>
-            <a:picLocks noChangeAspect="1"/>
-          </p:cNvPicPr>
-          <p:nvPr/>
-        </p:nvPicPr>
-        <p:blipFill>
-          <a:blip r:embed="rId5">
-            <a:extLst>
-              <a:ext uri="{28A0092B-C50C-407E-A947-70E740481C1C}">
-                <a14:useLocalDpi xmlns:a14="http://schemas.microsoft.com/office/drawing/2010/main" val="0"/>
-              </a:ext>
-            </a:extLst>
-          </a:blip>
-          <a:stretch>
-            <a:fillRect/>
-          </a:stretch>
-        </p:blipFill>
-        <p:spPr>
-          <a:xfrm>
-            <a:off x="9738797" y="3115588"/>
-            <a:ext cx="1822541" cy="3657600"/>
-          </a:xfrm>
-          <a:prstGeom prst="rect">
-            <a:avLst/>
-          </a:prstGeom>
-        </p:spPr>
-      </p:pic>
-      <p:pic>
-        <p:nvPicPr>
-          <p:cNvPr id="17" name="Picture 16">
-            <a:extLst>
-              <a:ext uri="{FF2B5EF4-FFF2-40B4-BE49-F238E27FC236}">
-                <a16:creationId xmlns:a16="http://schemas.microsoft.com/office/drawing/2014/main" id="{91B683AC-0775-4136-A6F7-560CC1181B3C}"/>
-              </a:ext>
-            </a:extLst>
-          </p:cNvPr>
-          <p:cNvPicPr>
-            <a:picLocks noChangeAspect="1"/>
-          </p:cNvPicPr>
-          <p:nvPr/>
-        </p:nvPicPr>
-        <p:blipFill>
-          <a:blip r:embed="rId6">
-            <a:extLst>
-              <a:ext uri="{28A0092B-C50C-407E-A947-70E740481C1C}">
-                <a14:useLocalDpi xmlns:a14="http://schemas.microsoft.com/office/drawing/2010/main" val="0"/>
-              </a:ext>
-            </a:extLst>
-          </a:blip>
-          <a:stretch>
-            <a:fillRect/>
-          </a:stretch>
-        </p:blipFill>
-        <p:spPr>
-          <a:xfrm>
-            <a:off x="864177" y="3115588"/>
-            <a:ext cx="1761378" cy="3657600"/>
+            <a:off x="5310668" y="2273662"/>
+            <a:ext cx="1761386" cy="3657600"/>
           </a:xfrm>
           <a:prstGeom prst="rect">
             <a:avLst/>
@@ -7656,7 +10510,7 @@
     </p:spTree>
     <p:extLst>
       <p:ext uri="{BB962C8B-B14F-4D97-AF65-F5344CB8AC3E}">
-        <p14:creationId xmlns:p14="http://schemas.microsoft.com/office/powerpoint/2010/main" val="1100252857"/>
+        <p14:creationId xmlns:p14="http://schemas.microsoft.com/office/powerpoint/2010/main" val="3892081303"/>
       </p:ext>
     </p:extLst>
   </p:cSld>

--- a/dokumen/ppt_csd40.pptx
+++ b/dokumen/ppt_csd40.pptx
@@ -3458,7 +3458,7 @@
         </p:blipFill>
         <p:spPr>
           <a:xfrm>
-            <a:off x="6095998" y="2061435"/>
+            <a:off x="6096000" y="1959806"/>
             <a:ext cx="1710921" cy="911710"/>
           </a:xfrm>
           <a:prstGeom prst="rect">
@@ -3497,7 +3497,7 @@
         </p:blipFill>
         <p:spPr>
           <a:xfrm>
-            <a:off x="4811085" y="2061435"/>
+            <a:off x="4811087" y="1959806"/>
             <a:ext cx="1284913" cy="911710"/>
           </a:xfrm>
           <a:prstGeom prst="rect">
@@ -7163,8 +7163,8 @@
         </p:blipFill>
         <p:spPr>
           <a:xfrm>
-            <a:off x="9875219" y="5480388"/>
-            <a:ext cx="1710921" cy="911710"/>
+            <a:off x="10583446" y="5857786"/>
+            <a:ext cx="1002694" cy="534312"/>
           </a:xfrm>
           <a:prstGeom prst="rect">
             <a:avLst/>
@@ -7202,8 +7202,8 @@
         </p:blipFill>
         <p:spPr>
           <a:xfrm>
-            <a:off x="8434835" y="5480388"/>
-            <a:ext cx="1284913" cy="911710"/>
+            <a:off x="9830416" y="5857786"/>
+            <a:ext cx="753030" cy="534312"/>
           </a:xfrm>
           <a:prstGeom prst="rect">
             <a:avLst/>
@@ -7729,10 +7729,10 @@
       </p:grpSpPr>
       <p:pic>
         <p:nvPicPr>
-          <p:cNvPr id="3" name="Picture 2">
-            <a:extLst>
-              <a:ext uri="{FF2B5EF4-FFF2-40B4-BE49-F238E27FC236}">
-                <a16:creationId xmlns:a16="http://schemas.microsoft.com/office/drawing/2014/main" id="{86AEE542-B8F8-4488-B683-B6C0D56F50C8}"/>
+          <p:cNvPr id="5" name="Picture 4">
+            <a:extLst>
+              <a:ext uri="{FF2B5EF4-FFF2-40B4-BE49-F238E27FC236}">
+                <a16:creationId xmlns:a16="http://schemas.microsoft.com/office/drawing/2014/main" id="{A11CFA7D-2071-4BE7-9AF2-4CD84AF4D660}"/>
               </a:ext>
             </a:extLst>
           </p:cNvPr>
@@ -7747,83 +7747,8 @@
               <a:ext uri="{28A0092B-C50C-407E-A947-70E740481C1C}">
                 <a14:useLocalDpi xmlns:a14="http://schemas.microsoft.com/office/drawing/2010/main" val="0"/>
               </a:ext>
-            </a:extLst>
-          </a:blip>
-          <a:stretch>
-            <a:fillRect/>
-          </a:stretch>
-        </p:blipFill>
-        <p:spPr>
-          <a:xfrm>
-            <a:off x="9875219" y="5480388"/>
-            <a:ext cx="1710921" cy="911710"/>
-          </a:xfrm>
-          <a:prstGeom prst="rect">
-            <a:avLst/>
-          </a:prstGeom>
-        </p:spPr>
-      </p:pic>
-      <p:pic>
-        <p:nvPicPr>
-          <p:cNvPr id="6" name="Picture 5">
-            <a:extLst>
-              <a:ext uri="{FF2B5EF4-FFF2-40B4-BE49-F238E27FC236}">
-                <a16:creationId xmlns:a16="http://schemas.microsoft.com/office/drawing/2014/main" id="{4D7AE8FB-09C1-478A-90F5-6799D028810C}"/>
-              </a:ext>
-            </a:extLst>
-          </p:cNvPr>
-          <p:cNvPicPr>
-            <a:picLocks noChangeAspect="1"/>
-          </p:cNvPicPr>
-          <p:nvPr/>
-        </p:nvPicPr>
-        <p:blipFill>
-          <a:blip r:embed="rId3">
-            <a:extLst>
-              <a:ext uri="{28A0092B-C50C-407E-A947-70E740481C1C}">
-                <a14:useLocalDpi xmlns:a14="http://schemas.microsoft.com/office/drawing/2010/main" val="0"/>
-              </a:ext>
               <a:ext uri="{837473B0-CC2E-450A-ABE3-18F120FF3D39}">
-                <a1611:picAttrSrcUrl xmlns:a1611="http://schemas.microsoft.com/office/drawing/2016/11/main" r:id="rId4"/>
-              </a:ext>
-            </a:extLst>
-          </a:blip>
-          <a:stretch>
-            <a:fillRect/>
-          </a:stretch>
-        </p:blipFill>
-        <p:spPr>
-          <a:xfrm>
-            <a:off x="8434835" y="5480388"/>
-            <a:ext cx="1284913" cy="911710"/>
-          </a:xfrm>
-          <a:prstGeom prst="rect">
-            <a:avLst/>
-          </a:prstGeom>
-        </p:spPr>
-      </p:pic>
-      <p:pic>
-        <p:nvPicPr>
-          <p:cNvPr id="5" name="Picture 4">
-            <a:extLst>
-              <a:ext uri="{FF2B5EF4-FFF2-40B4-BE49-F238E27FC236}">
-                <a16:creationId xmlns:a16="http://schemas.microsoft.com/office/drawing/2014/main" id="{A11CFA7D-2071-4BE7-9AF2-4CD84AF4D660}"/>
-              </a:ext>
-            </a:extLst>
-          </p:cNvPr>
-          <p:cNvPicPr>
-            <a:picLocks noChangeAspect="1"/>
-          </p:cNvPicPr>
-          <p:nvPr/>
-        </p:nvPicPr>
-        <p:blipFill>
-          <a:blip r:embed="rId5">
-            <a:extLst>
-              <a:ext uri="{28A0092B-C50C-407E-A947-70E740481C1C}">
-                <a14:useLocalDpi xmlns:a14="http://schemas.microsoft.com/office/drawing/2010/main" val="0"/>
-              </a:ext>
-              <a:ext uri="{837473B0-CC2E-450A-ABE3-18F120FF3D39}">
-                <a1611:picAttrSrcUrl xmlns:a1611="http://schemas.microsoft.com/office/drawing/2016/11/main" r:id="rId6"/>
+                <a1611:picAttrSrcUrl xmlns:a1611="http://schemas.microsoft.com/office/drawing/2016/11/main" r:id="rId3"/>
               </a:ext>
             </a:extLst>
           </a:blip>
@@ -8324,6 +8249,81 @@
           </a:p>
         </p:txBody>
       </p:sp>
+      <p:pic>
+        <p:nvPicPr>
+          <p:cNvPr id="7" name="Picture 6">
+            <a:extLst>
+              <a:ext uri="{FF2B5EF4-FFF2-40B4-BE49-F238E27FC236}">
+                <a16:creationId xmlns:a16="http://schemas.microsoft.com/office/drawing/2014/main" id="{E6020FD1-0211-48D2-9CA0-2C1DF83FD4D0}"/>
+              </a:ext>
+            </a:extLst>
+          </p:cNvPr>
+          <p:cNvPicPr>
+            <a:picLocks noChangeAspect="1"/>
+          </p:cNvPicPr>
+          <p:nvPr/>
+        </p:nvPicPr>
+        <p:blipFill>
+          <a:blip r:embed="rId4">
+            <a:extLst>
+              <a:ext uri="{28A0092B-C50C-407E-A947-70E740481C1C}">
+                <a14:useLocalDpi xmlns:a14="http://schemas.microsoft.com/office/drawing/2010/main" val="0"/>
+              </a:ext>
+            </a:extLst>
+          </a:blip>
+          <a:stretch>
+            <a:fillRect/>
+          </a:stretch>
+        </p:blipFill>
+        <p:spPr>
+          <a:xfrm>
+            <a:off x="10583446" y="5857786"/>
+            <a:ext cx="1002694" cy="534312"/>
+          </a:xfrm>
+          <a:prstGeom prst="rect">
+            <a:avLst/>
+          </a:prstGeom>
+        </p:spPr>
+      </p:pic>
+      <p:pic>
+        <p:nvPicPr>
+          <p:cNvPr id="8" name="Picture 7">
+            <a:extLst>
+              <a:ext uri="{FF2B5EF4-FFF2-40B4-BE49-F238E27FC236}">
+                <a16:creationId xmlns:a16="http://schemas.microsoft.com/office/drawing/2014/main" id="{3F9A6148-FDD1-4E74-B86F-38D3E0D86928}"/>
+              </a:ext>
+            </a:extLst>
+          </p:cNvPr>
+          <p:cNvPicPr>
+            <a:picLocks noChangeAspect="1"/>
+          </p:cNvPicPr>
+          <p:nvPr/>
+        </p:nvPicPr>
+        <p:blipFill>
+          <a:blip r:embed="rId5">
+            <a:extLst>
+              <a:ext uri="{28A0092B-C50C-407E-A947-70E740481C1C}">
+                <a14:useLocalDpi xmlns:a14="http://schemas.microsoft.com/office/drawing/2010/main" val="0"/>
+              </a:ext>
+              <a:ext uri="{837473B0-CC2E-450A-ABE3-18F120FF3D39}">
+                <a1611:picAttrSrcUrl xmlns:a1611="http://schemas.microsoft.com/office/drawing/2016/11/main" r:id="rId6"/>
+              </a:ext>
+            </a:extLst>
+          </a:blip>
+          <a:stretch>
+            <a:fillRect/>
+          </a:stretch>
+        </p:blipFill>
+        <p:spPr>
+          <a:xfrm>
+            <a:off x="9830416" y="5857786"/>
+            <a:ext cx="753030" cy="534312"/>
+          </a:xfrm>
+          <a:prstGeom prst="rect">
+            <a:avLst/>
+          </a:prstGeom>
+        </p:spPr>
+      </p:pic>
     </p:spTree>
     <p:extLst>
       <p:ext uri="{BB962C8B-B14F-4D97-AF65-F5344CB8AC3E}">
@@ -8454,10 +8454,10 @@
       </p:grpSpPr>
       <p:pic>
         <p:nvPicPr>
-          <p:cNvPr id="3" name="Picture 2">
-            <a:extLst>
-              <a:ext uri="{FF2B5EF4-FFF2-40B4-BE49-F238E27FC236}">
-                <a16:creationId xmlns:a16="http://schemas.microsoft.com/office/drawing/2014/main" id="{86AEE542-B8F8-4488-B683-B6C0D56F50C8}"/>
+          <p:cNvPr id="5" name="Picture 4">
+            <a:extLst>
+              <a:ext uri="{FF2B5EF4-FFF2-40B4-BE49-F238E27FC236}">
+                <a16:creationId xmlns:a16="http://schemas.microsoft.com/office/drawing/2014/main" id="{A11CFA7D-2071-4BE7-9AF2-4CD84AF4D660}"/>
               </a:ext>
             </a:extLst>
           </p:cNvPr>
@@ -8472,6 +8472,9 @@
               <a:ext uri="{28A0092B-C50C-407E-A947-70E740481C1C}">
                 <a14:useLocalDpi xmlns:a14="http://schemas.microsoft.com/office/drawing/2010/main" val="0"/>
               </a:ext>
+              <a:ext uri="{837473B0-CC2E-450A-ABE3-18F120FF3D39}">
+                <a1611:picAttrSrcUrl xmlns:a1611="http://schemas.microsoft.com/office/drawing/2016/11/main" r:id="rId3"/>
+              </a:ext>
             </a:extLst>
           </a:blip>
           <a:stretch>
@@ -8480,8 +8483,8 @@
         </p:blipFill>
         <p:spPr>
           <a:xfrm>
-            <a:off x="9875219" y="5480388"/>
-            <a:ext cx="1710921" cy="911710"/>
+            <a:off x="609600" y="-415212"/>
+            <a:ext cx="2743200" cy="2743200"/>
           </a:xfrm>
           <a:prstGeom prst="rect">
             <a:avLst/>
@@ -8490,10 +8493,10 @@
       </p:pic>
       <p:pic>
         <p:nvPicPr>
-          <p:cNvPr id="6" name="Picture 5">
-            <a:extLst>
-              <a:ext uri="{FF2B5EF4-FFF2-40B4-BE49-F238E27FC236}">
-                <a16:creationId xmlns:a16="http://schemas.microsoft.com/office/drawing/2014/main" id="{4D7AE8FB-09C1-478A-90F5-6799D028810C}"/>
+          <p:cNvPr id="4" name="Picture 3">
+            <a:extLst>
+              <a:ext uri="{FF2B5EF4-FFF2-40B4-BE49-F238E27FC236}">
+                <a16:creationId xmlns:a16="http://schemas.microsoft.com/office/drawing/2014/main" id="{FE8DB86E-D182-4423-B517-D08B0D9FD792}"/>
               </a:ext>
             </a:extLst>
           </p:cNvPr>
@@ -8503,13 +8506,10 @@
           <p:nvPr/>
         </p:nvPicPr>
         <p:blipFill>
-          <a:blip r:embed="rId3">
+          <a:blip r:embed="rId4">
             <a:extLst>
               <a:ext uri="{28A0092B-C50C-407E-A947-70E740481C1C}">
                 <a14:useLocalDpi xmlns:a14="http://schemas.microsoft.com/office/drawing/2010/main" val="0"/>
-              </a:ext>
-              <a:ext uri="{837473B0-CC2E-450A-ABE3-18F120FF3D39}">
-                <a1611:picAttrSrcUrl xmlns:a1611="http://schemas.microsoft.com/office/drawing/2016/11/main" r:id="rId4"/>
               </a:ext>
             </a:extLst>
           </a:blip>
@@ -8519,8 +8519,8 @@
         </p:blipFill>
         <p:spPr>
           <a:xfrm>
-            <a:off x="8434835" y="5480388"/>
-            <a:ext cx="1284913" cy="911710"/>
+            <a:off x="2634523" y="1510720"/>
+            <a:ext cx="6922954" cy="3836559"/>
           </a:xfrm>
           <a:prstGeom prst="rect">
             <a:avLst/>
@@ -8529,10 +8529,10 @@
       </p:pic>
       <p:pic>
         <p:nvPicPr>
-          <p:cNvPr id="5" name="Picture 4">
-            <a:extLst>
-              <a:ext uri="{FF2B5EF4-FFF2-40B4-BE49-F238E27FC236}">
-                <a16:creationId xmlns:a16="http://schemas.microsoft.com/office/drawing/2014/main" id="{A11CFA7D-2071-4BE7-9AF2-4CD84AF4D660}"/>
+          <p:cNvPr id="7" name="Picture 6">
+            <a:extLst>
+              <a:ext uri="{FF2B5EF4-FFF2-40B4-BE49-F238E27FC236}">
+                <a16:creationId xmlns:a16="http://schemas.microsoft.com/office/drawing/2014/main" id="{07F20F2B-A182-4EBC-BA79-AE0D2EE8FE22}"/>
               </a:ext>
             </a:extLst>
           </p:cNvPr>
@@ -8547,9 +8547,6 @@
               <a:ext uri="{28A0092B-C50C-407E-A947-70E740481C1C}">
                 <a14:useLocalDpi xmlns:a14="http://schemas.microsoft.com/office/drawing/2010/main" val="0"/>
               </a:ext>
-              <a:ext uri="{837473B0-CC2E-450A-ABE3-18F120FF3D39}">
-                <a1611:picAttrSrcUrl xmlns:a1611="http://schemas.microsoft.com/office/drawing/2016/11/main" r:id="rId6"/>
-              </a:ext>
             </a:extLst>
           </a:blip>
           <a:stretch>
@@ -8558,8 +8555,8 @@
         </p:blipFill>
         <p:spPr>
           <a:xfrm>
-            <a:off x="609600" y="-415212"/>
-            <a:ext cx="2743200" cy="2743200"/>
+            <a:off x="10583446" y="5857786"/>
+            <a:ext cx="1002694" cy="534312"/>
           </a:xfrm>
           <a:prstGeom prst="rect">
             <a:avLst/>
@@ -8568,10 +8565,10 @@
       </p:pic>
       <p:pic>
         <p:nvPicPr>
-          <p:cNvPr id="4" name="Picture 3">
-            <a:extLst>
-              <a:ext uri="{FF2B5EF4-FFF2-40B4-BE49-F238E27FC236}">
-                <a16:creationId xmlns:a16="http://schemas.microsoft.com/office/drawing/2014/main" id="{FE8DB86E-D182-4423-B517-D08B0D9FD792}"/>
+          <p:cNvPr id="8" name="Picture 7">
+            <a:extLst>
+              <a:ext uri="{FF2B5EF4-FFF2-40B4-BE49-F238E27FC236}">
+                <a16:creationId xmlns:a16="http://schemas.microsoft.com/office/drawing/2014/main" id="{A1C84A1A-9EB7-493E-9BD2-2635054DB33A}"/>
               </a:ext>
             </a:extLst>
           </p:cNvPr>
@@ -8581,10 +8578,13 @@
           <p:nvPr/>
         </p:nvPicPr>
         <p:blipFill>
-          <a:blip r:embed="rId7">
+          <a:blip r:embed="rId6">
             <a:extLst>
               <a:ext uri="{28A0092B-C50C-407E-A947-70E740481C1C}">
                 <a14:useLocalDpi xmlns:a14="http://schemas.microsoft.com/office/drawing/2010/main" val="0"/>
+              </a:ext>
+              <a:ext uri="{837473B0-CC2E-450A-ABE3-18F120FF3D39}">
+                <a1611:picAttrSrcUrl xmlns:a1611="http://schemas.microsoft.com/office/drawing/2016/11/main" r:id="rId7"/>
               </a:ext>
             </a:extLst>
           </a:blip>
@@ -8594,8 +8594,8 @@
         </p:blipFill>
         <p:spPr>
           <a:xfrm>
-            <a:off x="2634523" y="1510720"/>
-            <a:ext cx="6922954" cy="3836559"/>
+            <a:off x="9830416" y="5857786"/>
+            <a:ext cx="753030" cy="534312"/>
           </a:xfrm>
           <a:prstGeom prst="rect">
             <a:avLst/>
@@ -8846,10 +8846,10 @@
       </p:sp>
       <p:pic>
         <p:nvPicPr>
-          <p:cNvPr id="3" name="Picture 2">
-            <a:extLst>
-              <a:ext uri="{FF2B5EF4-FFF2-40B4-BE49-F238E27FC236}">
-                <a16:creationId xmlns:a16="http://schemas.microsoft.com/office/drawing/2014/main" id="{86AEE542-B8F8-4488-B683-B6C0D56F50C8}"/>
+          <p:cNvPr id="5" name="Picture 4">
+            <a:extLst>
+              <a:ext uri="{FF2B5EF4-FFF2-40B4-BE49-F238E27FC236}">
+                <a16:creationId xmlns:a16="http://schemas.microsoft.com/office/drawing/2014/main" id="{EAD2AF43-BD00-422B-B27F-DE684948877A}"/>
               </a:ext>
             </a:extLst>
           </p:cNvPr>
@@ -8872,8 +8872,8 @@
         </p:blipFill>
         <p:spPr>
           <a:xfrm>
-            <a:off x="9875219" y="5480388"/>
-            <a:ext cx="1710921" cy="911710"/>
+            <a:off x="10583446" y="5857786"/>
+            <a:ext cx="1002694" cy="534312"/>
           </a:xfrm>
           <a:prstGeom prst="rect">
             <a:avLst/>
@@ -8882,10 +8882,10 @@
       </p:pic>
       <p:pic>
         <p:nvPicPr>
-          <p:cNvPr id="6" name="Picture 5">
-            <a:extLst>
-              <a:ext uri="{FF2B5EF4-FFF2-40B4-BE49-F238E27FC236}">
-                <a16:creationId xmlns:a16="http://schemas.microsoft.com/office/drawing/2014/main" id="{4D7AE8FB-09C1-478A-90F5-6799D028810C}"/>
+          <p:cNvPr id="7" name="Picture 6">
+            <a:extLst>
+              <a:ext uri="{FF2B5EF4-FFF2-40B4-BE49-F238E27FC236}">
+                <a16:creationId xmlns:a16="http://schemas.microsoft.com/office/drawing/2014/main" id="{0DC8D6BD-927B-4253-A63C-F6DFF7AF3FB4}"/>
               </a:ext>
             </a:extLst>
           </p:cNvPr>
@@ -8911,8 +8911,8 @@
         </p:blipFill>
         <p:spPr>
           <a:xfrm>
-            <a:off x="8434835" y="5480388"/>
-            <a:ext cx="1284913" cy="911710"/>
+            <a:off x="9830416" y="5857786"/>
+            <a:ext cx="753030" cy="534312"/>
           </a:xfrm>
           <a:prstGeom prst="rect">
             <a:avLst/>

--- a/dokumen/ppt_csd40.pptx
+++ b/dokumen/ppt_csd40.pptx
@@ -9738,33 +9738,15 @@
                                   </p:childTnLst>
                                 </p:cTn>
                               </p:par>
-                            </p:childTnLst>
-                          </p:cTn>
-                        </p:par>
-                      </p:childTnLst>
-                    </p:cTn>
-                  </p:par>
-                  <p:par>
-                    <p:cTn id="11" fill="hold">
-                      <p:stCondLst>
-                        <p:cond delay="indefinite"/>
-                      </p:stCondLst>
-                      <p:childTnLst>
-                        <p:par>
-                          <p:cTn id="12" fill="hold">
-                            <p:stCondLst>
-                              <p:cond delay="0"/>
-                            </p:stCondLst>
-                            <p:childTnLst>
                               <p:par>
-                                <p:cTn id="13" presetID="42" presetClass="entr" presetSubtype="0" fill="hold" nodeType="clickEffect">
+                                <p:cTn id="11" presetID="10" presetClass="entr" presetSubtype="0" fill="hold" nodeType="withEffect">
                                   <p:stCondLst>
                                     <p:cond delay="0"/>
                                   </p:stCondLst>
                                   <p:childTnLst>
                                     <p:set>
                                       <p:cBhvr>
-                                        <p:cTn id="14" dur="1" fill="hold">
+                                        <p:cTn id="12" dur="1" fill="hold">
                                           <p:stCondLst>
                                             <p:cond delay="0"/>
                                           </p:stCondLst>
@@ -9782,70 +9764,24 @@
                                     </p:set>
                                     <p:animEffect transition="in" filter="fade">
                                       <p:cBhvr>
-                                        <p:cTn id="15" dur="1000"/>
+                                        <p:cTn id="13" dur="500"/>
                                         <p:tgtEl>
                                           <p:spTgt spid="8"/>
                                         </p:tgtEl>
                                       </p:cBhvr>
                                     </p:animEffect>
-                                    <p:anim calcmode="lin" valueType="num">
-                                      <p:cBhvr>
-                                        <p:cTn id="16" dur="1000" fill="hold"/>
-                                        <p:tgtEl>
-                                          <p:spTgt spid="8"/>
-                                        </p:tgtEl>
-                                        <p:attrNameLst>
-                                          <p:attrName>ppt_x</p:attrName>
-                                        </p:attrNameLst>
-                                      </p:cBhvr>
-                                      <p:tavLst>
-                                        <p:tav tm="0">
-                                          <p:val>
-                                            <p:strVal val="#ppt_x"/>
-                                          </p:val>
-                                        </p:tav>
-                                        <p:tav tm="100000">
-                                          <p:val>
-                                            <p:strVal val="#ppt_x"/>
-                                          </p:val>
-                                        </p:tav>
-                                      </p:tavLst>
-                                    </p:anim>
-                                    <p:anim calcmode="lin" valueType="num">
-                                      <p:cBhvr>
-                                        <p:cTn id="17" dur="1000" fill="hold"/>
-                                        <p:tgtEl>
-                                          <p:spTgt spid="8"/>
-                                        </p:tgtEl>
-                                        <p:attrNameLst>
-                                          <p:attrName>ppt_y</p:attrName>
-                                        </p:attrNameLst>
-                                      </p:cBhvr>
-                                      <p:tavLst>
-                                        <p:tav tm="0">
-                                          <p:val>
-                                            <p:strVal val="#ppt_y+.1"/>
-                                          </p:val>
-                                        </p:tav>
-                                        <p:tav tm="100000">
-                                          <p:val>
-                                            <p:strVal val="#ppt_y"/>
-                                          </p:val>
-                                        </p:tav>
-                                      </p:tavLst>
-                                    </p:anim>
                                   </p:childTnLst>
                                 </p:cTn>
                               </p:par>
                               <p:par>
-                                <p:cTn id="18" presetID="42" presetClass="entr" presetSubtype="0" fill="hold" nodeType="withEffect">
+                                <p:cTn id="14" presetID="10" presetClass="entr" presetSubtype="0" fill="hold" nodeType="withEffect">
                                   <p:stCondLst>
                                     <p:cond delay="0"/>
                                   </p:stCondLst>
                                   <p:childTnLst>
                                     <p:set>
                                       <p:cBhvr>
-                                        <p:cTn id="19" dur="1" fill="hold">
+                                        <p:cTn id="15" dur="1" fill="hold">
                                           <p:stCondLst>
                                             <p:cond delay="0"/>
                                           </p:stCondLst>
@@ -9863,70 +9799,24 @@
                                     </p:set>
                                     <p:animEffect transition="in" filter="fade">
                                       <p:cBhvr>
-                                        <p:cTn id="20" dur="1000"/>
+                                        <p:cTn id="16" dur="500"/>
                                         <p:tgtEl>
                                           <p:spTgt spid="11"/>
                                         </p:tgtEl>
                                       </p:cBhvr>
                                     </p:animEffect>
-                                    <p:anim calcmode="lin" valueType="num">
-                                      <p:cBhvr>
-                                        <p:cTn id="21" dur="1000" fill="hold"/>
-                                        <p:tgtEl>
-                                          <p:spTgt spid="11"/>
-                                        </p:tgtEl>
-                                        <p:attrNameLst>
-                                          <p:attrName>ppt_x</p:attrName>
-                                        </p:attrNameLst>
-                                      </p:cBhvr>
-                                      <p:tavLst>
-                                        <p:tav tm="0">
-                                          <p:val>
-                                            <p:strVal val="#ppt_x"/>
-                                          </p:val>
-                                        </p:tav>
-                                        <p:tav tm="100000">
-                                          <p:val>
-                                            <p:strVal val="#ppt_x"/>
-                                          </p:val>
-                                        </p:tav>
-                                      </p:tavLst>
-                                    </p:anim>
-                                    <p:anim calcmode="lin" valueType="num">
-                                      <p:cBhvr>
-                                        <p:cTn id="22" dur="1000" fill="hold"/>
-                                        <p:tgtEl>
-                                          <p:spTgt spid="11"/>
-                                        </p:tgtEl>
-                                        <p:attrNameLst>
-                                          <p:attrName>ppt_y</p:attrName>
-                                        </p:attrNameLst>
-                                      </p:cBhvr>
-                                      <p:tavLst>
-                                        <p:tav tm="0">
-                                          <p:val>
-                                            <p:strVal val="#ppt_y+.1"/>
-                                          </p:val>
-                                        </p:tav>
-                                        <p:tav tm="100000">
-                                          <p:val>
-                                            <p:strVal val="#ppt_y"/>
-                                          </p:val>
-                                        </p:tav>
-                                      </p:tavLst>
-                                    </p:anim>
                                   </p:childTnLst>
                                 </p:cTn>
                               </p:par>
                               <p:par>
-                                <p:cTn id="23" presetID="42" presetClass="entr" presetSubtype="0" fill="hold" nodeType="withEffect">
+                                <p:cTn id="17" presetID="10" presetClass="entr" presetSubtype="0" fill="hold" nodeType="withEffect">
                                   <p:stCondLst>
                                     <p:cond delay="0"/>
                                   </p:stCondLst>
                                   <p:childTnLst>
                                     <p:set>
                                       <p:cBhvr>
-                                        <p:cTn id="24" dur="1" fill="hold">
+                                        <p:cTn id="18" dur="1" fill="hold">
                                           <p:stCondLst>
                                             <p:cond delay="0"/>
                                           </p:stCondLst>
@@ -9944,58 +9834,12 @@
                                     </p:set>
                                     <p:animEffect transition="in" filter="fade">
                                       <p:cBhvr>
-                                        <p:cTn id="25" dur="1000"/>
+                                        <p:cTn id="19" dur="500"/>
                                         <p:tgtEl>
                                           <p:spTgt spid="24"/>
                                         </p:tgtEl>
                                       </p:cBhvr>
                                     </p:animEffect>
-                                    <p:anim calcmode="lin" valueType="num">
-                                      <p:cBhvr>
-                                        <p:cTn id="26" dur="1000" fill="hold"/>
-                                        <p:tgtEl>
-                                          <p:spTgt spid="24"/>
-                                        </p:tgtEl>
-                                        <p:attrNameLst>
-                                          <p:attrName>ppt_x</p:attrName>
-                                        </p:attrNameLst>
-                                      </p:cBhvr>
-                                      <p:tavLst>
-                                        <p:tav tm="0">
-                                          <p:val>
-                                            <p:strVal val="#ppt_x"/>
-                                          </p:val>
-                                        </p:tav>
-                                        <p:tav tm="100000">
-                                          <p:val>
-                                            <p:strVal val="#ppt_x"/>
-                                          </p:val>
-                                        </p:tav>
-                                      </p:tavLst>
-                                    </p:anim>
-                                    <p:anim calcmode="lin" valueType="num">
-                                      <p:cBhvr>
-                                        <p:cTn id="27" dur="1000" fill="hold"/>
-                                        <p:tgtEl>
-                                          <p:spTgt spid="24"/>
-                                        </p:tgtEl>
-                                        <p:attrNameLst>
-                                          <p:attrName>ppt_y</p:attrName>
-                                        </p:attrNameLst>
-                                      </p:cBhvr>
-                                      <p:tavLst>
-                                        <p:tav tm="0">
-                                          <p:val>
-                                            <p:strVal val="#ppt_y+.1"/>
-                                          </p:val>
-                                        </p:tav>
-                                        <p:tav tm="100000">
-                                          <p:val>
-                                            <p:strVal val="#ppt_y"/>
-                                          </p:val>
-                                        </p:tav>
-                                      </p:tavLst>
-                                    </p:anim>
                                   </p:childTnLst>
                                 </p:cTn>
                               </p:par>
